--- a/images/sampling/src/stratified-sample.pptx
+++ b/images/sampling/src/stratified-sample.pptx
@@ -104,6 +104,11 @@
       </a:defRPr>
     </a:lvl9pPr>
   </p:defaultTextStyle>
+  <p:extLst>
+    <p:ext uri="{EFAFB233-063F-42B5-8137-9DF3F51BA10A}">
+      <p15:sldGuideLst xmlns:p15="http://schemas.microsoft.com/office/powerpoint/2012/main"/>
+    </p:ext>
+  </p:extLst>
 </p:presentation>
 </file>
 
@@ -155,7 +160,7 @@
     <inkml:brush xml:id="br0">
       <inkml:brushProperty name="width" value="0.35" units="cm"/>
       <inkml:brushProperty name="height" value="0.35" units="cm"/>
-      <inkml:brushProperty name="color" value="#F6630D"/>
+      <inkml:brushProperty name="color" value="#BA482C"/>
     </inkml:brush>
   </inkml:definitions>
   <inkml:trace contextRef="#ctx0" brushRef="#br0">0 0 24575,'0'0'0</inkml:trace>
@@ -183,7 +188,7 @@
     <inkml:brush xml:id="br0">
       <inkml:brushProperty name="width" value="0.35" units="cm"/>
       <inkml:brushProperty name="height" value="0.35" units="cm"/>
-      <inkml:brushProperty name="color" value="#66CC00"/>
+      <inkml:brushProperty name="color" value="#7D943C"/>
     </inkml:brush>
   </inkml:definitions>
   <inkml:trace contextRef="#ctx0" brushRef="#br0">0 0 24575,'0'0'0</inkml:trace>
@@ -211,7 +216,7 @@
     <inkml:brush xml:id="br0">
       <inkml:brushProperty name="width" value="0.35" units="cm"/>
       <inkml:brushProperty name="height" value="0.35" units="cm"/>
-      <inkml:brushProperty name="color" value="#66CC00"/>
+      <inkml:brushProperty name="color" value="#7D943C"/>
     </inkml:brush>
   </inkml:definitions>
   <inkml:trace contextRef="#ctx0" brushRef="#br0">1 0 24575,'0'0'0</inkml:trace>
@@ -239,7 +244,7 @@
     <inkml:brush xml:id="br0">
       <inkml:brushProperty name="width" value="0.35" units="cm"/>
       <inkml:brushProperty name="height" value="0.35" units="cm"/>
-      <inkml:brushProperty name="color" value="#66CC00"/>
+      <inkml:brushProperty name="color" value="#7D943C"/>
     </inkml:brush>
   </inkml:definitions>
   <inkml:trace contextRef="#ctx0" brushRef="#br0">0 0 24575,'0'0'0</inkml:trace>
@@ -267,7 +272,7 @@
     <inkml:brush xml:id="br0">
       <inkml:brushProperty name="width" value="0.35" units="cm"/>
       <inkml:brushProperty name="height" value="0.35" units="cm"/>
-      <inkml:brushProperty name="color" value="#66CC00"/>
+      <inkml:brushProperty name="color" value="#7D943C"/>
     </inkml:brush>
   </inkml:definitions>
   <inkml:trace contextRef="#ctx0" brushRef="#br0">0 1 24575,'0'0'0</inkml:trace>
@@ -295,7 +300,7 @@
     <inkml:brush xml:id="br0">
       <inkml:brushProperty name="width" value="0.35" units="cm"/>
       <inkml:brushProperty name="height" value="0.35" units="cm"/>
-      <inkml:brushProperty name="color" value="#66CC00"/>
+      <inkml:brushProperty name="color" value="#7D943C"/>
     </inkml:brush>
   </inkml:definitions>
   <inkml:trace contextRef="#ctx0" brushRef="#br0">1 0 24575,'0'0'0</inkml:trace>
@@ -323,7 +328,7 @@
     <inkml:brush xml:id="br0">
       <inkml:brushProperty name="width" value="0.35" units="cm"/>
       <inkml:brushProperty name="height" value="0.35" units="cm"/>
-      <inkml:brushProperty name="color" value="#66CC00"/>
+      <inkml:brushProperty name="color" value="#7D943C"/>
     </inkml:brush>
   </inkml:definitions>
   <inkml:trace contextRef="#ctx0" brushRef="#br0">1 0 24575,'0'0'0</inkml:trace>
@@ -351,7 +356,7 @@
     <inkml:brush xml:id="br0">
       <inkml:brushProperty name="width" value="0.35" units="cm"/>
       <inkml:brushProperty name="height" value="0.35" units="cm"/>
-      <inkml:brushProperty name="color" value="#66CC00"/>
+      <inkml:brushProperty name="color" value="#7D943C"/>
     </inkml:brush>
   </inkml:definitions>
   <inkml:trace contextRef="#ctx0" brushRef="#br0">0 0 24575,'0'0'0</inkml:trace>
@@ -379,7 +384,7 @@
     <inkml:brush xml:id="br0">
       <inkml:brushProperty name="width" value="0.35" units="cm"/>
       <inkml:brushProperty name="height" value="0.35" units="cm"/>
-      <inkml:brushProperty name="color" value="#66CC00"/>
+      <inkml:brushProperty name="color" value="#7D943C"/>
     </inkml:brush>
   </inkml:definitions>
   <inkml:trace contextRef="#ctx0" brushRef="#br0">0 1 24575,'0'0'0</inkml:trace>
@@ -407,7 +412,7 @@
     <inkml:brush xml:id="br0">
       <inkml:brushProperty name="width" value="0.35" units="cm"/>
       <inkml:brushProperty name="height" value="0.35" units="cm"/>
-      <inkml:brushProperty name="color" value="#66CC00"/>
+      <inkml:brushProperty name="color" value="#7D943C"/>
     </inkml:brush>
   </inkml:definitions>
   <inkml:trace contextRef="#ctx0" brushRef="#br0">1 0 24575,'0'0'0</inkml:trace>
@@ -435,7 +440,7 @@
     <inkml:brush xml:id="br0">
       <inkml:brushProperty name="width" value="0.35" units="cm"/>
       <inkml:brushProperty name="height" value="0.35" units="cm"/>
-      <inkml:brushProperty name="color" value="#66CC00"/>
+      <inkml:brushProperty name="color" value="#7D943C"/>
     </inkml:brush>
   </inkml:definitions>
   <inkml:trace contextRef="#ctx0" brushRef="#br0">1 0 24575,'0'0'0</inkml:trace>
@@ -463,7 +468,7 @@
     <inkml:brush xml:id="br0">
       <inkml:brushProperty name="width" value="0.35" units="cm"/>
       <inkml:brushProperty name="height" value="0.35" units="cm"/>
-      <inkml:brushProperty name="color" value="#F6630D"/>
+      <inkml:brushProperty name="color" value="#BA482C"/>
     </inkml:brush>
   </inkml:definitions>
   <inkml:trace contextRef="#ctx0" brushRef="#br0">0 1 24575,'0'0'0</inkml:trace>
@@ -491,7 +496,7 @@
     <inkml:brush xml:id="br0">
       <inkml:brushProperty name="width" value="0.35" units="cm"/>
       <inkml:brushProperty name="height" value="0.35" units="cm"/>
-      <inkml:brushProperty name="color" value="#66CC00"/>
+      <inkml:brushProperty name="color" value="#7D943C"/>
     </inkml:brush>
   </inkml:definitions>
   <inkml:trace contextRef="#ctx0" brushRef="#br0">1 0 24575,'0'0'0</inkml:trace>
@@ -519,7 +524,7 @@
     <inkml:brush xml:id="br0">
       <inkml:brushProperty name="width" value="0.35" units="cm"/>
       <inkml:brushProperty name="height" value="0.35" units="cm"/>
-      <inkml:brushProperty name="color" value="#66CC00"/>
+      <inkml:brushProperty name="color" value="#7D943C"/>
     </inkml:brush>
   </inkml:definitions>
   <inkml:trace contextRef="#ctx0" brushRef="#br0">1 1 24575,'0'0'0</inkml:trace>
@@ -547,7 +552,7 @@
     <inkml:brush xml:id="br0">
       <inkml:brushProperty name="width" value="0.35" units="cm"/>
       <inkml:brushProperty name="height" value="0.35" units="cm"/>
-      <inkml:brushProperty name="color" value="#66CC00"/>
+      <inkml:brushProperty name="color" value="#7D943C"/>
     </inkml:brush>
   </inkml:definitions>
   <inkml:trace contextRef="#ctx0" brushRef="#br0">0 0 24575,'0'0'0</inkml:trace>
@@ -575,7 +580,7 @@
     <inkml:brush xml:id="br0">
       <inkml:brushProperty name="width" value="0.35" units="cm"/>
       <inkml:brushProperty name="height" value="0.35" units="cm"/>
-      <inkml:brushProperty name="color" value="#66CC00"/>
+      <inkml:brushProperty name="color" value="#7D943C"/>
     </inkml:brush>
   </inkml:definitions>
   <inkml:trace contextRef="#ctx0" brushRef="#br0">0 0 24575,'0'0'0</inkml:trace>
@@ -603,7 +608,7 @@
     <inkml:brush xml:id="br0">
       <inkml:brushProperty name="width" value="0.35" units="cm"/>
       <inkml:brushProperty name="height" value="0.35" units="cm"/>
-      <inkml:brushProperty name="color" value="#66CC00"/>
+      <inkml:brushProperty name="color" value="#7D943C"/>
     </inkml:brush>
   </inkml:definitions>
   <inkml:trace contextRef="#ctx0" brushRef="#br0">1 0 24575,'0'0'0</inkml:trace>
@@ -631,7 +636,7 @@
     <inkml:brush xml:id="br0">
       <inkml:brushProperty name="width" value="0.35" units="cm"/>
       <inkml:brushProperty name="height" value="0.35" units="cm"/>
-      <inkml:brushProperty name="color" value="#66CC00"/>
+      <inkml:brushProperty name="color" value="#7D943C"/>
     </inkml:brush>
   </inkml:definitions>
   <inkml:trace contextRef="#ctx0" brushRef="#br0">1 0 24575,'0'0'0</inkml:trace>
@@ -659,7 +664,7 @@
     <inkml:brush xml:id="br0">
       <inkml:brushProperty name="width" value="0.35" units="cm"/>
       <inkml:brushProperty name="height" value="0.35" units="cm"/>
-      <inkml:brushProperty name="color" value="#66CC00"/>
+      <inkml:brushProperty name="color" value="#7D943C"/>
     </inkml:brush>
   </inkml:definitions>
   <inkml:trace contextRef="#ctx0" brushRef="#br0">0 0 24575,'0'0'0</inkml:trace>
@@ -687,7 +692,7 @@
     <inkml:brush xml:id="br0">
       <inkml:brushProperty name="width" value="0.35" units="cm"/>
       <inkml:brushProperty name="height" value="0.35" units="cm"/>
-      <inkml:brushProperty name="color" value="#66CC00"/>
+      <inkml:brushProperty name="color" value="#7D943C"/>
     </inkml:brush>
   </inkml:definitions>
   <inkml:trace contextRef="#ctx0" brushRef="#br0">0 1 24575,'0'0'0</inkml:trace>
@@ -742,7 +747,7 @@
     <inkml:brush xml:id="br0">
       <inkml:brushProperty name="width" value="0.35" units="cm"/>
       <inkml:brushProperty name="height" value="0.35" units="cm"/>
-      <inkml:brushProperty name="color" value="#F6630D"/>
+      <inkml:brushProperty name="color" value="#BA482C"/>
     </inkml:brush>
   </inkml:definitions>
   <inkml:trace contextRef="#ctx0" brushRef="#br0">0 1 24575,'0'0'0</inkml:trace>
@@ -770,7 +775,7 @@
     <inkml:brush xml:id="br0">
       <inkml:brushProperty name="width" value="0.35" units="cm"/>
       <inkml:brushProperty name="height" value="0.35" units="cm"/>
-      <inkml:brushProperty name="color" value="#F6630D"/>
+      <inkml:brushProperty name="color" value="#BA482C"/>
     </inkml:brush>
   </inkml:definitions>
   <inkml:trace contextRef="#ctx0" brushRef="#br0">0 0 24575,'0'0'0</inkml:trace>
@@ -798,7 +803,7 @@
     <inkml:brush xml:id="br0">
       <inkml:brushProperty name="width" value="0.35" units="cm"/>
       <inkml:brushProperty name="height" value="0.35" units="cm"/>
-      <inkml:brushProperty name="color" value="#F6630D"/>
+      <inkml:brushProperty name="color" value="#BA482C"/>
     </inkml:brush>
   </inkml:definitions>
   <inkml:trace contextRef="#ctx0" brushRef="#br0">0 1 24575,'0'0'0</inkml:trace>
@@ -826,7 +831,7 @@
     <inkml:brush xml:id="br0">
       <inkml:brushProperty name="width" value="0.35" units="cm"/>
       <inkml:brushProperty name="height" value="0.35" units="cm"/>
-      <inkml:brushProperty name="color" value="#F6630D"/>
+      <inkml:brushProperty name="color" value="#BA482C"/>
     </inkml:brush>
   </inkml:definitions>
   <inkml:trace contextRef="#ctx0" brushRef="#br0">0 1 24575,'0'0'0</inkml:trace>
@@ -854,7 +859,7 @@
     <inkml:brush xml:id="br0">
       <inkml:brushProperty name="width" value="0.35" units="cm"/>
       <inkml:brushProperty name="height" value="0.35" units="cm"/>
-      <inkml:brushProperty name="color" value="#F6630D"/>
+      <inkml:brushProperty name="color" value="#BA482C"/>
     </inkml:brush>
   </inkml:definitions>
   <inkml:trace contextRef="#ctx0" brushRef="#br0">1 0 24575,'0'0'0</inkml:trace>
@@ -882,7 +887,7 @@
     <inkml:brush xml:id="br0">
       <inkml:brushProperty name="width" value="0.35" units="cm"/>
       <inkml:brushProperty name="height" value="0.35" units="cm"/>
-      <inkml:brushProperty name="color" value="#F6630D"/>
+      <inkml:brushProperty name="color" value="#BA482C"/>
     </inkml:brush>
   </inkml:definitions>
   <inkml:trace contextRef="#ctx0" brushRef="#br0">0 0 24575,'0'0'0</inkml:trace>
@@ -910,7 +915,7 @@
     <inkml:brush xml:id="br0">
       <inkml:brushProperty name="width" value="0.35" units="cm"/>
       <inkml:brushProperty name="height" value="0.35" units="cm"/>
-      <inkml:brushProperty name="color" value="#5B2D90"/>
+      <inkml:brushProperty name="color" value="#6968A0"/>
     </inkml:brush>
   </inkml:definitions>
   <inkml:trace contextRef="#ctx0" brushRef="#br0">0 0 24575,'0'0'0</inkml:trace>
@@ -938,7 +943,7 @@
     <inkml:brush xml:id="br0">
       <inkml:brushProperty name="width" value="0.35" units="cm"/>
       <inkml:brushProperty name="height" value="0.35" units="cm"/>
-      <inkml:brushProperty name="color" value="#5B2D90"/>
+      <inkml:brushProperty name="color" value="#6968A0"/>
     </inkml:brush>
   </inkml:definitions>
   <inkml:trace contextRef="#ctx0" brushRef="#br0">0 1 24575,'0'0'0</inkml:trace>
@@ -1074,7 +1079,7 @@
     <inkml:brush xml:id="br0">
       <inkml:brushProperty name="width" value="0.35" units="cm"/>
       <inkml:brushProperty name="height" value="0.35" units="cm"/>
-      <inkml:brushProperty name="color" value="#F6630D"/>
+      <inkml:brushProperty name="color" value="#BA482C"/>
     </inkml:brush>
   </inkml:definitions>
   <inkml:trace contextRef="#ctx0" brushRef="#br0">0 1 24575,'0'0'0</inkml:trace>
@@ -1156,7 +1161,7 @@
     <inkml:brush xml:id="br0">
       <inkml:brushProperty name="width" value="0.35" units="cm"/>
       <inkml:brushProperty name="height" value="0.35" units="cm"/>
-      <inkml:brushProperty name="color" value="#5B2D90"/>
+      <inkml:brushProperty name="color" value="#6968A0"/>
     </inkml:brush>
   </inkml:definitions>
   <inkml:trace contextRef="#ctx0" brushRef="#br0">0 1 24575,'0'0'0</inkml:trace>
@@ -1184,7 +1189,7 @@
     <inkml:brush xml:id="br0">
       <inkml:brushProperty name="width" value="0.35" units="cm"/>
       <inkml:brushProperty name="height" value="0.35" units="cm"/>
-      <inkml:brushProperty name="color" value="#F6630D"/>
+      <inkml:brushProperty name="color" value="#BA482C"/>
     </inkml:brush>
   </inkml:definitions>
   <inkml:trace contextRef="#ctx0" brushRef="#br0">0 1 24575,'0'0'0</inkml:trace>
@@ -1212,7 +1217,7 @@
     <inkml:brush xml:id="br0">
       <inkml:brushProperty name="width" value="0.35" units="cm"/>
       <inkml:brushProperty name="height" value="0.35" units="cm"/>
-      <inkml:brushProperty name="color" value="#F6630D"/>
+      <inkml:brushProperty name="color" value="#BA482C"/>
     </inkml:brush>
   </inkml:definitions>
   <inkml:trace contextRef="#ctx0" brushRef="#br0">0 1 24575,'0'0'0</inkml:trace>
@@ -1240,7 +1245,7 @@
     <inkml:brush xml:id="br0">
       <inkml:brushProperty name="width" value="0.35" units="cm"/>
       <inkml:brushProperty name="height" value="0.35" units="cm"/>
-      <inkml:brushProperty name="color" value="#F6630D"/>
+      <inkml:brushProperty name="color" value="#BA482C"/>
     </inkml:brush>
   </inkml:definitions>
   <inkml:trace contextRef="#ctx0" brushRef="#br0">0 1 24575,'0'0'0</inkml:trace>
@@ -1268,7 +1273,7 @@
     <inkml:brush xml:id="br0">
       <inkml:brushProperty name="width" value="0.35" units="cm"/>
       <inkml:brushProperty name="height" value="0.35" units="cm"/>
-      <inkml:brushProperty name="color" value="#F6630D"/>
+      <inkml:brushProperty name="color" value="#BA482C"/>
     </inkml:brush>
   </inkml:definitions>
   <inkml:trace contextRef="#ctx0" brushRef="#br0">0 0 24575,'0'0'0</inkml:trace>
@@ -1296,7 +1301,7 @@
     <inkml:brush xml:id="br0">
       <inkml:brushProperty name="width" value="0.35" units="cm"/>
       <inkml:brushProperty name="height" value="0.35" units="cm"/>
-      <inkml:brushProperty name="color" value="#F6630D"/>
+      <inkml:brushProperty name="color" value="#BA482C"/>
     </inkml:brush>
   </inkml:definitions>
   <inkml:trace contextRef="#ctx0" brushRef="#br0">0 1 24575,'0'0'0</inkml:trace>
@@ -1324,7 +1329,7 @@
     <inkml:brush xml:id="br0">
       <inkml:brushProperty name="width" value="0.35" units="cm"/>
       <inkml:brushProperty name="height" value="0.35" units="cm"/>
-      <inkml:brushProperty name="color" value="#F6630D"/>
+      <inkml:brushProperty name="color" value="#BA482C"/>
     </inkml:brush>
   </inkml:definitions>
   <inkml:trace contextRef="#ctx0" brushRef="#br0">0 0 24575,'0'0'0</inkml:trace>
@@ -1352,7 +1357,7 @@
     <inkml:brush xml:id="br0">
       <inkml:brushProperty name="width" value="0.35" units="cm"/>
       <inkml:brushProperty name="height" value="0.35" units="cm"/>
-      <inkml:brushProperty name="color" value="#F6630D"/>
+      <inkml:brushProperty name="color" value="#BA482C"/>
     </inkml:brush>
   </inkml:definitions>
   <inkml:trace contextRef="#ctx0" brushRef="#br0">1 1 24575,'0'0'0</inkml:trace>
@@ -1380,7 +1385,7 @@
     <inkml:brush xml:id="br0">
       <inkml:brushProperty name="width" value="0.35" units="cm"/>
       <inkml:brushProperty name="height" value="0.35" units="cm"/>
-      <inkml:brushProperty name="color" value="#F6630D"/>
+      <inkml:brushProperty name="color" value="#BA482C"/>
     </inkml:brush>
   </inkml:definitions>
   <inkml:trace contextRef="#ctx0" brushRef="#br0">1 0 24575,'0'0'0</inkml:trace>
@@ -1435,7 +1440,7 @@
     <inkml:brush xml:id="br0">
       <inkml:brushProperty name="width" value="0.35" units="cm"/>
       <inkml:brushProperty name="height" value="0.35" units="cm"/>
-      <inkml:brushProperty name="color" value="#F6630D"/>
+      <inkml:brushProperty name="color" value="#BA482C"/>
     </inkml:brush>
   </inkml:definitions>
   <inkml:trace contextRef="#ctx0" brushRef="#br0">0 0 24575,'0'0'0</inkml:trace>
@@ -1463,7 +1468,7 @@
     <inkml:brush xml:id="br0">
       <inkml:brushProperty name="width" value="0.35" units="cm"/>
       <inkml:brushProperty name="height" value="0.35" units="cm"/>
-      <inkml:brushProperty name="color" value="#F6630D"/>
+      <inkml:brushProperty name="color" value="#BA482C"/>
     </inkml:brush>
   </inkml:definitions>
   <inkml:trace contextRef="#ctx0" brushRef="#br0">0 1 24575,'0'0'0</inkml:trace>
@@ -1491,7 +1496,7 @@
     <inkml:brush xml:id="br0">
       <inkml:brushProperty name="width" value="0.35" units="cm"/>
       <inkml:brushProperty name="height" value="0.35" units="cm"/>
-      <inkml:brushProperty name="color" value="#F6630D"/>
+      <inkml:brushProperty name="color" value="#BA482C"/>
     </inkml:brush>
   </inkml:definitions>
   <inkml:trace contextRef="#ctx0" brushRef="#br0">1 1 24575,'0'0'0</inkml:trace>
@@ -1519,7 +1524,7 @@
     <inkml:brush xml:id="br0">
       <inkml:brushProperty name="width" value="0.35" units="cm"/>
       <inkml:brushProperty name="height" value="0.35" units="cm"/>
-      <inkml:brushProperty name="color" value="#F6630D"/>
+      <inkml:brushProperty name="color" value="#BA482C"/>
     </inkml:brush>
   </inkml:definitions>
   <inkml:trace contextRef="#ctx0" brushRef="#br0">0 0 24575,'0'0'0</inkml:trace>
@@ -1547,7 +1552,7 @@
     <inkml:brush xml:id="br0">
       <inkml:brushProperty name="width" value="0.35" units="cm"/>
       <inkml:brushProperty name="height" value="0.35" units="cm"/>
-      <inkml:brushProperty name="color" value="#F6630D"/>
+      <inkml:brushProperty name="color" value="#BA482C"/>
     </inkml:brush>
   </inkml:definitions>
   <inkml:trace contextRef="#ctx0" brushRef="#br0">0 1 24575,'0'0'0</inkml:trace>
@@ -1575,7 +1580,7 @@
     <inkml:brush xml:id="br0">
       <inkml:brushProperty name="width" value="0.35" units="cm"/>
       <inkml:brushProperty name="height" value="0.35" units="cm"/>
-      <inkml:brushProperty name="color" value="#F6630D"/>
+      <inkml:brushProperty name="color" value="#BA482C"/>
     </inkml:brush>
   </inkml:definitions>
   <inkml:trace contextRef="#ctx0" brushRef="#br0">0 0 24575,'0'0'0</inkml:trace>
@@ -1603,7 +1608,7 @@
     <inkml:brush xml:id="br0">
       <inkml:brushProperty name="width" value="0.35" units="cm"/>
       <inkml:brushProperty name="height" value="0.35" units="cm"/>
-      <inkml:brushProperty name="color" value="#F6630D"/>
+      <inkml:brushProperty name="color" value="#BA482C"/>
     </inkml:brush>
   </inkml:definitions>
   <inkml:trace contextRef="#ctx0" brushRef="#br0">0 0 24575,'0'0'0</inkml:trace>
@@ -1631,7 +1636,7 @@
     <inkml:brush xml:id="br0">
       <inkml:brushProperty name="width" value="0.35" units="cm"/>
       <inkml:brushProperty name="height" value="0.35" units="cm"/>
-      <inkml:brushProperty name="color" value="#F6630D"/>
+      <inkml:brushProperty name="color" value="#BA482C"/>
     </inkml:brush>
   </inkml:definitions>
   <inkml:trace contextRef="#ctx0" brushRef="#br0">1 1 24575,'0'0'0</inkml:trace>
@@ -1659,7 +1664,7 @@
     <inkml:brush xml:id="br0">
       <inkml:brushProperty name="width" value="0.35" units="cm"/>
       <inkml:brushProperty name="height" value="0.35" units="cm"/>
-      <inkml:brushProperty name="color" value="#F6630D"/>
+      <inkml:brushProperty name="color" value="#BA482C"/>
     </inkml:brush>
   </inkml:definitions>
   <inkml:trace contextRef="#ctx0" brushRef="#br0">1 1 24575,'0'0'0</inkml:trace>
@@ -1687,7 +1692,7 @@
     <inkml:brush xml:id="br0">
       <inkml:brushProperty name="width" value="0.35" units="cm"/>
       <inkml:brushProperty name="height" value="0.35" units="cm"/>
-      <inkml:brushProperty name="color" value="#F6630D"/>
+      <inkml:brushProperty name="color" value="#BA482C"/>
     </inkml:brush>
   </inkml:definitions>
   <inkml:trace contextRef="#ctx0" brushRef="#br0">0 1 24575,'0'0'0</inkml:trace>
@@ -1742,7 +1747,7 @@
     <inkml:brush xml:id="br0">
       <inkml:brushProperty name="width" value="0.35" units="cm"/>
       <inkml:brushProperty name="height" value="0.35" units="cm"/>
-      <inkml:brushProperty name="color" value="#F6630D"/>
+      <inkml:brushProperty name="color" value="#BA482C"/>
     </inkml:brush>
   </inkml:definitions>
   <inkml:trace contextRef="#ctx0" brushRef="#br0">0 1 24575,'0'0'0</inkml:trace>
@@ -1770,7 +1775,7 @@
     <inkml:brush xml:id="br0">
       <inkml:brushProperty name="width" value="0.35" units="cm"/>
       <inkml:brushProperty name="height" value="0.35" units="cm"/>
-      <inkml:brushProperty name="color" value="#F6630D"/>
+      <inkml:brushProperty name="color" value="#BA482C"/>
     </inkml:brush>
   </inkml:definitions>
   <inkml:trace contextRef="#ctx0" brushRef="#br0">0 1 24575,'0'0'0</inkml:trace>
@@ -1798,7 +1803,7 @@
     <inkml:brush xml:id="br0">
       <inkml:brushProperty name="width" value="0.35" units="cm"/>
       <inkml:brushProperty name="height" value="0.35" units="cm"/>
-      <inkml:brushProperty name="color" value="#F6630D"/>
+      <inkml:brushProperty name="color" value="#BA482C"/>
     </inkml:brush>
   </inkml:definitions>
   <inkml:trace contextRef="#ctx0" brushRef="#br0">0 1 24575,'0'0'0</inkml:trace>
@@ -1826,7 +1831,7 @@
     <inkml:brush xml:id="br0">
       <inkml:brushProperty name="width" value="0.35" units="cm"/>
       <inkml:brushProperty name="height" value="0.35" units="cm"/>
-      <inkml:brushProperty name="color" value="#F6630D"/>
+      <inkml:brushProperty name="color" value="#BA482C"/>
     </inkml:brush>
   </inkml:definitions>
   <inkml:trace contextRef="#ctx0" brushRef="#br0">0 0 24575,'0'0'0</inkml:trace>
@@ -1854,7 +1859,7 @@
     <inkml:brush xml:id="br0">
       <inkml:brushProperty name="width" value="0.35" units="cm"/>
       <inkml:brushProperty name="height" value="0.35" units="cm"/>
-      <inkml:brushProperty name="color" value="#F6630D"/>
+      <inkml:brushProperty name="color" value="#BA482C"/>
     </inkml:brush>
   </inkml:definitions>
   <inkml:trace contextRef="#ctx0" brushRef="#br0">1 1 24575,'0'0'0</inkml:trace>
@@ -1882,7 +1887,7 @@
     <inkml:brush xml:id="br0">
       <inkml:brushProperty name="width" value="0.35" units="cm"/>
       <inkml:brushProperty name="height" value="0.35" units="cm"/>
-      <inkml:brushProperty name="color" value="#F6630D"/>
+      <inkml:brushProperty name="color" value="#BA482C"/>
     </inkml:brush>
   </inkml:definitions>
   <inkml:trace contextRef="#ctx0" brushRef="#br0">1 0 24575,'0'0'0</inkml:trace>
@@ -1910,7 +1915,7 @@
     <inkml:brush xml:id="br0">
       <inkml:brushProperty name="width" value="0.35" units="cm"/>
       <inkml:brushProperty name="height" value="0.35" units="cm"/>
-      <inkml:brushProperty name="color" value="#F6630D"/>
+      <inkml:brushProperty name="color" value="#BA482C"/>
     </inkml:brush>
   </inkml:definitions>
   <inkml:trace contextRef="#ctx0" brushRef="#br0">1 1 24575,'0'0'0</inkml:trace>
@@ -1938,7 +1943,7 @@
     <inkml:brush xml:id="br0">
       <inkml:brushProperty name="width" value="0.35" units="cm"/>
       <inkml:brushProperty name="height" value="0.35" units="cm"/>
-      <inkml:brushProperty name="color" value="#F6630D"/>
+      <inkml:brushProperty name="color" value="#BA482C"/>
     </inkml:brush>
   </inkml:definitions>
   <inkml:trace contextRef="#ctx0" brushRef="#br0">0 1 24575,'0'0'0</inkml:trace>
@@ -1966,7 +1971,7 @@
     <inkml:brush xml:id="br0">
       <inkml:brushProperty name="width" value="0.35" units="cm"/>
       <inkml:brushProperty name="height" value="0.35" units="cm"/>
-      <inkml:brushProperty name="color" value="#F6630D"/>
+      <inkml:brushProperty name="color" value="#BA482C"/>
     </inkml:brush>
   </inkml:definitions>
   <inkml:trace contextRef="#ctx0" brushRef="#br0">1 0 24575,'0'0'0</inkml:trace>
@@ -1994,7 +1999,7 @@
     <inkml:brush xml:id="br0">
       <inkml:brushProperty name="width" value="0.35" units="cm"/>
       <inkml:brushProperty name="height" value="0.35" units="cm"/>
-      <inkml:brushProperty name="color" value="#F6630D"/>
+      <inkml:brushProperty name="color" value="#BA482C"/>
     </inkml:brush>
   </inkml:definitions>
   <inkml:trace contextRef="#ctx0" brushRef="#br0">1 1 24575,'0'0'0</inkml:trace>
@@ -2049,7 +2054,7 @@
     <inkml:brush xml:id="br0">
       <inkml:brushProperty name="width" value="0.35" units="cm"/>
       <inkml:brushProperty name="height" value="0.35" units="cm"/>
-      <inkml:brushProperty name="color" value="#F6630D"/>
+      <inkml:brushProperty name="color" value="#BA482C"/>
     </inkml:brush>
   </inkml:definitions>
   <inkml:trace contextRef="#ctx0" brushRef="#br0">1 0 24575,'0'0'0</inkml:trace>
@@ -2077,7 +2082,7 @@
     <inkml:brush xml:id="br0">
       <inkml:brushProperty name="width" value="0.35" units="cm"/>
       <inkml:brushProperty name="height" value="0.35" units="cm"/>
-      <inkml:brushProperty name="color" value="#F6630D"/>
+      <inkml:brushProperty name="color" value="#BA482C"/>
     </inkml:brush>
   </inkml:definitions>
   <inkml:trace contextRef="#ctx0" brushRef="#br0">1 0 24575,'0'0'0</inkml:trace>
@@ -2105,7 +2110,7 @@
     <inkml:brush xml:id="br0">
       <inkml:brushProperty name="width" value="0.35" units="cm"/>
       <inkml:brushProperty name="height" value="0.35" units="cm"/>
-      <inkml:brushProperty name="color" value="#F6630D"/>
+      <inkml:brushProperty name="color" value="#BA482C"/>
     </inkml:brush>
   </inkml:definitions>
   <inkml:trace contextRef="#ctx0" brushRef="#br0">1 1 24575,'0'0'0</inkml:trace>
@@ -2133,7 +2138,7 @@
     <inkml:brush xml:id="br0">
       <inkml:brushProperty name="width" value="0.35" units="cm"/>
       <inkml:brushProperty name="height" value="0.35" units="cm"/>
-      <inkml:brushProperty name="color" value="#F6630D"/>
+      <inkml:brushProperty name="color" value="#BA482C"/>
     </inkml:brush>
   </inkml:definitions>
   <inkml:trace contextRef="#ctx0" brushRef="#br0">1 1 24575,'0'0'0</inkml:trace>
@@ -2161,7 +2166,7 @@
     <inkml:brush xml:id="br0">
       <inkml:brushProperty name="width" value="0.35" units="cm"/>
       <inkml:brushProperty name="height" value="0.35" units="cm"/>
-      <inkml:brushProperty name="color" value="#F6630D"/>
+      <inkml:brushProperty name="color" value="#BA482C"/>
     </inkml:brush>
   </inkml:definitions>
   <inkml:trace contextRef="#ctx0" brushRef="#br0">1 1 24575,'0'0'0</inkml:trace>
@@ -2189,7 +2194,7 @@
     <inkml:brush xml:id="br0">
       <inkml:brushProperty name="width" value="0.35" units="cm"/>
       <inkml:brushProperty name="height" value="0.35" units="cm"/>
-      <inkml:brushProperty name="color" value="#F6630D"/>
+      <inkml:brushProperty name="color" value="#BA482C"/>
     </inkml:brush>
   </inkml:definitions>
   <inkml:trace contextRef="#ctx0" brushRef="#br0">0 0 24575,'0'0'0</inkml:trace>
@@ -2217,7 +2222,7 @@
     <inkml:brush xml:id="br0">
       <inkml:brushProperty name="width" value="0.35" units="cm"/>
       <inkml:brushProperty name="height" value="0.35" units="cm"/>
-      <inkml:brushProperty name="color" value="#F6630D"/>
+      <inkml:brushProperty name="color" value="#BA482C"/>
     </inkml:brush>
   </inkml:definitions>
   <inkml:trace contextRef="#ctx0" brushRef="#br0">1 0 24575,'0'0'0</inkml:trace>
@@ -2245,7 +2250,7 @@
     <inkml:brush xml:id="br0">
       <inkml:brushProperty name="width" value="0.35" units="cm"/>
       <inkml:brushProperty name="height" value="0.35" units="cm"/>
-      <inkml:brushProperty name="color" value="#F6630D"/>
+      <inkml:brushProperty name="color" value="#BA482C"/>
     </inkml:brush>
   </inkml:definitions>
   <inkml:trace contextRef="#ctx0" brushRef="#br0">0 0 24575,'0'0'0</inkml:trace>
@@ -2273,7 +2278,7 @@
     <inkml:brush xml:id="br0">
       <inkml:brushProperty name="width" value="0.35" units="cm"/>
       <inkml:brushProperty name="height" value="0.35" units="cm"/>
-      <inkml:brushProperty name="color" value="#F6630D"/>
+      <inkml:brushProperty name="color" value="#BA482C"/>
     </inkml:brush>
   </inkml:definitions>
   <inkml:trace contextRef="#ctx0" brushRef="#br0">0 0 24575,'0'0'0</inkml:trace>
@@ -2301,7 +2306,7 @@
     <inkml:brush xml:id="br0">
       <inkml:brushProperty name="width" value="0.35" units="cm"/>
       <inkml:brushProperty name="height" value="0.35" units="cm"/>
-      <inkml:brushProperty name="color" value="#F6630D"/>
+      <inkml:brushProperty name="color" value="#BA482C"/>
     </inkml:brush>
   </inkml:definitions>
   <inkml:trace contextRef="#ctx0" brushRef="#br0">1 0 24575,'0'0'0</inkml:trace>
@@ -2356,7 +2361,7 @@
     <inkml:brush xml:id="br0">
       <inkml:brushProperty name="width" value="0.35" units="cm"/>
       <inkml:brushProperty name="height" value="0.35" units="cm"/>
-      <inkml:brushProperty name="color" value="#F6630D"/>
+      <inkml:brushProperty name="color" value="#BA482C"/>
     </inkml:brush>
   </inkml:definitions>
   <inkml:trace contextRef="#ctx0" brushRef="#br0">1 0 24575,'0'0'0</inkml:trace>
@@ -2384,7 +2389,7 @@
     <inkml:brush xml:id="br0">
       <inkml:brushProperty name="width" value="0.35" units="cm"/>
       <inkml:brushProperty name="height" value="0.35" units="cm"/>
-      <inkml:brushProperty name="color" value="#F6630D"/>
+      <inkml:brushProperty name="color" value="#BA482C"/>
     </inkml:brush>
   </inkml:definitions>
   <inkml:trace contextRef="#ctx0" brushRef="#br0">0 0 24575,'0'0'0</inkml:trace>
@@ -2412,7 +2417,7 @@
     <inkml:brush xml:id="br0">
       <inkml:brushProperty name="width" value="0.35" units="cm"/>
       <inkml:brushProperty name="height" value="0.35" units="cm"/>
-      <inkml:brushProperty name="color" value="#F6630D"/>
+      <inkml:brushProperty name="color" value="#BA482C"/>
     </inkml:brush>
   </inkml:definitions>
   <inkml:trace contextRef="#ctx0" brushRef="#br0">1 0 24575,'0'0'0</inkml:trace>
@@ -2440,7 +2445,7 @@
     <inkml:brush xml:id="br0">
       <inkml:brushProperty name="width" value="0.35" units="cm"/>
       <inkml:brushProperty name="height" value="0.35" units="cm"/>
-      <inkml:brushProperty name="color" value="#F6630D"/>
+      <inkml:brushProperty name="color" value="#BA482C"/>
     </inkml:brush>
   </inkml:definitions>
   <inkml:trace contextRef="#ctx0" brushRef="#br0">0 0 24575,'0'0'0</inkml:trace>
@@ -2468,7 +2473,7 @@
     <inkml:brush xml:id="br0">
       <inkml:brushProperty name="width" value="0.35" units="cm"/>
       <inkml:brushProperty name="height" value="0.35" units="cm"/>
-      <inkml:brushProperty name="color" value="#F6630D"/>
+      <inkml:brushProperty name="color" value="#BA482C"/>
     </inkml:brush>
   </inkml:definitions>
   <inkml:trace contextRef="#ctx0" brushRef="#br0">0 0 24575,'0'0'0</inkml:trace>
@@ -2496,7 +2501,7 @@
     <inkml:brush xml:id="br0">
       <inkml:brushProperty name="width" value="0.35" units="cm"/>
       <inkml:brushProperty name="height" value="0.35" units="cm"/>
-      <inkml:brushProperty name="color" value="#F6630D"/>
+      <inkml:brushProperty name="color" value="#BA482C"/>
     </inkml:brush>
   </inkml:definitions>
   <inkml:trace contextRef="#ctx0" brushRef="#br0">0 1 24575,'0'0'0</inkml:trace>
@@ -2524,7 +2529,7 @@
     <inkml:brush xml:id="br0">
       <inkml:brushProperty name="width" value="0.35" units="cm"/>
       <inkml:brushProperty name="height" value="0.35" units="cm"/>
-      <inkml:brushProperty name="color" value="#F6630D"/>
+      <inkml:brushProperty name="color" value="#BA482C"/>
     </inkml:brush>
   </inkml:definitions>
   <inkml:trace contextRef="#ctx0" brushRef="#br0">0 1 24575,'0'0'0</inkml:trace>
@@ -2552,7 +2557,7 @@
     <inkml:brush xml:id="br0">
       <inkml:brushProperty name="width" value="0.35" units="cm"/>
       <inkml:brushProperty name="height" value="0.35" units="cm"/>
-      <inkml:brushProperty name="color" value="#F6630D"/>
+      <inkml:brushProperty name="color" value="#BA482C"/>
     </inkml:brush>
   </inkml:definitions>
   <inkml:trace contextRef="#ctx0" brushRef="#br0">0 0 24575,'0'0'0</inkml:trace>
@@ -2580,7 +2585,7 @@
     <inkml:brush xml:id="br0">
       <inkml:brushProperty name="width" value="0.35" units="cm"/>
       <inkml:brushProperty name="height" value="0.35" units="cm"/>
-      <inkml:brushProperty name="color" value="#F6630D"/>
+      <inkml:brushProperty name="color" value="#BA482C"/>
     </inkml:brush>
   </inkml:definitions>
   <inkml:trace contextRef="#ctx0" brushRef="#br0">0 1 24575,'0'0'0</inkml:trace>
@@ -2608,7 +2613,7 @@
     <inkml:brush xml:id="br0">
       <inkml:brushProperty name="width" value="0.35" units="cm"/>
       <inkml:brushProperty name="height" value="0.35" units="cm"/>
-      <inkml:brushProperty name="color" value="#F6630D"/>
+      <inkml:brushProperty name="color" value="#BA482C"/>
     </inkml:brush>
   </inkml:definitions>
   <inkml:trace contextRef="#ctx0" brushRef="#br0">0 1 24575,'0'0'0</inkml:trace>
@@ -2663,7 +2668,7 @@
     <inkml:brush xml:id="br0">
       <inkml:brushProperty name="width" value="0.35" units="cm"/>
       <inkml:brushProperty name="height" value="0.35" units="cm"/>
-      <inkml:brushProperty name="color" value="#F6630D"/>
+      <inkml:brushProperty name="color" value="#BA482C"/>
     </inkml:brush>
   </inkml:definitions>
   <inkml:trace contextRef="#ctx0" brushRef="#br0">0 1 24575,'0'0'0</inkml:trace>
@@ -2691,7 +2696,7 @@
     <inkml:brush xml:id="br0">
       <inkml:brushProperty name="width" value="0.35" units="cm"/>
       <inkml:brushProperty name="height" value="0.35" units="cm"/>
-      <inkml:brushProperty name="color" value="#F6630D"/>
+      <inkml:brushProperty name="color" value="#BA482C"/>
     </inkml:brush>
   </inkml:definitions>
   <inkml:trace contextRef="#ctx0" brushRef="#br0">1 0 24575,'0'0'0</inkml:trace>
@@ -2719,7 +2724,7 @@
     <inkml:brush xml:id="br0">
       <inkml:brushProperty name="width" value="0.35" units="cm"/>
       <inkml:brushProperty name="height" value="0.35" units="cm"/>
-      <inkml:brushProperty name="color" value="#F6630D"/>
+      <inkml:brushProperty name="color" value="#BA482C"/>
     </inkml:brush>
   </inkml:definitions>
   <inkml:trace contextRef="#ctx0" brushRef="#br0">0 0 24575,'0'0'0</inkml:trace>
@@ -2747,7 +2752,7 @@
     <inkml:brush xml:id="br0">
       <inkml:brushProperty name="width" value="0.35" units="cm"/>
       <inkml:brushProperty name="height" value="0.35" units="cm"/>
-      <inkml:brushProperty name="color" value="#5B2D90"/>
+      <inkml:brushProperty name="color" value="#6968A0"/>
     </inkml:brush>
   </inkml:definitions>
   <inkml:trace contextRef="#ctx0" brushRef="#br0">0 0 24575,'0'0'0</inkml:trace>
@@ -2775,7 +2780,7 @@
     <inkml:brush xml:id="br0">
       <inkml:brushProperty name="width" value="0.35" units="cm"/>
       <inkml:brushProperty name="height" value="0.35" units="cm"/>
-      <inkml:brushProperty name="color" value="#5B2D90"/>
+      <inkml:brushProperty name="color" value="#6968A0"/>
     </inkml:brush>
   </inkml:definitions>
   <inkml:trace contextRef="#ctx0" brushRef="#br0">1 1 24575,'0'0'0</inkml:trace>
@@ -2803,7 +2808,7 @@
     <inkml:brush xml:id="br0">
       <inkml:brushProperty name="width" value="0.35" units="cm"/>
       <inkml:brushProperty name="height" value="0.35" units="cm"/>
-      <inkml:brushProperty name="color" value="#5B2D90"/>
+      <inkml:brushProperty name="color" value="#6968A0"/>
     </inkml:brush>
   </inkml:definitions>
   <inkml:trace contextRef="#ctx0" brushRef="#br0">0 1 24575,'0'0'0</inkml:trace>
@@ -2831,7 +2836,7 @@
     <inkml:brush xml:id="br0">
       <inkml:brushProperty name="width" value="0.35" units="cm"/>
       <inkml:brushProperty name="height" value="0.35" units="cm"/>
-      <inkml:brushProperty name="color" value="#5B2D90"/>
+      <inkml:brushProperty name="color" value="#6968A0"/>
     </inkml:brush>
   </inkml:definitions>
   <inkml:trace contextRef="#ctx0" brushRef="#br0">0 1 24575,'0'0'0</inkml:trace>
@@ -2859,7 +2864,7 @@
     <inkml:brush xml:id="br0">
       <inkml:brushProperty name="width" value="0.35" units="cm"/>
       <inkml:brushProperty name="height" value="0.35" units="cm"/>
-      <inkml:brushProperty name="color" value="#5B2D90"/>
+      <inkml:brushProperty name="color" value="#6968A0"/>
     </inkml:brush>
   </inkml:definitions>
   <inkml:trace contextRef="#ctx0" brushRef="#br0">0 0 24575,'0'0'0</inkml:trace>
@@ -2887,7 +2892,7 @@
     <inkml:brush xml:id="br0">
       <inkml:brushProperty name="width" value="0.35" units="cm"/>
       <inkml:brushProperty name="height" value="0.35" units="cm"/>
-      <inkml:brushProperty name="color" value="#5B2D90"/>
+      <inkml:brushProperty name="color" value="#6968A0"/>
     </inkml:brush>
   </inkml:definitions>
   <inkml:trace contextRef="#ctx0" brushRef="#br0">1 0 24575,'0'0'0</inkml:trace>
@@ -2915,7 +2920,7 @@
     <inkml:brush xml:id="br0">
       <inkml:brushProperty name="width" value="0.35" units="cm"/>
       <inkml:brushProperty name="height" value="0.35" units="cm"/>
-      <inkml:brushProperty name="color" value="#5B2D90"/>
+      <inkml:brushProperty name="color" value="#6968A0"/>
     </inkml:brush>
   </inkml:definitions>
   <inkml:trace contextRef="#ctx0" brushRef="#br0">0 1 24575,'0'0'0</inkml:trace>
@@ -2970,7 +2975,7 @@
     <inkml:brush xml:id="br0">
       <inkml:brushProperty name="width" value="0.35" units="cm"/>
       <inkml:brushProperty name="height" value="0.35" units="cm"/>
-      <inkml:brushProperty name="color" value="#5B2D90"/>
+      <inkml:brushProperty name="color" value="#6968A0"/>
     </inkml:brush>
   </inkml:definitions>
   <inkml:trace contextRef="#ctx0" brushRef="#br0">0 1 24575,'0'0'0</inkml:trace>
@@ -2998,7 +3003,7 @@
     <inkml:brush xml:id="br0">
       <inkml:brushProperty name="width" value="0.35" units="cm"/>
       <inkml:brushProperty name="height" value="0.35" units="cm"/>
-      <inkml:brushProperty name="color" value="#5B2D90"/>
+      <inkml:brushProperty name="color" value="#6968A0"/>
     </inkml:brush>
   </inkml:definitions>
   <inkml:trace contextRef="#ctx0" brushRef="#br0">1 1 24575,'0'0'0</inkml:trace>
@@ -3026,7 +3031,7 @@
     <inkml:brush xml:id="br0">
       <inkml:brushProperty name="width" value="0.35" units="cm"/>
       <inkml:brushProperty name="height" value="0.35" units="cm"/>
-      <inkml:brushProperty name="color" value="#5B2D90"/>
+      <inkml:brushProperty name="color" value="#6968A0"/>
     </inkml:brush>
   </inkml:definitions>
   <inkml:trace contextRef="#ctx0" brushRef="#br0">1 1 24575,'0'0'0</inkml:trace>
@@ -3054,7 +3059,7 @@
     <inkml:brush xml:id="br0">
       <inkml:brushProperty name="width" value="0.35" units="cm"/>
       <inkml:brushProperty name="height" value="0.35" units="cm"/>
-      <inkml:brushProperty name="color" value="#5B2D90"/>
+      <inkml:brushProperty name="color" value="#6968A0"/>
     </inkml:brush>
   </inkml:definitions>
   <inkml:trace contextRef="#ctx0" brushRef="#br0">1 0 24575,'0'0'0</inkml:trace>
@@ -3082,7 +3087,7 @@
     <inkml:brush xml:id="br0">
       <inkml:brushProperty name="width" value="0.35" units="cm"/>
       <inkml:brushProperty name="height" value="0.35" units="cm"/>
-      <inkml:brushProperty name="color" value="#5B2D90"/>
+      <inkml:brushProperty name="color" value="#6968A0"/>
     </inkml:brush>
   </inkml:definitions>
   <inkml:trace contextRef="#ctx0" brushRef="#br0">1 1 24575,'0'0'0</inkml:trace>
@@ -3110,7 +3115,7 @@
     <inkml:brush xml:id="br0">
       <inkml:brushProperty name="width" value="0.35" units="cm"/>
       <inkml:brushProperty name="height" value="0.35" units="cm"/>
-      <inkml:brushProperty name="color" value="#5B2D90"/>
+      <inkml:brushProperty name="color" value="#6968A0"/>
     </inkml:brush>
   </inkml:definitions>
   <inkml:trace contextRef="#ctx0" brushRef="#br0">0 1 24575,'0'0'0</inkml:trace>
@@ -3138,7 +3143,7 @@
     <inkml:brush xml:id="br0">
       <inkml:brushProperty name="width" value="0.35" units="cm"/>
       <inkml:brushProperty name="height" value="0.35" units="cm"/>
-      <inkml:brushProperty name="color" value="#5B2D90"/>
+      <inkml:brushProperty name="color" value="#6968A0"/>
     </inkml:brush>
   </inkml:definitions>
   <inkml:trace contextRef="#ctx0" brushRef="#br0">1 1 24575,'0'0'0</inkml:trace>
@@ -3166,7 +3171,7 @@
     <inkml:brush xml:id="br0">
       <inkml:brushProperty name="width" value="0.35" units="cm"/>
       <inkml:brushProperty name="height" value="0.35" units="cm"/>
-      <inkml:brushProperty name="color" value="#5B2D90"/>
+      <inkml:brushProperty name="color" value="#6968A0"/>
     </inkml:brush>
   </inkml:definitions>
   <inkml:trace contextRef="#ctx0" brushRef="#br0">1 1 24575,'0'0'0</inkml:trace>
@@ -3194,7 +3199,7 @@
     <inkml:brush xml:id="br0">
       <inkml:brushProperty name="width" value="0.35" units="cm"/>
       <inkml:brushProperty name="height" value="0.35" units="cm"/>
-      <inkml:brushProperty name="color" value="#5B2D90"/>
+      <inkml:brushProperty name="color" value="#6968A0"/>
     </inkml:brush>
   </inkml:definitions>
   <inkml:trace contextRef="#ctx0" brushRef="#br0">1 1 24575,'0'0'0</inkml:trace>
@@ -3222,7 +3227,7 @@
     <inkml:brush xml:id="br0">
       <inkml:brushProperty name="width" value="0.35" units="cm"/>
       <inkml:brushProperty name="height" value="0.35" units="cm"/>
-      <inkml:brushProperty name="color" value="#5B2D90"/>
+      <inkml:brushProperty name="color" value="#6968A0"/>
     </inkml:brush>
   </inkml:definitions>
   <inkml:trace contextRef="#ctx0" brushRef="#br0">0 0 24575,'0'0'0</inkml:trace>
@@ -3250,7 +3255,7 @@
     <inkml:brush xml:id="br0">
       <inkml:brushProperty name="width" value="0.35" units="cm"/>
       <inkml:brushProperty name="height" value="0.35" units="cm"/>
-      <inkml:brushProperty name="color" value="#F6630D"/>
+      <inkml:brushProperty name="color" value="#BA482C"/>
     </inkml:brush>
   </inkml:definitions>
   <inkml:trace contextRef="#ctx0" brushRef="#br0">1 0 24575,'0'0'0</inkml:trace>
@@ -3278,7 +3283,7 @@
     <inkml:brush xml:id="br0">
       <inkml:brushProperty name="width" value="0.35" units="cm"/>
       <inkml:brushProperty name="height" value="0.35" units="cm"/>
-      <inkml:brushProperty name="color" value="#5B2D90"/>
+      <inkml:brushProperty name="color" value="#6968A0"/>
     </inkml:brush>
   </inkml:definitions>
   <inkml:trace contextRef="#ctx0" brushRef="#br0">0 1 24575,'0'0'0</inkml:trace>
@@ -3306,7 +3311,7 @@
     <inkml:brush xml:id="br0">
       <inkml:brushProperty name="width" value="0.35" units="cm"/>
       <inkml:brushProperty name="height" value="0.35" units="cm"/>
-      <inkml:brushProperty name="color" value="#5B2D90"/>
+      <inkml:brushProperty name="color" value="#6968A0"/>
     </inkml:brush>
   </inkml:definitions>
   <inkml:trace contextRef="#ctx0" brushRef="#br0">0 0 24575,'0'0'0</inkml:trace>
@@ -3334,7 +3339,7 @@
     <inkml:brush xml:id="br0">
       <inkml:brushProperty name="width" value="0.35" units="cm"/>
       <inkml:brushProperty name="height" value="0.35" units="cm"/>
-      <inkml:brushProperty name="color" value="#5B2D90"/>
+      <inkml:brushProperty name="color" value="#6968A0"/>
     </inkml:brush>
   </inkml:definitions>
   <inkml:trace contextRef="#ctx0" brushRef="#br0">0 1 24575,'0'0'0</inkml:trace>
@@ -3362,7 +3367,7 @@
     <inkml:brush xml:id="br0">
       <inkml:brushProperty name="width" value="0.35" units="cm"/>
       <inkml:brushProperty name="height" value="0.35" units="cm"/>
-      <inkml:brushProperty name="color" value="#5B2D90"/>
+      <inkml:brushProperty name="color" value="#6968A0"/>
     </inkml:brush>
   </inkml:definitions>
   <inkml:trace contextRef="#ctx0" brushRef="#br0">1 1 24575,'0'0'0</inkml:trace>
@@ -3390,7 +3395,7 @@
     <inkml:brush xml:id="br0">
       <inkml:brushProperty name="width" value="0.35" units="cm"/>
       <inkml:brushProperty name="height" value="0.35" units="cm"/>
-      <inkml:brushProperty name="color" value="#5B2D90"/>
+      <inkml:brushProperty name="color" value="#6968A0"/>
     </inkml:brush>
   </inkml:definitions>
   <inkml:trace contextRef="#ctx0" brushRef="#br0">0 1 24575,'0'0'0</inkml:trace>
@@ -3418,7 +3423,7 @@
     <inkml:brush xml:id="br0">
       <inkml:brushProperty name="width" value="0.35" units="cm"/>
       <inkml:brushProperty name="height" value="0.35" units="cm"/>
-      <inkml:brushProperty name="color" value="#5B2D90"/>
+      <inkml:brushProperty name="color" value="#6968A0"/>
     </inkml:brush>
   </inkml:definitions>
   <inkml:trace contextRef="#ctx0" brushRef="#br0">1 1 24575,'0'0'0</inkml:trace>
@@ -3446,7 +3451,7 @@
     <inkml:brush xml:id="br0">
       <inkml:brushProperty name="width" value="0.35" units="cm"/>
       <inkml:brushProperty name="height" value="0.35" units="cm"/>
-      <inkml:brushProperty name="color" value="#5B2D90"/>
+      <inkml:brushProperty name="color" value="#6968A0"/>
     </inkml:brush>
   </inkml:definitions>
   <inkml:trace contextRef="#ctx0" brushRef="#br0">1 0 24575,'0'0'0</inkml:trace>
@@ -3474,7 +3479,7 @@
     <inkml:brush xml:id="br0">
       <inkml:brushProperty name="width" value="0.35" units="cm"/>
       <inkml:brushProperty name="height" value="0.35" units="cm"/>
-      <inkml:brushProperty name="color" value="#5B2D90"/>
+      <inkml:brushProperty name="color" value="#6968A0"/>
     </inkml:brush>
   </inkml:definitions>
   <inkml:trace contextRef="#ctx0" brushRef="#br0">0 1 24575,'0'0'0</inkml:trace>
@@ -3502,7 +3507,7 @@
     <inkml:brush xml:id="br0">
       <inkml:brushProperty name="width" value="0.35" units="cm"/>
       <inkml:brushProperty name="height" value="0.35" units="cm"/>
-      <inkml:brushProperty name="color" value="#5B2D90"/>
+      <inkml:brushProperty name="color" value="#6968A0"/>
     </inkml:brush>
   </inkml:definitions>
   <inkml:trace contextRef="#ctx0" brushRef="#br0">0 0 24575,'0'0'0</inkml:trace>
@@ -3530,7 +3535,7 @@
     <inkml:brush xml:id="br0">
       <inkml:brushProperty name="width" value="0.35" units="cm"/>
       <inkml:brushProperty name="height" value="0.35" units="cm"/>
-      <inkml:brushProperty name="color" value="#5B2D90"/>
+      <inkml:brushProperty name="color" value="#6968A0"/>
     </inkml:brush>
   </inkml:definitions>
   <inkml:trace contextRef="#ctx0" brushRef="#br0">1 1 24575,'0'0'0</inkml:trace>
@@ -3558,7 +3563,7 @@
     <inkml:brush xml:id="br0">
       <inkml:brushProperty name="width" value="0.35" units="cm"/>
       <inkml:brushProperty name="height" value="0.35" units="cm"/>
-      <inkml:brushProperty name="color" value="#F6630D"/>
+      <inkml:brushProperty name="color" value="#BA482C"/>
     </inkml:brush>
   </inkml:definitions>
   <inkml:trace contextRef="#ctx0" brushRef="#br0">1 0 24575,'0'0'0</inkml:trace>
@@ -3586,7 +3591,7 @@
     <inkml:brush xml:id="br0">
       <inkml:brushProperty name="width" value="0.35" units="cm"/>
       <inkml:brushProperty name="height" value="0.35" units="cm"/>
-      <inkml:brushProperty name="color" value="#5B2D90"/>
+      <inkml:brushProperty name="color" value="#6968A0"/>
     </inkml:brush>
   </inkml:definitions>
   <inkml:trace contextRef="#ctx0" brushRef="#br0">0 1 24575,'0'0'0</inkml:trace>
@@ -3614,7 +3619,7 @@
     <inkml:brush xml:id="br0">
       <inkml:brushProperty name="width" value="0.35" units="cm"/>
       <inkml:brushProperty name="height" value="0.35" units="cm"/>
-      <inkml:brushProperty name="color" value="#5B2D90"/>
+      <inkml:brushProperty name="color" value="#6968A0"/>
     </inkml:brush>
   </inkml:definitions>
   <inkml:trace contextRef="#ctx0" brushRef="#br0">0 1 24575,'0'0'0</inkml:trace>
@@ -3642,7 +3647,7 @@
     <inkml:brush xml:id="br0">
       <inkml:brushProperty name="width" value="0.35" units="cm"/>
       <inkml:brushProperty name="height" value="0.35" units="cm"/>
-      <inkml:brushProperty name="color" value="#5B2D90"/>
+      <inkml:brushProperty name="color" value="#6968A0"/>
     </inkml:brush>
   </inkml:definitions>
   <inkml:trace contextRef="#ctx0" brushRef="#br0">1 1 24575,'0'0'0</inkml:trace>
@@ -3670,7 +3675,7 @@
     <inkml:brush xml:id="br0">
       <inkml:brushProperty name="width" value="0.35" units="cm"/>
       <inkml:brushProperty name="height" value="0.35" units="cm"/>
-      <inkml:brushProperty name="color" value="#5B2D90"/>
+      <inkml:brushProperty name="color" value="#6968A0"/>
     </inkml:brush>
   </inkml:definitions>
   <inkml:trace contextRef="#ctx0" brushRef="#br0">0 0 24575,'0'0'0</inkml:trace>
@@ -3698,7 +3703,7 @@
     <inkml:brush xml:id="br0">
       <inkml:brushProperty name="width" value="0.35" units="cm"/>
       <inkml:brushProperty name="height" value="0.35" units="cm"/>
-      <inkml:brushProperty name="color" value="#5B2D90"/>
+      <inkml:brushProperty name="color" value="#6968A0"/>
     </inkml:brush>
   </inkml:definitions>
   <inkml:trace contextRef="#ctx0" brushRef="#br0">0 1 24575,'0'0'0</inkml:trace>
@@ -3726,7 +3731,7 @@
     <inkml:brush xml:id="br0">
       <inkml:brushProperty name="width" value="0.35" units="cm"/>
       <inkml:brushProperty name="height" value="0.35" units="cm"/>
-      <inkml:brushProperty name="color" value="#5B2D90"/>
+      <inkml:brushProperty name="color" value="#6968A0"/>
     </inkml:brush>
   </inkml:definitions>
   <inkml:trace contextRef="#ctx0" brushRef="#br0">0 0 24575,'0'0'0</inkml:trace>
@@ -3754,7 +3759,7 @@
     <inkml:brush xml:id="br0">
       <inkml:brushProperty name="width" value="0.35" units="cm"/>
       <inkml:brushProperty name="height" value="0.35" units="cm"/>
-      <inkml:brushProperty name="color" value="#66CC00"/>
+      <inkml:brushProperty name="color" value="#7D943C"/>
     </inkml:brush>
   </inkml:definitions>
   <inkml:trace contextRef="#ctx0" brushRef="#br0">0 1 24575,'0'0'0</inkml:trace>
@@ -3782,7 +3787,7 @@
     <inkml:brush xml:id="br0">
       <inkml:brushProperty name="width" value="0.35" units="cm"/>
       <inkml:brushProperty name="height" value="0.35" units="cm"/>
-      <inkml:brushProperty name="color" value="#66CC00"/>
+      <inkml:brushProperty name="color" value="#7D943C"/>
     </inkml:brush>
   </inkml:definitions>
   <inkml:trace contextRef="#ctx0" brushRef="#br0">1 0 24575,'0'0'0</inkml:trace>
@@ -3810,7 +3815,7 @@
     <inkml:brush xml:id="br0">
       <inkml:brushProperty name="width" value="0.35" units="cm"/>
       <inkml:brushProperty name="height" value="0.35" units="cm"/>
-      <inkml:brushProperty name="color" value="#66CC00"/>
+      <inkml:brushProperty name="color" value="#7D943C"/>
     </inkml:brush>
   </inkml:definitions>
   <inkml:trace contextRef="#ctx0" brushRef="#br0">0 0 24575,'0'0'0</inkml:trace>
@@ -3838,7 +3843,7 @@
     <inkml:brush xml:id="br0">
       <inkml:brushProperty name="width" value="0.35" units="cm"/>
       <inkml:brushProperty name="height" value="0.35" units="cm"/>
-      <inkml:brushProperty name="color" value="#66CC00"/>
+      <inkml:brushProperty name="color" value="#7D943C"/>
     </inkml:brush>
   </inkml:definitions>
   <inkml:trace contextRef="#ctx0" brushRef="#br0">0 1 24575,'0'0'0</inkml:trace>
@@ -3976,7 +3981,7 @@
           <a:p>
             <a:fld id="{FD09E7E3-754F-D347-9F7E-1F14D51BFFEB}" type="datetimeFigureOut">
               <a:rPr lang="en-US" smtClean="0"/>
-              <a:t>6/17/22</a:t>
+              <a:t>12/20/23</a:t>
             </a:fld>
             <a:endParaRPr lang="en-US"/>
           </a:p>
@@ -4146,7 +4151,7 @@
           <a:p>
             <a:fld id="{FD09E7E3-754F-D347-9F7E-1F14D51BFFEB}" type="datetimeFigureOut">
               <a:rPr lang="en-US" smtClean="0"/>
-              <a:t>6/17/22</a:t>
+              <a:t>12/20/23</a:t>
             </a:fld>
             <a:endParaRPr lang="en-US"/>
           </a:p>
@@ -4326,7 +4331,7 @@
           <a:p>
             <a:fld id="{FD09E7E3-754F-D347-9F7E-1F14D51BFFEB}" type="datetimeFigureOut">
               <a:rPr lang="en-US" smtClean="0"/>
-              <a:t>6/17/22</a:t>
+              <a:t>12/20/23</a:t>
             </a:fld>
             <a:endParaRPr lang="en-US"/>
           </a:p>
@@ -4496,7 +4501,7 @@
           <a:p>
             <a:fld id="{FD09E7E3-754F-D347-9F7E-1F14D51BFFEB}" type="datetimeFigureOut">
               <a:rPr lang="en-US" smtClean="0"/>
-              <a:t>6/17/22</a:t>
+              <a:t>12/20/23</a:t>
             </a:fld>
             <a:endParaRPr lang="en-US"/>
           </a:p>
@@ -4740,7 +4745,7 @@
           <a:p>
             <a:fld id="{FD09E7E3-754F-D347-9F7E-1F14D51BFFEB}" type="datetimeFigureOut">
               <a:rPr lang="en-US" smtClean="0"/>
-              <a:t>6/17/22</a:t>
+              <a:t>12/20/23</a:t>
             </a:fld>
             <a:endParaRPr lang="en-US"/>
           </a:p>
@@ -4972,7 +4977,7 @@
           <a:p>
             <a:fld id="{FD09E7E3-754F-D347-9F7E-1F14D51BFFEB}" type="datetimeFigureOut">
               <a:rPr lang="en-US" smtClean="0"/>
-              <a:t>6/17/22</a:t>
+              <a:t>12/20/23</a:t>
             </a:fld>
             <a:endParaRPr lang="en-US"/>
           </a:p>
@@ -5339,7 +5344,7 @@
           <a:p>
             <a:fld id="{FD09E7E3-754F-D347-9F7E-1F14D51BFFEB}" type="datetimeFigureOut">
               <a:rPr lang="en-US" smtClean="0"/>
-              <a:t>6/17/22</a:t>
+              <a:t>12/20/23</a:t>
             </a:fld>
             <a:endParaRPr lang="en-US"/>
           </a:p>
@@ -5457,7 +5462,7 @@
           <a:p>
             <a:fld id="{FD09E7E3-754F-D347-9F7E-1F14D51BFFEB}" type="datetimeFigureOut">
               <a:rPr lang="en-US" smtClean="0"/>
-              <a:t>6/17/22</a:t>
+              <a:t>12/20/23</a:t>
             </a:fld>
             <a:endParaRPr lang="en-US"/>
           </a:p>
@@ -5552,7 +5557,7 @@
           <a:p>
             <a:fld id="{FD09E7E3-754F-D347-9F7E-1F14D51BFFEB}" type="datetimeFigureOut">
               <a:rPr lang="en-US" smtClean="0"/>
-              <a:t>6/17/22</a:t>
+              <a:t>12/20/23</a:t>
             </a:fld>
             <a:endParaRPr lang="en-US"/>
           </a:p>
@@ -5829,7 +5834,7 @@
           <a:p>
             <a:fld id="{FD09E7E3-754F-D347-9F7E-1F14D51BFFEB}" type="datetimeFigureOut">
               <a:rPr lang="en-US" smtClean="0"/>
-              <a:t>6/17/22</a:t>
+              <a:t>12/20/23</a:t>
             </a:fld>
             <a:endParaRPr lang="en-US"/>
           </a:p>
@@ -6086,7 +6091,7 @@
           <a:p>
             <a:fld id="{FD09E7E3-754F-D347-9F7E-1F14D51BFFEB}" type="datetimeFigureOut">
               <a:rPr lang="en-US" smtClean="0"/>
-              <a:t>6/17/22</a:t>
+              <a:t>12/20/23</a:t>
             </a:fld>
             <a:endParaRPr lang="en-US"/>
           </a:p>
@@ -6299,7 +6304,7 @@
           <a:p>
             <a:fld id="{FD09E7E3-754F-D347-9F7E-1F14D51BFFEB}" type="datetimeFigureOut">
               <a:rPr lang="en-US" smtClean="0"/>
-              <a:t>6/17/22</a:t>
+              <a:t>12/20/23</a:t>
             </a:fld>
             <a:endParaRPr lang="en-US"/>
           </a:p>
@@ -6704,8 +6709,8 @@
           <a:chExt cx="0" cy="0"/>
         </a:xfrm>
       </p:grpSpPr>
-      <mc:AlternateContent xmlns:mc="http://schemas.openxmlformats.org/markup-compatibility/2006">
-        <mc:Choice xmlns:p14="http://schemas.microsoft.com/office/powerpoint/2010/main" Requires="p14">
+      <mc:AlternateContent xmlns:mc="http://schemas.openxmlformats.org/markup-compatibility/2006" xmlns:p14="http://schemas.microsoft.com/office/powerpoint/2010/main">
+        <mc:Choice Requires="p14">
           <p:contentPart p14:bwMode="auto" r:id="rId2">
             <p14:nvContentPartPr>
               <p14:cNvPr id="5" name="Ink 4">
@@ -6724,7 +6729,7 @@
             </p14:xfrm>
           </p:contentPart>
         </mc:Choice>
-        <mc:Fallback>
+        <mc:Fallback xmlns="">
           <p:pic>
             <p:nvPicPr>
               <p:cNvPr id="5" name="Ink 4">
@@ -6755,8 +6760,8 @@
           </p:pic>
         </mc:Fallback>
       </mc:AlternateContent>
-      <mc:AlternateContent xmlns:mc="http://schemas.openxmlformats.org/markup-compatibility/2006">
-        <mc:Choice xmlns:p14="http://schemas.microsoft.com/office/powerpoint/2010/main" Requires="p14">
+      <mc:AlternateContent xmlns:mc="http://schemas.openxmlformats.org/markup-compatibility/2006" xmlns:p14="http://schemas.microsoft.com/office/powerpoint/2010/main">
+        <mc:Choice Requires="p14">
           <p:contentPart p14:bwMode="auto" r:id="rId4">
             <p14:nvContentPartPr>
               <p14:cNvPr id="7" name="Ink 6">
@@ -6775,7 +6780,7 @@
             </p14:xfrm>
           </p:contentPart>
         </mc:Choice>
-        <mc:Fallback>
+        <mc:Fallback xmlns="">
           <p:pic>
             <p:nvPicPr>
               <p:cNvPr id="7" name="Ink 6">
@@ -6806,8 +6811,8 @@
           </p:pic>
         </mc:Fallback>
       </mc:AlternateContent>
-      <mc:AlternateContent xmlns:mc="http://schemas.openxmlformats.org/markup-compatibility/2006">
-        <mc:Choice xmlns:p14="http://schemas.microsoft.com/office/powerpoint/2010/main" Requires="p14">
+      <mc:AlternateContent xmlns:mc="http://schemas.openxmlformats.org/markup-compatibility/2006" xmlns:p14="http://schemas.microsoft.com/office/powerpoint/2010/main">
+        <mc:Choice Requires="p14">
           <p:contentPart p14:bwMode="auto" r:id="rId5">
             <p14:nvContentPartPr>
               <p14:cNvPr id="8" name="Ink 7">
@@ -6826,7 +6831,7 @@
             </p14:xfrm>
           </p:contentPart>
         </mc:Choice>
-        <mc:Fallback>
+        <mc:Fallback xmlns="">
           <p:pic>
             <p:nvPicPr>
               <p:cNvPr id="8" name="Ink 7">
@@ -6857,8 +6862,8 @@
           </p:pic>
         </mc:Fallback>
       </mc:AlternateContent>
-      <mc:AlternateContent xmlns:mc="http://schemas.openxmlformats.org/markup-compatibility/2006">
-        <mc:Choice xmlns:p14="http://schemas.microsoft.com/office/powerpoint/2010/main" Requires="p14">
+      <mc:AlternateContent xmlns:mc="http://schemas.openxmlformats.org/markup-compatibility/2006" xmlns:p14="http://schemas.microsoft.com/office/powerpoint/2010/main">
+        <mc:Choice Requires="p14">
           <p:contentPart p14:bwMode="auto" r:id="rId6">
             <p14:nvContentPartPr>
               <p14:cNvPr id="12" name="Ink 11">
@@ -6877,7 +6882,7 @@
             </p14:xfrm>
           </p:contentPart>
         </mc:Choice>
-        <mc:Fallback>
+        <mc:Fallback xmlns="">
           <p:pic>
             <p:nvPicPr>
               <p:cNvPr id="12" name="Ink 11">
@@ -6908,8 +6913,8 @@
           </p:pic>
         </mc:Fallback>
       </mc:AlternateContent>
-      <mc:AlternateContent xmlns:mc="http://schemas.openxmlformats.org/markup-compatibility/2006">
-        <mc:Choice xmlns:p14="http://schemas.microsoft.com/office/powerpoint/2010/main" Requires="p14">
+      <mc:AlternateContent xmlns:mc="http://schemas.openxmlformats.org/markup-compatibility/2006" xmlns:p14="http://schemas.microsoft.com/office/powerpoint/2010/main">
+        <mc:Choice Requires="p14">
           <p:contentPart p14:bwMode="auto" r:id="rId8">
             <p14:nvContentPartPr>
               <p14:cNvPr id="13" name="Ink 12">
@@ -6928,7 +6933,7 @@
             </p14:xfrm>
           </p:contentPart>
         </mc:Choice>
-        <mc:Fallback>
+        <mc:Fallback xmlns="">
           <p:pic>
             <p:nvPicPr>
               <p:cNvPr id="13" name="Ink 12">
@@ -6959,8 +6964,8 @@
           </p:pic>
         </mc:Fallback>
       </mc:AlternateContent>
-      <mc:AlternateContent xmlns:mc="http://schemas.openxmlformats.org/markup-compatibility/2006">
-        <mc:Choice xmlns:p14="http://schemas.microsoft.com/office/powerpoint/2010/main" Requires="p14">
+      <mc:AlternateContent xmlns:mc="http://schemas.openxmlformats.org/markup-compatibility/2006" xmlns:p14="http://schemas.microsoft.com/office/powerpoint/2010/main">
+        <mc:Choice Requires="p14">
           <p:contentPart p14:bwMode="auto" r:id="rId10">
             <p14:nvContentPartPr>
               <p14:cNvPr id="15" name="Ink 14">
@@ -6979,7 +6984,7 @@
             </p14:xfrm>
           </p:contentPart>
         </mc:Choice>
-        <mc:Fallback>
+        <mc:Fallback xmlns="">
           <p:pic>
             <p:nvPicPr>
               <p:cNvPr id="15" name="Ink 14">
@@ -7010,8 +7015,8 @@
           </p:pic>
         </mc:Fallback>
       </mc:AlternateContent>
-      <mc:AlternateContent xmlns:mc="http://schemas.openxmlformats.org/markup-compatibility/2006">
-        <mc:Choice xmlns:p14="http://schemas.microsoft.com/office/powerpoint/2010/main" Requires="p14">
+      <mc:AlternateContent xmlns:mc="http://schemas.openxmlformats.org/markup-compatibility/2006" xmlns:p14="http://schemas.microsoft.com/office/powerpoint/2010/main">
+        <mc:Choice Requires="p14">
           <p:contentPart p14:bwMode="auto" r:id="rId12">
             <p14:nvContentPartPr>
               <p14:cNvPr id="16" name="Ink 15">
@@ -7030,7 +7035,7 @@
             </p14:xfrm>
           </p:contentPart>
         </mc:Choice>
-        <mc:Fallback>
+        <mc:Fallback xmlns="">
           <p:pic>
             <p:nvPicPr>
               <p:cNvPr id="16" name="Ink 15">
@@ -7076,7 +7081,7 @@
         <p:spPr>
           <a:xfrm>
             <a:off x="1309168" y="4110587"/>
-            <a:ext cx="1683218" cy="369332"/>
+            <a:ext cx="1805302" cy="369332"/>
           </a:xfrm>
           <a:prstGeom prst="rect">
             <a:avLst/>
@@ -7090,7 +7095,10 @@
           <a:lstStyle/>
           <a:p>
             <a:r>
-              <a:rPr lang="en-US" b="1" dirty="0"/>
+              <a:rPr lang="en-US" b="1" dirty="0">
+                <a:latin typeface="Source Sans Pro" panose="020B0503030403020204" pitchFamily="34" charset="0"/>
+                <a:ea typeface="Source Sans Pro" panose="020B0503030403020204" pitchFamily="34" charset="0"/>
+              </a:rPr>
               <a:t>Sampling frame</a:t>
             </a:r>
           </a:p>
@@ -7110,8 +7118,8 @@
         </p:nvSpPr>
         <p:spPr>
           <a:xfrm>
-            <a:off x="4094103" y="1908095"/>
-            <a:ext cx="2600968" cy="369332"/>
+            <a:off x="3999960" y="1919767"/>
+            <a:ext cx="2803973" cy="369332"/>
           </a:xfrm>
           <a:prstGeom prst="rect">
             <a:avLst/>
@@ -7125,7 +7133,10 @@
           <a:lstStyle/>
           <a:p>
             <a:r>
-              <a:rPr lang="en-US" b="1" dirty="0"/>
+              <a:rPr lang="en-US" b="1" dirty="0">
+                <a:latin typeface="Source Sans Pro" panose="020B0503030403020204" pitchFamily="34" charset="0"/>
+                <a:ea typeface="Source Sans Pro" panose="020B0503030403020204" pitchFamily="34" charset="0"/>
+              </a:rPr>
               <a:t>Stratified sampling frame</a:t>
             </a:r>
           </a:p>
@@ -7145,8 +7156,8 @@
         </p:nvSpPr>
         <p:spPr>
           <a:xfrm>
-            <a:off x="7781292" y="1908095"/>
-            <a:ext cx="1807739" cy="369332"/>
+            <a:off x="7651470" y="1927484"/>
+            <a:ext cx="1949573" cy="369332"/>
           </a:xfrm>
           <a:prstGeom prst="rect">
             <a:avLst/>
@@ -7160,7 +7171,10 @@
           <a:lstStyle/>
           <a:p>
             <a:r>
-              <a:rPr lang="en-US" b="1" dirty="0"/>
+              <a:rPr lang="en-US" b="1" dirty="0">
+                <a:latin typeface="Source Sans Pro" panose="020B0503030403020204" pitchFamily="34" charset="0"/>
+                <a:ea typeface="Source Sans Pro" panose="020B0503030403020204" pitchFamily="34" charset="0"/>
+              </a:rPr>
               <a:t>Stratified sample</a:t>
             </a:r>
           </a:p>
@@ -7196,14 +7210,20 @@
           <a:p>
             <a:pPr algn="r"/>
             <a:r>
-              <a:rPr lang="en-US" dirty="0"/>
+              <a:rPr lang="en-US" dirty="0">
+                <a:latin typeface="Source Sans Pro" panose="020B0503030403020204" pitchFamily="34" charset="0"/>
+                <a:ea typeface="Source Sans Pro" panose="020B0503030403020204" pitchFamily="34" charset="0"/>
+              </a:rPr>
               <a:t>50%</a:t>
             </a:r>
           </a:p>
           <a:p>
             <a:pPr algn="r"/>
             <a:r>
-              <a:rPr lang="en-US" dirty="0"/>
+              <a:rPr lang="en-US" dirty="0">
+                <a:latin typeface="Source Sans Pro" panose="020B0503030403020204" pitchFamily="34" charset="0"/>
+                <a:ea typeface="Source Sans Pro" panose="020B0503030403020204" pitchFamily="34" charset="0"/>
+              </a:rPr>
               <a:t>N=25</a:t>
             </a:r>
           </a:p>
@@ -7239,14 +7259,20 @@
           <a:p>
             <a:pPr algn="r"/>
             <a:r>
-              <a:rPr lang="en-US" dirty="0"/>
+              <a:rPr lang="en-US" dirty="0">
+                <a:latin typeface="Source Sans Pro" panose="020B0503030403020204" pitchFamily="34" charset="0"/>
+                <a:ea typeface="Source Sans Pro" panose="020B0503030403020204" pitchFamily="34" charset="0"/>
+              </a:rPr>
               <a:t>30%</a:t>
             </a:r>
           </a:p>
           <a:p>
             <a:pPr algn="r"/>
             <a:r>
-              <a:rPr lang="en-US" dirty="0"/>
+              <a:rPr lang="en-US" dirty="0">
+                <a:latin typeface="Source Sans Pro" panose="020B0503030403020204" pitchFamily="34" charset="0"/>
+                <a:ea typeface="Source Sans Pro" panose="020B0503030403020204" pitchFamily="34" charset="0"/>
+              </a:rPr>
               <a:t>N=15</a:t>
             </a:r>
           </a:p>
@@ -7282,14 +7308,20 @@
           <a:p>
             <a:pPr algn="r"/>
             <a:r>
-              <a:rPr lang="en-US" dirty="0"/>
+              <a:rPr lang="en-US" dirty="0">
+                <a:latin typeface="Source Sans Pro" panose="020B0503030403020204" pitchFamily="34" charset="0"/>
+                <a:ea typeface="Source Sans Pro" panose="020B0503030403020204" pitchFamily="34" charset="0"/>
+              </a:rPr>
               <a:t>20%</a:t>
             </a:r>
           </a:p>
           <a:p>
             <a:pPr algn="r"/>
             <a:r>
-              <a:rPr lang="en-US" dirty="0"/>
+              <a:rPr lang="en-US" dirty="0">
+                <a:latin typeface="Source Sans Pro" panose="020B0503030403020204" pitchFamily="34" charset="0"/>
+                <a:ea typeface="Source Sans Pro" panose="020B0503030403020204" pitchFamily="34" charset="0"/>
+              </a:rPr>
               <a:t>N=10</a:t>
             </a:r>
           </a:p>
@@ -7336,7 +7368,7 @@
             </p:blipFill>
             <p:spPr>
               <a:xfrm>
-                <a:off x="1055027" y="4815205"/>
+                <a:off x="1054667" y="4815205"/>
                 <a:ext cx="126000" cy="126000"/>
               </a:xfrm>
               <a:prstGeom prst="rect">
@@ -7387,7 +7419,7 @@
             </p:blipFill>
             <p:spPr>
               <a:xfrm>
-                <a:off x="1529147" y="5677405"/>
+                <a:off x="1528787" y="5677405"/>
                 <a:ext cx="126000" cy="126000"/>
               </a:xfrm>
               <a:prstGeom prst="rect">
@@ -7489,7 +7521,7 @@
             </p:blipFill>
             <p:spPr>
               <a:xfrm>
-                <a:off x="1280747" y="7336645"/>
+                <a:off x="1280747" y="7336285"/>
                 <a:ext cx="126000" cy="126000"/>
               </a:xfrm>
               <a:prstGeom prst="rect">
@@ -7591,7 +7623,7 @@
             </p:blipFill>
             <p:spPr>
               <a:xfrm>
-                <a:off x="2532107" y="6782605"/>
+                <a:off x="2532107" y="6782245"/>
                 <a:ext cx="126000" cy="126000"/>
               </a:xfrm>
               <a:prstGeom prst="rect">
@@ -7642,7 +7674,7 @@
             </p:blipFill>
             <p:spPr>
               <a:xfrm>
-                <a:off x="1947467" y="7058005"/>
+                <a:off x="1947467" y="7057645"/>
                 <a:ext cx="126000" cy="126000"/>
               </a:xfrm>
               <a:prstGeom prst="rect">
@@ -7744,7 +7776,7 @@
             </p:blipFill>
             <p:spPr>
               <a:xfrm>
-                <a:off x="1740107" y="4989445"/>
+                <a:off x="1740107" y="4989085"/>
                 <a:ext cx="126000" cy="126000"/>
               </a:xfrm>
               <a:prstGeom prst="rect">
@@ -7825,8 +7857,8 @@
             <a:chExt cx="519120" cy="51120"/>
           </a:xfrm>
         </p:grpSpPr>
-        <mc:AlternateContent xmlns:mc="http://schemas.openxmlformats.org/markup-compatibility/2006">
-          <mc:Choice xmlns:p14="http://schemas.microsoft.com/office/powerpoint/2010/main" Requires="p14">
+        <mc:AlternateContent xmlns:mc="http://schemas.openxmlformats.org/markup-compatibility/2006" xmlns:p14="http://schemas.microsoft.com/office/powerpoint/2010/main">
+          <mc:Choice Requires="p14">
             <p:contentPart p14:bwMode="auto" r:id="rId25">
               <p14:nvContentPartPr>
                 <p14:cNvPr id="31" name="Ink 30">
@@ -7845,7 +7877,7 @@
               </p14:xfrm>
             </p:contentPart>
           </mc:Choice>
-          <mc:Fallback>
+          <mc:Fallback xmlns="">
             <p:pic>
               <p:nvPicPr>
                 <p:cNvPr id="31" name="Ink 30">
@@ -7859,7 +7891,7 @@
                 <p:nvPr/>
               </p:nvPicPr>
               <p:blipFill>
-                <a:blip r:embed="rId15"/>
+                <a:blip r:embed="rId26"/>
                 <a:stretch>
                   <a:fillRect/>
                 </a:stretch>
@@ -7876,9 +7908,9 @@
             </p:pic>
           </mc:Fallback>
         </mc:AlternateContent>
-        <mc:AlternateContent xmlns:mc="http://schemas.openxmlformats.org/markup-compatibility/2006">
-          <mc:Choice xmlns:p14="http://schemas.microsoft.com/office/powerpoint/2010/main" Requires="p14">
-            <p:contentPart p14:bwMode="auto" r:id="rId26">
+        <mc:AlternateContent xmlns:mc="http://schemas.openxmlformats.org/markup-compatibility/2006" xmlns:p14="http://schemas.microsoft.com/office/powerpoint/2010/main">
+          <mc:Choice Requires="p14">
+            <p:contentPart p14:bwMode="auto" r:id="rId27">
               <p14:nvContentPartPr>
                 <p14:cNvPr id="34" name="Ink 33">
                   <a:extLst>
@@ -7896,7 +7928,7 @@
               </p14:xfrm>
             </p:contentPart>
           </mc:Choice>
-          <mc:Fallback>
+          <mc:Fallback xmlns="">
             <p:pic>
               <p:nvPicPr>
                 <p:cNvPr id="34" name="Ink 33">
@@ -7910,7 +7942,7 @@
                 <p:nvPr/>
               </p:nvPicPr>
               <p:blipFill>
-                <a:blip r:embed="rId15"/>
+                <a:blip r:embed="rId26"/>
                 <a:stretch>
                   <a:fillRect/>
                 </a:stretch>
@@ -7930,7 +7962,7 @@
       </p:grpSp>
       <mc:AlternateContent xmlns:mc="http://schemas.openxmlformats.org/markup-compatibility/2006">
         <mc:Choice xmlns:p14="http://schemas.microsoft.com/office/powerpoint/2010/main" Requires="p14">
-          <p:contentPart p14:bwMode="auto" r:id="rId27">
+          <p:contentPart p14:bwMode="auto" r:id="rId28">
             <p14:nvContentPartPr>
               <p14:cNvPr id="35" name="Ink 34">
                 <a:extLst>
@@ -7981,7 +8013,7 @@
       </mc:AlternateContent>
       <mc:AlternateContent xmlns:mc="http://schemas.openxmlformats.org/markup-compatibility/2006">
         <mc:Choice xmlns:p14="http://schemas.microsoft.com/office/powerpoint/2010/main" Requires="p14">
-          <p:contentPart p14:bwMode="auto" r:id="rId28">
+          <p:contentPart p14:bwMode="auto" r:id="rId29">
             <p14:nvContentPartPr>
               <p14:cNvPr id="36" name="Ink 35">
                 <a:extLst>
@@ -8020,7 +8052,7 @@
             </p:blipFill>
             <p:spPr>
               <a:xfrm>
-                <a:off x="1075547" y="6217045"/>
+                <a:off x="1075547" y="6216685"/>
                 <a:ext cx="126000" cy="126000"/>
               </a:xfrm>
               <a:prstGeom prst="rect">
@@ -8032,7 +8064,7 @@
       </mc:AlternateContent>
       <mc:AlternateContent xmlns:mc="http://schemas.openxmlformats.org/markup-compatibility/2006">
         <mc:Choice xmlns:p14="http://schemas.microsoft.com/office/powerpoint/2010/main" Requires="p14">
-          <p:contentPart p14:bwMode="auto" r:id="rId29">
+          <p:contentPart p14:bwMode="auto" r:id="rId30">
             <p14:nvContentPartPr>
               <p14:cNvPr id="37" name="Ink 36">
                 <a:extLst>
@@ -8071,7 +8103,7 @@
             </p:blipFill>
             <p:spPr>
               <a:xfrm>
-                <a:off x="2943587" y="7365805"/>
+                <a:off x="2943227" y="7365445"/>
                 <a:ext cx="126000" cy="126000"/>
               </a:xfrm>
               <a:prstGeom prst="rect">
@@ -8083,7 +8115,7 @@
       </mc:AlternateContent>
       <mc:AlternateContent xmlns:mc="http://schemas.openxmlformats.org/markup-compatibility/2006">
         <mc:Choice xmlns:p14="http://schemas.microsoft.com/office/powerpoint/2010/main" Requires="p14">
-          <p:contentPart p14:bwMode="auto" r:id="rId30">
+          <p:contentPart p14:bwMode="auto" r:id="rId31">
             <p14:nvContentPartPr>
               <p14:cNvPr id="39" name="Ink 38">
                 <a:extLst>
@@ -8134,7 +8166,7 @@
       </mc:AlternateContent>
       <mc:AlternateContent xmlns:mc="http://schemas.openxmlformats.org/markup-compatibility/2006">
         <mc:Choice xmlns:p14="http://schemas.microsoft.com/office/powerpoint/2010/main" Requires="p14">
-          <p:contentPart p14:bwMode="auto" r:id="rId31">
+          <p:contentPart p14:bwMode="auto" r:id="rId32">
             <p14:nvContentPartPr>
               <p14:cNvPr id="40" name="Ink 39">
                 <a:extLst>
@@ -8173,7 +8205,7 @@
             </p:blipFill>
             <p:spPr>
               <a:xfrm>
-                <a:off x="1319627" y="7786645"/>
+                <a:off x="1319627" y="7786285"/>
                 <a:ext cx="126000" cy="126000"/>
               </a:xfrm>
               <a:prstGeom prst="rect">
@@ -8185,7 +8217,7 @@
       </mc:AlternateContent>
       <mc:AlternateContent xmlns:mc="http://schemas.openxmlformats.org/markup-compatibility/2006">
         <mc:Choice xmlns:p14="http://schemas.microsoft.com/office/powerpoint/2010/main" Requires="p14">
-          <p:contentPart p14:bwMode="auto" r:id="rId32">
+          <p:contentPart p14:bwMode="auto" r:id="rId33">
             <p14:nvContentPartPr>
               <p14:cNvPr id="41" name="Ink 40">
                 <a:extLst>
@@ -8236,7 +8268,7 @@
       </mc:AlternateContent>
       <mc:AlternateContent xmlns:mc="http://schemas.openxmlformats.org/markup-compatibility/2006">
         <mc:Choice xmlns:p14="http://schemas.microsoft.com/office/powerpoint/2010/main" Requires="p14">
-          <p:contentPart p14:bwMode="auto" r:id="rId33">
+          <p:contentPart p14:bwMode="auto" r:id="rId34">
             <p14:nvContentPartPr>
               <p14:cNvPr id="42" name="Ink 41">
                 <a:extLst>
@@ -8268,7 +8300,7 @@
               <p:nvPr/>
             </p:nvPicPr>
             <p:blipFill>
-              <a:blip r:embed="rId15"/>
+              <a:blip r:embed="rId26"/>
               <a:stretch>
                 <a:fillRect/>
               </a:stretch>
@@ -8287,7 +8319,7 @@
       </mc:AlternateContent>
       <mc:AlternateContent xmlns:mc="http://schemas.openxmlformats.org/markup-compatibility/2006">
         <mc:Choice xmlns:p14="http://schemas.microsoft.com/office/powerpoint/2010/main" Requires="p14">
-          <p:contentPart p14:bwMode="auto" r:id="rId34">
+          <p:contentPart p14:bwMode="auto" r:id="rId35">
             <p14:nvContentPartPr>
               <p14:cNvPr id="43" name="Ink 42">
                 <a:extLst>
@@ -8319,14 +8351,14 @@
               <p:nvPr/>
             </p:nvPicPr>
             <p:blipFill>
-              <a:blip r:embed="rId15"/>
+              <a:blip r:embed="rId26"/>
               <a:stretch>
                 <a:fillRect/>
               </a:stretch>
             </p:blipFill>
             <p:spPr>
               <a:xfrm>
-                <a:off x="1552547" y="6131725"/>
+                <a:off x="1552187" y="6131365"/>
                 <a:ext cx="126000" cy="126000"/>
               </a:xfrm>
               <a:prstGeom prst="rect">
@@ -8338,7 +8370,7 @@
       </mc:AlternateContent>
       <mc:AlternateContent xmlns:mc="http://schemas.openxmlformats.org/markup-compatibility/2006">
         <mc:Choice xmlns:p14="http://schemas.microsoft.com/office/powerpoint/2010/main" Requires="p14">
-          <p:contentPart p14:bwMode="auto" r:id="rId35">
+          <p:contentPart p14:bwMode="auto" r:id="rId36">
             <p14:nvContentPartPr>
               <p14:cNvPr id="44" name="Ink 43">
                 <a:extLst>
@@ -8370,14 +8402,14 @@
               <p:nvPr/>
             </p:nvPicPr>
             <p:blipFill>
-              <a:blip r:embed="rId15"/>
+              <a:blip r:embed="rId26"/>
               <a:stretch>
                 <a:fillRect/>
               </a:stretch>
             </p:blipFill>
             <p:spPr>
               <a:xfrm>
-                <a:off x="1184627" y="5568325"/>
+                <a:off x="1184267" y="5567965"/>
                 <a:ext cx="126000" cy="126000"/>
               </a:xfrm>
               <a:prstGeom prst="rect">
@@ -8389,7 +8421,7 @@
       </mc:AlternateContent>
       <mc:AlternateContent xmlns:mc="http://schemas.openxmlformats.org/markup-compatibility/2006">
         <mc:Choice xmlns:p14="http://schemas.microsoft.com/office/powerpoint/2010/main" Requires="p14">
-          <p:contentPart p14:bwMode="auto" r:id="rId36">
+          <p:contentPart p14:bwMode="auto" r:id="rId37">
             <p14:nvContentPartPr>
               <p14:cNvPr id="45" name="Ink 44">
                 <a:extLst>
@@ -8428,7 +8460,7 @@
             </p:blipFill>
             <p:spPr>
               <a:xfrm>
-                <a:off x="2118107" y="5071885"/>
+                <a:off x="2118107" y="5071525"/>
                 <a:ext cx="126000" cy="126000"/>
               </a:xfrm>
               <a:prstGeom prst="rect">
@@ -8440,7 +8472,7 @@
       </mc:AlternateContent>
       <mc:AlternateContent xmlns:mc="http://schemas.openxmlformats.org/markup-compatibility/2006">
         <mc:Choice xmlns:p14="http://schemas.microsoft.com/office/powerpoint/2010/main" Requires="p14">
-          <p:contentPart p14:bwMode="auto" r:id="rId37">
+          <p:contentPart p14:bwMode="auto" r:id="rId38">
             <p14:nvContentPartPr>
               <p14:cNvPr id="46" name="Ink 45">
                 <a:extLst>
@@ -8479,7 +8511,7 @@
             </p:blipFill>
             <p:spPr>
               <a:xfrm>
-                <a:off x="2451467" y="5951005"/>
+                <a:off x="2451467" y="5950645"/>
                 <a:ext cx="126000" cy="126000"/>
               </a:xfrm>
               <a:prstGeom prst="rect">
@@ -8491,7 +8523,7 @@
       </mc:AlternateContent>
       <mc:AlternateContent xmlns:mc="http://schemas.openxmlformats.org/markup-compatibility/2006">
         <mc:Choice xmlns:p14="http://schemas.microsoft.com/office/powerpoint/2010/main" Requires="p14">
-          <p:contentPart p14:bwMode="auto" r:id="rId38">
+          <p:contentPart p14:bwMode="auto" r:id="rId39">
             <p14:nvContentPartPr>
               <p14:cNvPr id="47" name="Ink 46">
                 <a:extLst>
@@ -8530,7 +8562,7 @@
             </p:blipFill>
             <p:spPr>
               <a:xfrm>
-                <a:off x="2916947" y="6451765"/>
+                <a:off x="2916947" y="6451405"/>
                 <a:ext cx="126000" cy="126000"/>
               </a:xfrm>
               <a:prstGeom prst="rect">
@@ -8542,7 +8574,7 @@
       </mc:AlternateContent>
       <mc:AlternateContent xmlns:mc="http://schemas.openxmlformats.org/markup-compatibility/2006">
         <mc:Choice xmlns:p14="http://schemas.microsoft.com/office/powerpoint/2010/main" Requires="p14">
-          <p:contentPart p14:bwMode="auto" r:id="rId39">
+          <p:contentPart p14:bwMode="auto" r:id="rId40">
             <p14:nvContentPartPr>
               <p14:cNvPr id="48" name="Ink 47">
                 <a:extLst>
@@ -8581,7 +8613,7 @@
             </p:blipFill>
             <p:spPr>
               <a:xfrm>
-                <a:off x="2951867" y="7854325"/>
+                <a:off x="2951867" y="7853965"/>
                 <a:ext cx="126000" cy="126000"/>
               </a:xfrm>
               <a:prstGeom prst="rect">
@@ -8593,7 +8625,7 @@
       </mc:AlternateContent>
       <mc:AlternateContent xmlns:mc="http://schemas.openxmlformats.org/markup-compatibility/2006">
         <mc:Choice xmlns:p14="http://schemas.microsoft.com/office/powerpoint/2010/main" Requires="p14">
-          <p:contentPart p14:bwMode="auto" r:id="rId40">
+          <p:contentPart p14:bwMode="auto" r:id="rId41">
             <p14:nvContentPartPr>
               <p14:cNvPr id="52" name="Ink 51">
                 <a:extLst>
@@ -8662,9 +8694,9 @@
             <a:chExt cx="300240" cy="109800"/>
           </a:xfrm>
         </p:grpSpPr>
-        <mc:AlternateContent xmlns:mc="http://schemas.openxmlformats.org/markup-compatibility/2006">
-          <mc:Choice xmlns:p14="http://schemas.microsoft.com/office/powerpoint/2010/main" Requires="p14">
-            <p:contentPart p14:bwMode="auto" r:id="rId41">
+        <mc:AlternateContent xmlns:mc="http://schemas.openxmlformats.org/markup-compatibility/2006" xmlns:p14="http://schemas.microsoft.com/office/powerpoint/2010/main">
+          <mc:Choice Requires="p14">
+            <p:contentPart p14:bwMode="auto" r:id="rId42">
               <p14:nvContentPartPr>
                 <p14:cNvPr id="51" name="Ink 50">
                   <a:extLst>
@@ -8682,7 +8714,7 @@
               </p14:xfrm>
             </p:contentPart>
           </mc:Choice>
-          <mc:Fallback>
+          <mc:Fallback xmlns="">
             <p:pic>
               <p:nvPicPr>
                 <p:cNvPr id="51" name="Ink 50">
@@ -8696,7 +8728,7 @@
                 <p:nvPr/>
               </p:nvPicPr>
               <p:blipFill>
-                <a:blip r:embed="rId15"/>
+                <a:blip r:embed="rId26"/>
                 <a:stretch>
                   <a:fillRect/>
                 </a:stretch>
@@ -8713,9 +8745,9 @@
             </p:pic>
           </mc:Fallback>
         </mc:AlternateContent>
-        <mc:AlternateContent xmlns:mc="http://schemas.openxmlformats.org/markup-compatibility/2006">
-          <mc:Choice xmlns:p14="http://schemas.microsoft.com/office/powerpoint/2010/main" Requires="p14">
-            <p:contentPart p14:bwMode="auto" r:id="rId42">
+        <mc:AlternateContent xmlns:mc="http://schemas.openxmlformats.org/markup-compatibility/2006" xmlns:p14="http://schemas.microsoft.com/office/powerpoint/2010/main">
+          <mc:Choice Requires="p14">
+            <p:contentPart p14:bwMode="auto" r:id="rId43">
               <p14:nvContentPartPr>
                 <p14:cNvPr id="53" name="Ink 52">
                   <a:extLst>
@@ -8733,7 +8765,7 @@
               </p14:xfrm>
             </p:contentPart>
           </mc:Choice>
-          <mc:Fallback>
+          <mc:Fallback xmlns="">
             <p:pic>
               <p:nvPicPr>
                 <p:cNvPr id="53" name="Ink 52">
@@ -8747,7 +8779,7 @@
                 <p:nvPr/>
               </p:nvPicPr>
               <p:blipFill>
-                <a:blip r:embed="rId15"/>
+                <a:blip r:embed="rId26"/>
                 <a:stretch>
                   <a:fillRect/>
                 </a:stretch>
@@ -8767,7 +8799,7 @@
       </p:grpSp>
       <mc:AlternateContent xmlns:mc="http://schemas.openxmlformats.org/markup-compatibility/2006">
         <mc:Choice xmlns:p14="http://schemas.microsoft.com/office/powerpoint/2010/main" Requires="p14">
-          <p:contentPart p14:bwMode="auto" r:id="rId43">
+          <p:contentPart p14:bwMode="auto" r:id="rId44">
             <p14:nvContentPartPr>
               <p14:cNvPr id="55" name="Ink 54">
                 <a:extLst>
@@ -8806,7 +8838,7 @@
             </p:blipFill>
             <p:spPr>
               <a:xfrm>
-                <a:off x="4823375" y="3535033"/>
+                <a:off x="4823015" y="3534673"/>
                 <a:ext cx="126000" cy="126000"/>
               </a:xfrm>
               <a:prstGeom prst="rect">
@@ -8836,9 +8868,9 @@
             <a:chExt cx="432720" cy="33840"/>
           </a:xfrm>
         </p:grpSpPr>
-        <mc:AlternateContent xmlns:mc="http://schemas.openxmlformats.org/markup-compatibility/2006">
-          <mc:Choice xmlns:p14="http://schemas.microsoft.com/office/powerpoint/2010/main" Requires="p14">
-            <p:contentPart p14:bwMode="auto" r:id="rId44">
+        <mc:AlternateContent xmlns:mc="http://schemas.openxmlformats.org/markup-compatibility/2006" xmlns:p14="http://schemas.microsoft.com/office/powerpoint/2010/main">
+          <mc:Choice Requires="p14">
+            <p:contentPart p14:bwMode="auto" r:id="rId45">
               <p14:nvContentPartPr>
                 <p14:cNvPr id="56" name="Ink 55">
                   <a:extLst>
@@ -8856,7 +8888,7 @@
               </p14:xfrm>
             </p:contentPart>
           </mc:Choice>
-          <mc:Fallback>
+          <mc:Fallback xmlns="">
             <p:pic>
               <p:nvPicPr>
                 <p:cNvPr id="56" name="Ink 55">
@@ -8870,7 +8902,7 @@
                 <p:nvPr/>
               </p:nvPicPr>
               <p:blipFill>
-                <a:blip r:embed="rId15"/>
+                <a:blip r:embed="rId26"/>
                 <a:stretch>
                   <a:fillRect/>
                 </a:stretch>
@@ -8887,9 +8919,9 @@
             </p:pic>
           </mc:Fallback>
         </mc:AlternateContent>
-        <mc:AlternateContent xmlns:mc="http://schemas.openxmlformats.org/markup-compatibility/2006">
-          <mc:Choice xmlns:p14="http://schemas.microsoft.com/office/powerpoint/2010/main" Requires="p14">
-            <p:contentPart p14:bwMode="auto" r:id="rId45">
+        <mc:AlternateContent xmlns:mc="http://schemas.openxmlformats.org/markup-compatibility/2006" xmlns:p14="http://schemas.microsoft.com/office/powerpoint/2010/main">
+          <mc:Choice Requires="p14">
+            <p:contentPart p14:bwMode="auto" r:id="rId46">
               <p14:nvContentPartPr>
                 <p14:cNvPr id="57" name="Ink 56">
                   <a:extLst>
@@ -8907,7 +8939,7 @@
               </p14:xfrm>
             </p:contentPart>
           </mc:Choice>
-          <mc:Fallback>
+          <mc:Fallback xmlns="">
             <p:pic>
               <p:nvPicPr>
                 <p:cNvPr id="57" name="Ink 56">
@@ -8921,7 +8953,7 @@
                 <p:nvPr/>
               </p:nvPicPr>
               <p:blipFill>
-                <a:blip r:embed="rId15"/>
+                <a:blip r:embed="rId26"/>
                 <a:stretch>
                   <a:fillRect/>
                 </a:stretch>
@@ -8941,7 +8973,7 @@
       </p:grpSp>
       <mc:AlternateContent xmlns:mc="http://schemas.openxmlformats.org/markup-compatibility/2006">
         <mc:Choice xmlns:p14="http://schemas.microsoft.com/office/powerpoint/2010/main" Requires="p14">
-          <p:contentPart p14:bwMode="auto" r:id="rId46">
+          <p:contentPart p14:bwMode="auto" r:id="rId47">
             <p14:nvContentPartPr>
               <p14:cNvPr id="59" name="Ink 58">
                 <a:extLst>
@@ -8980,7 +9012,7 @@
             </p:blipFill>
             <p:spPr>
               <a:xfrm>
-                <a:off x="5248535" y="3859753"/>
+                <a:off x="5248175" y="3859393"/>
                 <a:ext cx="126000" cy="126000"/>
               </a:xfrm>
               <a:prstGeom prst="rect">
@@ -8992,7 +9024,7 @@
       </mc:AlternateContent>
       <mc:AlternateContent xmlns:mc="http://schemas.openxmlformats.org/markup-compatibility/2006">
         <mc:Choice xmlns:p14="http://schemas.microsoft.com/office/powerpoint/2010/main" Requires="p14">
-          <p:contentPart p14:bwMode="auto" r:id="rId47">
+          <p:contentPart p14:bwMode="auto" r:id="rId48">
             <p14:nvContentPartPr>
               <p14:cNvPr id="60" name="Ink 59">
                 <a:extLst>
@@ -9031,7 +9063,7 @@
             </p:blipFill>
             <p:spPr>
               <a:xfrm>
-                <a:off x="5128295" y="3406513"/>
+                <a:off x="5127935" y="3406513"/>
                 <a:ext cx="126000" cy="126000"/>
               </a:xfrm>
               <a:prstGeom prst="rect">
@@ -9043,7 +9075,7 @@
       </mc:AlternateContent>
       <mc:AlternateContent xmlns:mc="http://schemas.openxmlformats.org/markup-compatibility/2006">
         <mc:Choice xmlns:p14="http://schemas.microsoft.com/office/powerpoint/2010/main" Requires="p14">
-          <p:contentPart p14:bwMode="auto" r:id="rId48">
+          <p:contentPart p14:bwMode="auto" r:id="rId49">
             <p14:nvContentPartPr>
               <p14:cNvPr id="61" name="Ink 60">
                 <a:extLst>
@@ -9082,7 +9114,7 @@
             </p:blipFill>
             <p:spPr>
               <a:xfrm>
-                <a:off x="4949015" y="3085753"/>
+                <a:off x="4948655" y="3085753"/>
                 <a:ext cx="126000" cy="126000"/>
               </a:xfrm>
               <a:prstGeom prst="rect">
@@ -9112,9 +9144,9 @@
             <a:chExt cx="540000" cy="28800"/>
           </a:xfrm>
         </p:grpSpPr>
-        <mc:AlternateContent xmlns:mc="http://schemas.openxmlformats.org/markup-compatibility/2006">
-          <mc:Choice xmlns:p14="http://schemas.microsoft.com/office/powerpoint/2010/main" Requires="p14">
-            <p:contentPart p14:bwMode="auto" r:id="rId49">
+        <mc:AlternateContent xmlns:mc="http://schemas.openxmlformats.org/markup-compatibility/2006" xmlns:p14="http://schemas.microsoft.com/office/powerpoint/2010/main">
+          <mc:Choice Requires="p14">
+            <p:contentPart p14:bwMode="auto" r:id="rId50">
               <p14:nvContentPartPr>
                 <p14:cNvPr id="49" name="Ink 48">
                   <a:extLst>
@@ -9132,7 +9164,7 @@
               </p14:xfrm>
             </p:contentPart>
           </mc:Choice>
-          <mc:Fallback>
+          <mc:Fallback xmlns="">
             <p:pic>
               <p:nvPicPr>
                 <p:cNvPr id="49" name="Ink 48">
@@ -9146,7 +9178,7 @@
                 <p:nvPr/>
               </p:nvPicPr>
               <p:blipFill>
-                <a:blip r:embed="rId15"/>
+                <a:blip r:embed="rId26"/>
                 <a:stretch>
                   <a:fillRect/>
                 </a:stretch>
@@ -9163,9 +9195,9 @@
             </p:pic>
           </mc:Fallback>
         </mc:AlternateContent>
-        <mc:AlternateContent xmlns:mc="http://schemas.openxmlformats.org/markup-compatibility/2006">
-          <mc:Choice xmlns:p14="http://schemas.microsoft.com/office/powerpoint/2010/main" Requires="p14">
-            <p:contentPart p14:bwMode="auto" r:id="rId50">
+        <mc:AlternateContent xmlns:mc="http://schemas.openxmlformats.org/markup-compatibility/2006" xmlns:p14="http://schemas.microsoft.com/office/powerpoint/2010/main">
+          <mc:Choice Requires="p14">
+            <p:contentPart p14:bwMode="auto" r:id="rId51">
               <p14:nvContentPartPr>
                 <p14:cNvPr id="50" name="Ink 49">
                   <a:extLst>
@@ -9183,7 +9215,7 @@
               </p14:xfrm>
             </p:contentPart>
           </mc:Choice>
-          <mc:Fallback>
+          <mc:Fallback xmlns="">
             <p:pic>
               <p:nvPicPr>
                 <p:cNvPr id="50" name="Ink 49">
@@ -9197,7 +9229,7 @@
                 <p:nvPr/>
               </p:nvPicPr>
               <p:blipFill>
-                <a:blip r:embed="rId15"/>
+                <a:blip r:embed="rId26"/>
                 <a:stretch>
                   <a:fillRect/>
                 </a:stretch>
@@ -9214,9 +9246,9 @@
             </p:pic>
           </mc:Fallback>
         </mc:AlternateContent>
-        <mc:AlternateContent xmlns:mc="http://schemas.openxmlformats.org/markup-compatibility/2006">
-          <mc:Choice xmlns:p14="http://schemas.microsoft.com/office/powerpoint/2010/main" Requires="p14">
-            <p:contentPart p14:bwMode="auto" r:id="rId51">
+        <mc:AlternateContent xmlns:mc="http://schemas.openxmlformats.org/markup-compatibility/2006" xmlns:p14="http://schemas.microsoft.com/office/powerpoint/2010/main">
+          <mc:Choice Requires="p14">
+            <p:contentPart p14:bwMode="auto" r:id="rId52">
               <p14:nvContentPartPr>
                 <p14:cNvPr id="62" name="Ink 61">
                   <a:extLst>
@@ -9234,7 +9266,7 @@
               </p14:xfrm>
             </p:contentPart>
           </mc:Choice>
-          <mc:Fallback>
+          <mc:Fallback xmlns="">
             <p:pic>
               <p:nvPicPr>
                 <p:cNvPr id="62" name="Ink 61">
@@ -9248,7 +9280,7 @@
                 <p:nvPr/>
               </p:nvPicPr>
               <p:blipFill>
-                <a:blip r:embed="rId15"/>
+                <a:blip r:embed="rId26"/>
                 <a:stretch>
                   <a:fillRect/>
                 </a:stretch>
@@ -9286,9 +9318,9 @@
             <a:chExt cx="343440" cy="89280"/>
           </a:xfrm>
         </p:grpSpPr>
-        <mc:AlternateContent xmlns:mc="http://schemas.openxmlformats.org/markup-compatibility/2006">
-          <mc:Choice xmlns:p14="http://schemas.microsoft.com/office/powerpoint/2010/main" Requires="p14">
-            <p:contentPart p14:bwMode="auto" r:id="rId52">
+        <mc:AlternateContent xmlns:mc="http://schemas.openxmlformats.org/markup-compatibility/2006" xmlns:p14="http://schemas.microsoft.com/office/powerpoint/2010/main">
+          <mc:Choice Requires="p14">
+            <p:contentPart p14:bwMode="auto" r:id="rId53">
               <p14:nvContentPartPr>
                 <p14:cNvPr id="63" name="Ink 62">
                   <a:extLst>
@@ -9306,7 +9338,7 @@
               </p14:xfrm>
             </p:contentPart>
           </mc:Choice>
-          <mc:Fallback>
+          <mc:Fallback xmlns="">
             <p:pic>
               <p:nvPicPr>
                 <p:cNvPr id="63" name="Ink 62">
@@ -9320,7 +9352,7 @@
                 <p:nvPr/>
               </p:nvPicPr>
               <p:blipFill>
-                <a:blip r:embed="rId15"/>
+                <a:blip r:embed="rId26"/>
                 <a:stretch>
                   <a:fillRect/>
                 </a:stretch>
@@ -9337,9 +9369,9 @@
             </p:pic>
           </mc:Fallback>
         </mc:AlternateContent>
-        <mc:AlternateContent xmlns:mc="http://schemas.openxmlformats.org/markup-compatibility/2006">
-          <mc:Choice xmlns:p14="http://schemas.microsoft.com/office/powerpoint/2010/main" Requires="p14">
-            <p:contentPart p14:bwMode="auto" r:id="rId53">
+        <mc:AlternateContent xmlns:mc="http://schemas.openxmlformats.org/markup-compatibility/2006" xmlns:p14="http://schemas.microsoft.com/office/powerpoint/2010/main">
+          <mc:Choice Requires="p14">
+            <p:contentPart p14:bwMode="auto" r:id="rId54">
               <p14:nvContentPartPr>
                 <p14:cNvPr id="66" name="Ink 65">
                   <a:extLst>
@@ -9357,7 +9389,7 @@
               </p14:xfrm>
             </p:contentPart>
           </mc:Choice>
-          <mc:Fallback>
+          <mc:Fallback xmlns="">
             <p:pic>
               <p:nvPicPr>
                 <p:cNvPr id="66" name="Ink 65">
@@ -9371,7 +9403,7 @@
                 <p:nvPr/>
               </p:nvPicPr>
               <p:blipFill>
-                <a:blip r:embed="rId15"/>
+                <a:blip r:embed="rId26"/>
                 <a:stretch>
                   <a:fillRect/>
                 </a:stretch>
@@ -9391,7 +9423,7 @@
       </p:grpSp>
       <mc:AlternateContent xmlns:mc="http://schemas.openxmlformats.org/markup-compatibility/2006">
         <mc:Choice xmlns:p14="http://schemas.microsoft.com/office/powerpoint/2010/main" Requires="p14">
-          <p:contentPart p14:bwMode="auto" r:id="rId54">
+          <p:contentPart p14:bwMode="auto" r:id="rId55">
             <p14:nvContentPartPr>
               <p14:cNvPr id="68" name="Ink 67">
                 <a:extLst>
@@ -9442,7 +9474,7 @@
       </mc:AlternateContent>
       <mc:AlternateContent xmlns:mc="http://schemas.openxmlformats.org/markup-compatibility/2006">
         <mc:Choice xmlns:p14="http://schemas.microsoft.com/office/powerpoint/2010/main" Requires="p14">
-          <p:contentPart p14:bwMode="auto" r:id="rId55">
+          <p:contentPart p14:bwMode="auto" r:id="rId56">
             <p14:nvContentPartPr>
               <p14:cNvPr id="69" name="Ink 68">
                 <a:extLst>
@@ -9493,7 +9525,7 @@
       </mc:AlternateContent>
       <mc:AlternateContent xmlns:mc="http://schemas.openxmlformats.org/markup-compatibility/2006">
         <mc:Choice xmlns:p14="http://schemas.microsoft.com/office/powerpoint/2010/main" Requires="p14">
-          <p:contentPart p14:bwMode="auto" r:id="rId56">
+          <p:contentPart p14:bwMode="auto" r:id="rId57">
             <p14:nvContentPartPr>
               <p14:cNvPr id="70" name="Ink 69">
                 <a:extLst>
@@ -9532,7 +9564,7 @@
             </p:blipFill>
             <p:spPr>
               <a:xfrm>
-                <a:off x="6099575" y="3265393"/>
+                <a:off x="6099215" y="3265393"/>
                 <a:ext cx="126000" cy="126000"/>
               </a:xfrm>
               <a:prstGeom prst="rect">
@@ -9562,9 +9594,9 @@
             <a:chExt cx="860040" cy="191160"/>
           </a:xfrm>
         </p:grpSpPr>
-        <mc:AlternateContent xmlns:mc="http://schemas.openxmlformats.org/markup-compatibility/2006">
-          <mc:Choice xmlns:p14="http://schemas.microsoft.com/office/powerpoint/2010/main" Requires="p14">
-            <p:contentPart p14:bwMode="auto" r:id="rId57">
+        <mc:AlternateContent xmlns:mc="http://schemas.openxmlformats.org/markup-compatibility/2006" xmlns:p14="http://schemas.microsoft.com/office/powerpoint/2010/main">
+          <mc:Choice Requires="p14">
+            <p:contentPart p14:bwMode="auto" r:id="rId58">
               <p14:nvContentPartPr>
                 <p14:cNvPr id="64" name="Ink 63">
                   <a:extLst>
@@ -9582,7 +9614,7 @@
               </p14:xfrm>
             </p:contentPart>
           </mc:Choice>
-          <mc:Fallback>
+          <mc:Fallback xmlns="">
             <p:pic>
               <p:nvPicPr>
                 <p:cNvPr id="64" name="Ink 63">
@@ -9596,7 +9628,7 @@
                 <p:nvPr/>
               </p:nvPicPr>
               <p:blipFill>
-                <a:blip r:embed="rId15"/>
+                <a:blip r:embed="rId26"/>
                 <a:stretch>
                   <a:fillRect/>
                 </a:stretch>
@@ -9613,9 +9645,9 @@
             </p:pic>
           </mc:Fallback>
         </mc:AlternateContent>
-        <mc:AlternateContent xmlns:mc="http://schemas.openxmlformats.org/markup-compatibility/2006">
-          <mc:Choice xmlns:p14="http://schemas.microsoft.com/office/powerpoint/2010/main" Requires="p14">
-            <p:contentPart p14:bwMode="auto" r:id="rId58">
+        <mc:AlternateContent xmlns:mc="http://schemas.openxmlformats.org/markup-compatibility/2006" xmlns:p14="http://schemas.microsoft.com/office/powerpoint/2010/main">
+          <mc:Choice Requires="p14">
+            <p:contentPart p14:bwMode="auto" r:id="rId59">
               <p14:nvContentPartPr>
                 <p14:cNvPr id="67" name="Ink 66">
                   <a:extLst>
@@ -9633,7 +9665,7 @@
               </p14:xfrm>
             </p:contentPart>
           </mc:Choice>
-          <mc:Fallback>
+          <mc:Fallback xmlns="">
             <p:pic>
               <p:nvPicPr>
                 <p:cNvPr id="67" name="Ink 66">
@@ -9647,7 +9679,7 @@
                 <p:nvPr/>
               </p:nvPicPr>
               <p:blipFill>
-                <a:blip r:embed="rId15"/>
+                <a:blip r:embed="rId26"/>
                 <a:stretch>
                   <a:fillRect/>
                 </a:stretch>
@@ -9664,9 +9696,9 @@
             </p:pic>
           </mc:Fallback>
         </mc:AlternateContent>
-        <mc:AlternateContent xmlns:mc="http://schemas.openxmlformats.org/markup-compatibility/2006">
-          <mc:Choice xmlns:p14="http://schemas.microsoft.com/office/powerpoint/2010/main" Requires="p14">
-            <p:contentPart p14:bwMode="auto" r:id="rId59">
+        <mc:AlternateContent xmlns:mc="http://schemas.openxmlformats.org/markup-compatibility/2006" xmlns:p14="http://schemas.microsoft.com/office/powerpoint/2010/main">
+          <mc:Choice Requires="p14">
+            <p:contentPart p14:bwMode="auto" r:id="rId60">
               <p14:nvContentPartPr>
                 <p14:cNvPr id="65" name="Ink 64">
                   <a:extLst>
@@ -9684,7 +9716,7 @@
               </p14:xfrm>
             </p:contentPart>
           </mc:Choice>
-          <mc:Fallback>
+          <mc:Fallback xmlns="">
             <p:pic>
               <p:nvPicPr>
                 <p:cNvPr id="65" name="Ink 64">
@@ -9698,7 +9730,7 @@
                 <p:nvPr/>
               </p:nvPicPr>
               <p:blipFill>
-                <a:blip r:embed="rId15"/>
+                <a:blip r:embed="rId26"/>
                 <a:stretch>
                   <a:fillRect/>
                 </a:stretch>
@@ -9715,9 +9747,9 @@
             </p:pic>
           </mc:Fallback>
         </mc:AlternateContent>
-        <mc:AlternateContent xmlns:mc="http://schemas.openxmlformats.org/markup-compatibility/2006">
-          <mc:Choice xmlns:p14="http://schemas.microsoft.com/office/powerpoint/2010/main" Requires="p14">
-            <p:contentPart p14:bwMode="auto" r:id="rId60">
+        <mc:AlternateContent xmlns:mc="http://schemas.openxmlformats.org/markup-compatibility/2006" xmlns:p14="http://schemas.microsoft.com/office/powerpoint/2010/main">
+          <mc:Choice Requires="p14">
+            <p:contentPart p14:bwMode="auto" r:id="rId61">
               <p14:nvContentPartPr>
                 <p14:cNvPr id="71" name="Ink 70">
                   <a:extLst>
@@ -9735,7 +9767,7 @@
               </p14:xfrm>
             </p:contentPart>
           </mc:Choice>
-          <mc:Fallback>
+          <mc:Fallback xmlns="">
             <p:pic>
               <p:nvPicPr>
                 <p:cNvPr id="71" name="Ink 70">
@@ -9749,7 +9781,7 @@
                 <p:nvPr/>
               </p:nvPicPr>
               <p:blipFill>
-                <a:blip r:embed="rId15"/>
+                <a:blip r:embed="rId26"/>
                 <a:stretch>
                   <a:fillRect/>
                 </a:stretch>
@@ -9769,7 +9801,7 @@
       </p:grpSp>
       <mc:AlternateContent xmlns:mc="http://schemas.openxmlformats.org/markup-compatibility/2006">
         <mc:Choice xmlns:p14="http://schemas.microsoft.com/office/powerpoint/2010/main" Requires="p14">
-          <p:contentPart p14:bwMode="auto" r:id="rId61">
+          <p:contentPart p14:bwMode="auto" r:id="rId62">
             <p14:nvContentPartPr>
               <p14:cNvPr id="72" name="Ink 71">
                 <a:extLst>
@@ -9820,7 +9852,7 @@
       </mc:AlternateContent>
       <mc:AlternateContent xmlns:mc="http://schemas.openxmlformats.org/markup-compatibility/2006">
         <mc:Choice xmlns:p14="http://schemas.microsoft.com/office/powerpoint/2010/main" Requires="p14">
-          <p:contentPart p14:bwMode="auto" r:id="rId62">
+          <p:contentPart p14:bwMode="auto" r:id="rId63">
             <p14:nvContentPartPr>
               <p14:cNvPr id="73" name="Ink 72">
                 <a:extLst>
@@ -9852,14 +9884,14 @@
               <p:nvPr/>
             </p:nvPicPr>
             <p:blipFill>
-              <a:blip r:embed="rId15"/>
+              <a:blip r:embed="rId26"/>
               <a:stretch>
                 <a:fillRect/>
               </a:stretch>
             </p:blipFill>
             <p:spPr>
               <a:xfrm>
-                <a:off x="6342575" y="3389233"/>
+                <a:off x="6342575" y="3388873"/>
                 <a:ext cx="126000" cy="126000"/>
               </a:xfrm>
               <a:prstGeom prst="rect">
@@ -9889,9 +9921,9 @@
             <a:chExt cx="315360" cy="15480"/>
           </a:xfrm>
         </p:grpSpPr>
-        <mc:AlternateContent xmlns:mc="http://schemas.openxmlformats.org/markup-compatibility/2006">
-          <mc:Choice xmlns:p14="http://schemas.microsoft.com/office/powerpoint/2010/main" Requires="p14">
-            <p:contentPart p14:bwMode="auto" r:id="rId63">
+        <mc:AlternateContent xmlns:mc="http://schemas.openxmlformats.org/markup-compatibility/2006" xmlns:p14="http://schemas.microsoft.com/office/powerpoint/2010/main">
+          <mc:Choice Requires="p14">
+            <p:contentPart p14:bwMode="auto" r:id="rId64">
               <p14:nvContentPartPr>
                 <p14:cNvPr id="74" name="Ink 73">
                   <a:extLst>
@@ -9909,7 +9941,7 @@
               </p14:xfrm>
             </p:contentPart>
           </mc:Choice>
-          <mc:Fallback>
+          <mc:Fallback xmlns="">
             <p:pic>
               <p:nvPicPr>
                 <p:cNvPr id="74" name="Ink 73">
@@ -9923,7 +9955,7 @@
                 <p:nvPr/>
               </p:nvPicPr>
               <p:blipFill>
-                <a:blip r:embed="rId15"/>
+                <a:blip r:embed="rId26"/>
                 <a:stretch>
                   <a:fillRect/>
                 </a:stretch>
@@ -9940,9 +9972,9 @@
             </p:pic>
           </mc:Fallback>
         </mc:AlternateContent>
-        <mc:AlternateContent xmlns:mc="http://schemas.openxmlformats.org/markup-compatibility/2006">
-          <mc:Choice xmlns:p14="http://schemas.microsoft.com/office/powerpoint/2010/main" Requires="p14">
-            <p:contentPart p14:bwMode="auto" r:id="rId64">
+        <mc:AlternateContent xmlns:mc="http://schemas.openxmlformats.org/markup-compatibility/2006" xmlns:p14="http://schemas.microsoft.com/office/powerpoint/2010/main">
+          <mc:Choice Requires="p14">
+            <p:contentPart p14:bwMode="auto" r:id="rId65">
               <p14:nvContentPartPr>
                 <p14:cNvPr id="75" name="Ink 74">
                   <a:extLst>
@@ -9960,7 +9992,7 @@
               </p14:xfrm>
             </p:contentPart>
           </mc:Choice>
-          <mc:Fallback>
+          <mc:Fallback xmlns="">
             <p:pic>
               <p:nvPicPr>
                 <p:cNvPr id="75" name="Ink 74">
@@ -9974,7 +10006,7 @@
                 <p:nvPr/>
               </p:nvPicPr>
               <p:blipFill>
-                <a:blip r:embed="rId15"/>
+                <a:blip r:embed="rId26"/>
                 <a:stretch>
                   <a:fillRect/>
                 </a:stretch>
@@ -9994,7 +10026,7 @@
       </p:grpSp>
       <mc:AlternateContent xmlns:mc="http://schemas.openxmlformats.org/markup-compatibility/2006">
         <mc:Choice xmlns:p14="http://schemas.microsoft.com/office/powerpoint/2010/main" Requires="p14">
-          <p:contentPart p14:bwMode="auto" r:id="rId65">
+          <p:contentPart p14:bwMode="auto" r:id="rId66">
             <p14:nvContentPartPr>
               <p14:cNvPr id="81" name="Ink 80">
                 <a:extLst>
@@ -10033,7 +10065,7 @@
             </p:blipFill>
             <p:spPr>
               <a:xfrm>
-                <a:off x="8222375" y="2752033"/>
+                <a:off x="8222375" y="2751673"/>
                 <a:ext cx="126000" cy="126000"/>
               </a:xfrm>
               <a:prstGeom prst="rect">
@@ -10045,7 +10077,7 @@
       </mc:AlternateContent>
       <mc:AlternateContent xmlns:mc="http://schemas.openxmlformats.org/markup-compatibility/2006">
         <mc:Choice xmlns:p14="http://schemas.microsoft.com/office/powerpoint/2010/main" Requires="p14">
-          <p:contentPart p14:bwMode="auto" r:id="rId66">
+          <p:contentPart p14:bwMode="auto" r:id="rId67">
             <p14:nvContentPartPr>
               <p14:cNvPr id="82" name="Ink 81">
                 <a:extLst>
@@ -10084,7 +10116,7 @@
             </p:blipFill>
             <p:spPr>
               <a:xfrm>
-                <a:off x="8723135" y="2573113"/>
+                <a:off x="8723135" y="2572753"/>
                 <a:ext cx="126000" cy="126000"/>
               </a:xfrm>
               <a:prstGeom prst="rect">
@@ -10096,7 +10128,7 @@
       </mc:AlternateContent>
       <mc:AlternateContent xmlns:mc="http://schemas.openxmlformats.org/markup-compatibility/2006">
         <mc:Choice xmlns:p14="http://schemas.microsoft.com/office/powerpoint/2010/main" Requires="p14">
-          <p:contentPart p14:bwMode="auto" r:id="rId67">
+          <p:contentPart p14:bwMode="auto" r:id="rId68">
             <p14:nvContentPartPr>
               <p14:cNvPr id="83" name="Ink 82">
                 <a:extLst>
@@ -10135,7 +10167,7 @@
             </p:blipFill>
             <p:spPr>
               <a:xfrm>
-                <a:off x="8727455" y="2875153"/>
+                <a:off x="8727455" y="2874793"/>
                 <a:ext cx="126000" cy="126000"/>
               </a:xfrm>
               <a:prstGeom prst="rect">
@@ -10147,7 +10179,7 @@
       </mc:AlternateContent>
       <mc:AlternateContent xmlns:mc="http://schemas.openxmlformats.org/markup-compatibility/2006">
         <mc:Choice xmlns:p14="http://schemas.microsoft.com/office/powerpoint/2010/main" Requires="p14">
-          <p:contentPart p14:bwMode="auto" r:id="rId68">
+          <p:contentPart p14:bwMode="auto" r:id="rId69">
             <p14:nvContentPartPr>
               <p14:cNvPr id="84" name="Ink 83">
                 <a:extLst>
@@ -10186,7 +10218,7 @@
             </p:blipFill>
             <p:spPr>
               <a:xfrm>
-                <a:off x="8459615" y="3431353"/>
+                <a:off x="8459255" y="3431353"/>
                 <a:ext cx="126000" cy="126000"/>
               </a:xfrm>
               <a:prstGeom prst="rect">
@@ -10198,7 +10230,7 @@
       </mc:AlternateContent>
       <mc:AlternateContent xmlns:mc="http://schemas.openxmlformats.org/markup-compatibility/2006">
         <mc:Choice xmlns:p14="http://schemas.microsoft.com/office/powerpoint/2010/main" Requires="p14">
-          <p:contentPart p14:bwMode="auto" r:id="rId69">
+          <p:contentPart p14:bwMode="auto" r:id="rId70">
             <p14:nvContentPartPr>
               <p14:cNvPr id="85" name="Ink 84">
                 <a:extLst>
@@ -10249,7 +10281,7 @@
       </mc:AlternateContent>
       <mc:AlternateContent xmlns:mc="http://schemas.openxmlformats.org/markup-compatibility/2006">
         <mc:Choice xmlns:p14="http://schemas.microsoft.com/office/powerpoint/2010/main" Requires="p14">
-          <p:contentPart p14:bwMode="auto" r:id="rId70">
+          <p:contentPart p14:bwMode="auto" r:id="rId71">
             <p14:nvContentPartPr>
               <p14:cNvPr id="86" name="Ink 85">
                 <a:extLst>
@@ -10281,7 +10313,7 @@
               <p:nvPr/>
             </p:nvPicPr>
             <p:blipFill>
-              <a:blip r:embed="rId71"/>
+              <a:blip r:embed="rId72"/>
               <a:stretch>
                 <a:fillRect/>
               </a:stretch>
@@ -10300,7 +10332,7 @@
       </mc:AlternateContent>
       <mc:AlternateContent xmlns:mc="http://schemas.openxmlformats.org/markup-compatibility/2006">
         <mc:Choice xmlns:p14="http://schemas.microsoft.com/office/powerpoint/2010/main" Requires="p14">
-          <p:contentPart p14:bwMode="auto" r:id="rId72">
+          <p:contentPart p14:bwMode="auto" r:id="rId73">
             <p14:nvContentPartPr>
               <p14:cNvPr id="87" name="Ink 86">
                 <a:extLst>
@@ -10332,14 +10364,14 @@
               <p:nvPr/>
             </p:nvPicPr>
             <p:blipFill>
-              <a:blip r:embed="rId71"/>
+              <a:blip r:embed="rId72"/>
               <a:stretch>
                 <a:fillRect/>
               </a:stretch>
             </p:blipFill>
             <p:spPr>
               <a:xfrm>
-                <a:off x="1916867" y="5512525"/>
+                <a:off x="1916507" y="5512165"/>
                 <a:ext cx="126000" cy="126000"/>
               </a:xfrm>
               <a:prstGeom prst="rect">
@@ -10351,7 +10383,7 @@
       </mc:AlternateContent>
       <mc:AlternateContent xmlns:mc="http://schemas.openxmlformats.org/markup-compatibility/2006">
         <mc:Choice xmlns:p14="http://schemas.microsoft.com/office/powerpoint/2010/main" Requires="p14">
-          <p:contentPart p14:bwMode="auto" r:id="rId73">
+          <p:contentPart p14:bwMode="auto" r:id="rId74">
             <p14:nvContentPartPr>
               <p14:cNvPr id="88" name="Ink 87">
                 <a:extLst>
@@ -10383,14 +10415,14 @@
               <p:nvPr/>
             </p:nvPicPr>
             <p:blipFill>
-              <a:blip r:embed="rId71"/>
+              <a:blip r:embed="rId72"/>
               <a:stretch>
                 <a:fillRect/>
               </a:stretch>
             </p:blipFill>
             <p:spPr>
               <a:xfrm>
-                <a:off x="1296227" y="5956045"/>
+                <a:off x="1296227" y="5955685"/>
                 <a:ext cx="126000" cy="126000"/>
               </a:xfrm>
               <a:prstGeom prst="rect">
@@ -10402,7 +10434,7 @@
       </mc:AlternateContent>
       <mc:AlternateContent xmlns:mc="http://schemas.openxmlformats.org/markup-compatibility/2006">
         <mc:Choice xmlns:p14="http://schemas.microsoft.com/office/powerpoint/2010/main" Requires="p14">
-          <p:contentPart p14:bwMode="auto" r:id="rId74">
+          <p:contentPart p14:bwMode="auto" r:id="rId75">
             <p14:nvContentPartPr>
               <p14:cNvPr id="89" name="Ink 88">
                 <a:extLst>
@@ -10434,14 +10466,14 @@
               <p:nvPr/>
             </p:nvPicPr>
             <p:blipFill>
-              <a:blip r:embed="rId71"/>
+              <a:blip r:embed="rId72"/>
               <a:stretch>
                 <a:fillRect/>
               </a:stretch>
             </p:blipFill>
             <p:spPr>
               <a:xfrm>
-                <a:off x="1541747" y="6902125"/>
+                <a:off x="1541747" y="6901765"/>
                 <a:ext cx="126000" cy="126000"/>
               </a:xfrm>
               <a:prstGeom prst="rect">
@@ -10453,7 +10485,7 @@
       </mc:AlternateContent>
       <mc:AlternateContent xmlns:mc="http://schemas.openxmlformats.org/markup-compatibility/2006">
         <mc:Choice xmlns:p14="http://schemas.microsoft.com/office/powerpoint/2010/main" Requires="p14">
-          <p:contentPart p14:bwMode="auto" r:id="rId75">
+          <p:contentPart p14:bwMode="auto" r:id="rId76">
             <p14:nvContentPartPr>
               <p14:cNvPr id="90" name="Ink 89">
                 <a:extLst>
@@ -10485,7 +10517,7 @@
               <p:nvPr/>
             </p:nvPicPr>
             <p:blipFill>
-              <a:blip r:embed="rId71"/>
+              <a:blip r:embed="rId72"/>
               <a:stretch>
                 <a:fillRect/>
               </a:stretch>
@@ -10504,7 +10536,7 @@
       </mc:AlternateContent>
       <mc:AlternateContent xmlns:mc="http://schemas.openxmlformats.org/markup-compatibility/2006">
         <mc:Choice xmlns:p14="http://schemas.microsoft.com/office/powerpoint/2010/main" Requires="p14">
-          <p:contentPart p14:bwMode="auto" r:id="rId76">
+          <p:contentPart p14:bwMode="auto" r:id="rId77">
             <p14:nvContentPartPr>
               <p14:cNvPr id="91" name="Ink 90">
                 <a:extLst>
@@ -10536,14 +10568,14 @@
               <p:nvPr/>
             </p:nvPicPr>
             <p:blipFill>
-              <a:blip r:embed="rId71"/>
+              <a:blip r:embed="rId72"/>
               <a:stretch>
                 <a:fillRect/>
               </a:stretch>
             </p:blipFill>
             <p:spPr>
               <a:xfrm>
-                <a:off x="2498267" y="6604405"/>
+                <a:off x="2497907" y="6604405"/>
                 <a:ext cx="126000" cy="126000"/>
               </a:xfrm>
               <a:prstGeom prst="rect">
@@ -10555,7 +10587,7 @@
       </mc:AlternateContent>
       <mc:AlternateContent xmlns:mc="http://schemas.openxmlformats.org/markup-compatibility/2006">
         <mc:Choice xmlns:p14="http://schemas.microsoft.com/office/powerpoint/2010/main" Requires="p14">
-          <p:contentPart p14:bwMode="auto" r:id="rId77">
+          <p:contentPart p14:bwMode="auto" r:id="rId78">
             <p14:nvContentPartPr>
               <p14:cNvPr id="92" name="Ink 91">
                 <a:extLst>
@@ -10587,14 +10619,14 @@
               <p:nvPr/>
             </p:nvPicPr>
             <p:blipFill>
-              <a:blip r:embed="rId71"/>
+              <a:blip r:embed="rId72"/>
               <a:stretch>
                 <a:fillRect/>
               </a:stretch>
             </p:blipFill>
             <p:spPr>
               <a:xfrm>
-                <a:off x="3072107" y="5849125"/>
+                <a:off x="3072107" y="5848765"/>
                 <a:ext cx="126000" cy="126000"/>
               </a:xfrm>
               <a:prstGeom prst="rect">
@@ -10606,7 +10638,7 @@
       </mc:AlternateContent>
       <mc:AlternateContent xmlns:mc="http://schemas.openxmlformats.org/markup-compatibility/2006">
         <mc:Choice xmlns:p14="http://schemas.microsoft.com/office/powerpoint/2010/main" Requires="p14">
-          <p:contentPart p14:bwMode="auto" r:id="rId78">
+          <p:contentPart p14:bwMode="auto" r:id="rId79">
             <p14:nvContentPartPr>
               <p14:cNvPr id="93" name="Ink 92">
                 <a:extLst>
@@ -10638,14 +10670,14 @@
               <p:nvPr/>
             </p:nvPicPr>
             <p:blipFill>
-              <a:blip r:embed="rId71"/>
+              <a:blip r:embed="rId72"/>
               <a:stretch>
                 <a:fillRect/>
               </a:stretch>
             </p:blipFill>
             <p:spPr>
               <a:xfrm>
-                <a:off x="2475587" y="5174845"/>
+                <a:off x="2475587" y="5174485"/>
                 <a:ext cx="126000" cy="126000"/>
               </a:xfrm>
               <a:prstGeom prst="rect">
@@ -10657,7 +10689,7 @@
       </mc:AlternateContent>
       <mc:AlternateContent xmlns:mc="http://schemas.openxmlformats.org/markup-compatibility/2006">
         <mc:Choice xmlns:p14="http://schemas.microsoft.com/office/powerpoint/2010/main" Requires="p14">
-          <p:contentPart p14:bwMode="auto" r:id="rId79">
+          <p:contentPart p14:bwMode="auto" r:id="rId80">
             <p14:nvContentPartPr>
               <p14:cNvPr id="94" name="Ink 93">
                 <a:extLst>
@@ -10689,14 +10721,14 @@
               <p:nvPr/>
             </p:nvPicPr>
             <p:blipFill>
-              <a:blip r:embed="rId71"/>
+              <a:blip r:embed="rId72"/>
               <a:stretch>
                 <a:fillRect/>
               </a:stretch>
             </p:blipFill>
             <p:spPr>
               <a:xfrm>
-                <a:off x="2873027" y="6955405"/>
+                <a:off x="2872667" y="6955045"/>
                 <a:ext cx="126000" cy="126000"/>
               </a:xfrm>
               <a:prstGeom prst="rect">
@@ -10708,7 +10740,7 @@
       </mc:AlternateContent>
       <mc:AlternateContent xmlns:mc="http://schemas.openxmlformats.org/markup-compatibility/2006">
         <mc:Choice xmlns:p14="http://schemas.microsoft.com/office/powerpoint/2010/main" Requires="p14">
-          <p:contentPart p14:bwMode="auto" r:id="rId80">
+          <p:contentPart p14:bwMode="auto" r:id="rId81">
             <p14:nvContentPartPr>
               <p14:cNvPr id="95" name="Ink 94">
                 <a:extLst>
@@ -10740,14 +10772,14 @@
               <p:nvPr/>
             </p:nvPicPr>
             <p:blipFill>
-              <a:blip r:embed="rId71"/>
+              <a:blip r:embed="rId72"/>
               <a:stretch>
                 <a:fillRect/>
               </a:stretch>
             </p:blipFill>
             <p:spPr>
               <a:xfrm>
-                <a:off x="2386307" y="7209925"/>
+                <a:off x="2385947" y="7209565"/>
                 <a:ext cx="126000" cy="126000"/>
               </a:xfrm>
               <a:prstGeom prst="rect">
@@ -10759,7 +10791,7 @@
       </mc:AlternateContent>
       <mc:AlternateContent xmlns:mc="http://schemas.openxmlformats.org/markup-compatibility/2006">
         <mc:Choice xmlns:p14="http://schemas.microsoft.com/office/powerpoint/2010/main" Requires="p14">
-          <p:contentPart p14:bwMode="auto" r:id="rId81">
+          <p:contentPart p14:bwMode="auto" r:id="rId82">
             <p14:nvContentPartPr>
               <p14:cNvPr id="96" name="Ink 95">
                 <a:extLst>
@@ -10791,14 +10823,14 @@
               <p:nvPr/>
             </p:nvPicPr>
             <p:blipFill>
-              <a:blip r:embed="rId71"/>
+              <a:blip r:embed="rId72"/>
               <a:stretch>
                 <a:fillRect/>
               </a:stretch>
             </p:blipFill>
             <p:spPr>
               <a:xfrm>
-                <a:off x="1991027" y="7546885"/>
+                <a:off x="1990667" y="7546885"/>
                 <a:ext cx="126000" cy="126000"/>
               </a:xfrm>
               <a:prstGeom prst="rect">
@@ -10810,7 +10842,7 @@
       </mc:AlternateContent>
       <mc:AlternateContent xmlns:mc="http://schemas.openxmlformats.org/markup-compatibility/2006">
         <mc:Choice xmlns:p14="http://schemas.microsoft.com/office/powerpoint/2010/main" Requires="p14">
-          <p:contentPart p14:bwMode="auto" r:id="rId82">
+          <p:contentPart p14:bwMode="auto" r:id="rId83">
             <p14:nvContentPartPr>
               <p14:cNvPr id="97" name="Ink 96">
                 <a:extLst>
@@ -10842,14 +10874,14 @@
               <p:nvPr/>
             </p:nvPicPr>
             <p:blipFill>
-              <a:blip r:embed="rId71"/>
+              <a:blip r:embed="rId72"/>
               <a:stretch>
                 <a:fillRect/>
               </a:stretch>
             </p:blipFill>
             <p:spPr>
               <a:xfrm>
-                <a:off x="2374067" y="7849285"/>
+                <a:off x="2373707" y="7848925"/>
                 <a:ext cx="126000" cy="126000"/>
               </a:xfrm>
               <a:prstGeom prst="rect">
@@ -10861,7 +10893,7 @@
       </mc:AlternateContent>
       <mc:AlternateContent xmlns:mc="http://schemas.openxmlformats.org/markup-compatibility/2006">
         <mc:Choice xmlns:p14="http://schemas.microsoft.com/office/powerpoint/2010/main" Requires="p14">
-          <p:contentPart p14:bwMode="auto" r:id="rId83">
+          <p:contentPart p14:bwMode="auto" r:id="rId84">
             <p14:nvContentPartPr>
               <p14:cNvPr id="98" name="Ink 97">
                 <a:extLst>
@@ -10893,14 +10925,14 @@
               <p:nvPr/>
             </p:nvPicPr>
             <p:blipFill>
-              <a:blip r:embed="rId71"/>
+              <a:blip r:embed="rId72"/>
               <a:stretch>
                 <a:fillRect/>
               </a:stretch>
             </p:blipFill>
             <p:spPr>
               <a:xfrm>
-                <a:off x="1132787" y="7106965"/>
+                <a:off x="1132787" y="7106605"/>
                 <a:ext cx="126000" cy="126000"/>
               </a:xfrm>
               <a:prstGeom prst="rect">
@@ -10912,7 +10944,7 @@
       </mc:AlternateContent>
       <mc:AlternateContent xmlns:mc="http://schemas.openxmlformats.org/markup-compatibility/2006">
         <mc:Choice xmlns:p14="http://schemas.microsoft.com/office/powerpoint/2010/main" Requires="p14">
-          <p:contentPart p14:bwMode="auto" r:id="rId84">
+          <p:contentPart p14:bwMode="auto" r:id="rId85">
             <p14:nvContentPartPr>
               <p14:cNvPr id="99" name="Ink 98">
                 <a:extLst>
@@ -10944,14 +10976,14 @@
               <p:nvPr/>
             </p:nvPicPr>
             <p:blipFill>
-              <a:blip r:embed="rId71"/>
+              <a:blip r:embed="rId72"/>
               <a:stretch>
                 <a:fillRect/>
               </a:stretch>
             </p:blipFill>
             <p:spPr>
               <a:xfrm>
-                <a:off x="1018307" y="7633285"/>
+                <a:off x="1017947" y="7632925"/>
                 <a:ext cx="126000" cy="126000"/>
               </a:xfrm>
               <a:prstGeom prst="rect">
@@ -10963,7 +10995,7 @@
       </mc:AlternateContent>
       <mc:AlternateContent xmlns:mc="http://schemas.openxmlformats.org/markup-compatibility/2006">
         <mc:Choice xmlns:p14="http://schemas.microsoft.com/office/powerpoint/2010/main" Requires="p14">
-          <p:contentPart p14:bwMode="auto" r:id="rId85">
+          <p:contentPart p14:bwMode="auto" r:id="rId86">
             <p14:nvContentPartPr>
               <p14:cNvPr id="100" name="Ink 99">
                 <a:extLst>
@@ -10995,14 +11027,14 @@
               <p:nvPr/>
             </p:nvPicPr>
             <p:blipFill>
-              <a:blip r:embed="rId71"/>
+              <a:blip r:embed="rId72"/>
               <a:stretch>
                 <a:fillRect/>
               </a:stretch>
             </p:blipFill>
             <p:spPr>
               <a:xfrm>
-                <a:off x="1623827" y="7209565"/>
+                <a:off x="1623467" y="7209205"/>
                 <a:ext cx="126000" cy="126000"/>
               </a:xfrm>
               <a:prstGeom prst="rect">
@@ -11032,9 +11064,9 @@
             <a:chExt cx="1459080" cy="657720"/>
           </a:xfrm>
         </p:grpSpPr>
-        <mc:AlternateContent xmlns:mc="http://schemas.openxmlformats.org/markup-compatibility/2006">
-          <mc:Choice xmlns:p14="http://schemas.microsoft.com/office/powerpoint/2010/main" Requires="p14">
-            <p:contentPart p14:bwMode="auto" r:id="rId86">
+        <mc:AlternateContent xmlns:mc="http://schemas.openxmlformats.org/markup-compatibility/2006" xmlns:p14="http://schemas.microsoft.com/office/powerpoint/2010/main">
+          <mc:Choice Requires="p14">
+            <p:contentPart p14:bwMode="auto" r:id="rId87">
               <p14:nvContentPartPr>
                 <p14:cNvPr id="101" name="Ink 100">
                   <a:extLst>
@@ -11052,7 +11084,7 @@
               </p14:xfrm>
             </p:contentPart>
           </mc:Choice>
-          <mc:Fallback>
+          <mc:Fallback xmlns="">
             <p:pic>
               <p:nvPicPr>
                 <p:cNvPr id="101" name="Ink 100">
@@ -11066,7 +11098,7 @@
                 <p:nvPr/>
               </p:nvPicPr>
               <p:blipFill>
-                <a:blip r:embed="rId71"/>
+                <a:blip r:embed="rId88"/>
                 <a:stretch>
                   <a:fillRect/>
                 </a:stretch>
@@ -11083,9 +11115,9 @@
             </p:pic>
           </mc:Fallback>
         </mc:AlternateContent>
-        <mc:AlternateContent xmlns:mc="http://schemas.openxmlformats.org/markup-compatibility/2006">
-          <mc:Choice xmlns:p14="http://schemas.microsoft.com/office/powerpoint/2010/main" Requires="p14">
-            <p:contentPart p14:bwMode="auto" r:id="rId87">
+        <mc:AlternateContent xmlns:mc="http://schemas.openxmlformats.org/markup-compatibility/2006" xmlns:p14="http://schemas.microsoft.com/office/powerpoint/2010/main">
+          <mc:Choice Requires="p14">
+            <p:contentPart p14:bwMode="auto" r:id="rId89">
               <p14:nvContentPartPr>
                 <p14:cNvPr id="102" name="Ink 101">
                   <a:extLst>
@@ -11103,7 +11135,7 @@
               </p14:xfrm>
             </p:contentPart>
           </mc:Choice>
-          <mc:Fallback>
+          <mc:Fallback xmlns="">
             <p:pic>
               <p:nvPicPr>
                 <p:cNvPr id="102" name="Ink 101">
@@ -11117,7 +11149,7 @@
                 <p:nvPr/>
               </p:nvPicPr>
               <p:blipFill>
-                <a:blip r:embed="rId71"/>
+                <a:blip r:embed="rId88"/>
                 <a:stretch>
                   <a:fillRect/>
                 </a:stretch>
@@ -11134,9 +11166,9 @@
             </p:pic>
           </mc:Fallback>
         </mc:AlternateContent>
-        <mc:AlternateContent xmlns:mc="http://schemas.openxmlformats.org/markup-compatibility/2006">
-          <mc:Choice xmlns:p14="http://schemas.microsoft.com/office/powerpoint/2010/main" Requires="p14">
-            <p:contentPart p14:bwMode="auto" r:id="rId88">
+        <mc:AlternateContent xmlns:mc="http://schemas.openxmlformats.org/markup-compatibility/2006" xmlns:p14="http://schemas.microsoft.com/office/powerpoint/2010/main">
+          <mc:Choice Requires="p14">
+            <p:contentPart p14:bwMode="auto" r:id="rId90">
               <p14:nvContentPartPr>
                 <p14:cNvPr id="104" name="Ink 103">
                   <a:extLst>
@@ -11154,7 +11186,7 @@
               </p14:xfrm>
             </p:contentPart>
           </mc:Choice>
-          <mc:Fallback>
+          <mc:Fallback xmlns="">
             <p:pic>
               <p:nvPicPr>
                 <p:cNvPr id="104" name="Ink 103">
@@ -11168,7 +11200,7 @@
                 <p:nvPr/>
               </p:nvPicPr>
               <p:blipFill>
-                <a:blip r:embed="rId71"/>
+                <a:blip r:embed="rId88"/>
                 <a:stretch>
                   <a:fillRect/>
                 </a:stretch>
@@ -11185,9 +11217,9 @@
             </p:pic>
           </mc:Fallback>
         </mc:AlternateContent>
-        <mc:AlternateContent xmlns:mc="http://schemas.openxmlformats.org/markup-compatibility/2006">
-          <mc:Choice xmlns:p14="http://schemas.microsoft.com/office/powerpoint/2010/main" Requires="p14">
-            <p:contentPart p14:bwMode="auto" r:id="rId89">
+        <mc:AlternateContent xmlns:mc="http://schemas.openxmlformats.org/markup-compatibility/2006" xmlns:p14="http://schemas.microsoft.com/office/powerpoint/2010/main">
+          <mc:Choice Requires="p14">
+            <p:contentPart p14:bwMode="auto" r:id="rId91">
               <p14:nvContentPartPr>
                 <p14:cNvPr id="103" name="Ink 102">
                   <a:extLst>
@@ -11205,7 +11237,7 @@
               </p14:xfrm>
             </p:contentPart>
           </mc:Choice>
-          <mc:Fallback>
+          <mc:Fallback xmlns="">
             <p:pic>
               <p:nvPicPr>
                 <p:cNvPr id="103" name="Ink 102">
@@ -11219,7 +11251,7 @@
                 <p:nvPr/>
               </p:nvPicPr>
               <p:blipFill>
-                <a:blip r:embed="rId71"/>
+                <a:blip r:embed="rId88"/>
                 <a:stretch>
                   <a:fillRect/>
                 </a:stretch>
@@ -11236,9 +11268,9 @@
             </p:pic>
           </mc:Fallback>
         </mc:AlternateContent>
-        <mc:AlternateContent xmlns:mc="http://schemas.openxmlformats.org/markup-compatibility/2006">
-          <mc:Choice xmlns:p14="http://schemas.microsoft.com/office/powerpoint/2010/main" Requires="p14">
-            <p:contentPart p14:bwMode="auto" r:id="rId90">
+        <mc:AlternateContent xmlns:mc="http://schemas.openxmlformats.org/markup-compatibility/2006" xmlns:p14="http://schemas.microsoft.com/office/powerpoint/2010/main">
+          <mc:Choice Requires="p14">
+            <p:contentPart p14:bwMode="auto" r:id="rId92">
               <p14:nvContentPartPr>
                 <p14:cNvPr id="105" name="Ink 104">
                   <a:extLst>
@@ -11256,7 +11288,7 @@
               </p14:xfrm>
             </p:contentPart>
           </mc:Choice>
-          <mc:Fallback>
+          <mc:Fallback xmlns="">
             <p:pic>
               <p:nvPicPr>
                 <p:cNvPr id="105" name="Ink 104">
@@ -11270,7 +11302,7 @@
                 <p:nvPr/>
               </p:nvPicPr>
               <p:blipFill>
-                <a:blip r:embed="rId71"/>
+                <a:blip r:embed="rId88"/>
                 <a:stretch>
                   <a:fillRect/>
                 </a:stretch>
@@ -11287,9 +11319,9 @@
             </p:pic>
           </mc:Fallback>
         </mc:AlternateContent>
-        <mc:AlternateContent xmlns:mc="http://schemas.openxmlformats.org/markup-compatibility/2006">
-          <mc:Choice xmlns:p14="http://schemas.microsoft.com/office/powerpoint/2010/main" Requires="p14">
-            <p:contentPart p14:bwMode="auto" r:id="rId91">
+        <mc:AlternateContent xmlns:mc="http://schemas.openxmlformats.org/markup-compatibility/2006" xmlns:p14="http://schemas.microsoft.com/office/powerpoint/2010/main">
+          <mc:Choice Requires="p14">
+            <p:contentPart p14:bwMode="auto" r:id="rId93">
               <p14:nvContentPartPr>
                 <p14:cNvPr id="108" name="Ink 107">
                   <a:extLst>
@@ -11307,7 +11339,7 @@
               </p14:xfrm>
             </p:contentPart>
           </mc:Choice>
-          <mc:Fallback>
+          <mc:Fallback xmlns="">
             <p:pic>
               <p:nvPicPr>
                 <p:cNvPr id="108" name="Ink 107">
@@ -11321,7 +11353,7 @@
                 <p:nvPr/>
               </p:nvPicPr>
               <p:blipFill>
-                <a:blip r:embed="rId71"/>
+                <a:blip r:embed="rId88"/>
                 <a:stretch>
                   <a:fillRect/>
                 </a:stretch>
@@ -11338,9 +11370,9 @@
             </p:pic>
           </mc:Fallback>
         </mc:AlternateContent>
-        <mc:AlternateContent xmlns:mc="http://schemas.openxmlformats.org/markup-compatibility/2006">
-          <mc:Choice xmlns:p14="http://schemas.microsoft.com/office/powerpoint/2010/main" Requires="p14">
-            <p:contentPart p14:bwMode="auto" r:id="rId92">
+        <mc:AlternateContent xmlns:mc="http://schemas.openxmlformats.org/markup-compatibility/2006" xmlns:p14="http://schemas.microsoft.com/office/powerpoint/2010/main">
+          <mc:Choice Requires="p14">
+            <p:contentPart p14:bwMode="auto" r:id="rId94">
               <p14:nvContentPartPr>
                 <p14:cNvPr id="109" name="Ink 108">
                   <a:extLst>
@@ -11358,7 +11390,7 @@
               </p14:xfrm>
             </p:contentPart>
           </mc:Choice>
-          <mc:Fallback>
+          <mc:Fallback xmlns="">
             <p:pic>
               <p:nvPicPr>
                 <p:cNvPr id="109" name="Ink 108">
@@ -11372,7 +11404,7 @@
                 <p:nvPr/>
               </p:nvPicPr>
               <p:blipFill>
-                <a:blip r:embed="rId71"/>
+                <a:blip r:embed="rId88"/>
                 <a:stretch>
                   <a:fillRect/>
                 </a:stretch>
@@ -11389,9 +11421,9 @@
             </p:pic>
           </mc:Fallback>
         </mc:AlternateContent>
-        <mc:AlternateContent xmlns:mc="http://schemas.openxmlformats.org/markup-compatibility/2006">
-          <mc:Choice xmlns:p14="http://schemas.microsoft.com/office/powerpoint/2010/main" Requires="p14">
-            <p:contentPart p14:bwMode="auto" r:id="rId93">
+        <mc:AlternateContent xmlns:mc="http://schemas.openxmlformats.org/markup-compatibility/2006" xmlns:p14="http://schemas.microsoft.com/office/powerpoint/2010/main">
+          <mc:Choice Requires="p14">
+            <p:contentPart p14:bwMode="auto" r:id="rId95">
               <p14:nvContentPartPr>
                 <p14:cNvPr id="110" name="Ink 109">
                   <a:extLst>
@@ -11409,7 +11441,7 @@
               </p14:xfrm>
             </p:contentPart>
           </mc:Choice>
-          <mc:Fallback>
+          <mc:Fallback xmlns="">
             <p:pic>
               <p:nvPicPr>
                 <p:cNvPr id="110" name="Ink 109">
@@ -11423,7 +11455,7 @@
                 <p:nvPr/>
               </p:nvPicPr>
               <p:blipFill>
-                <a:blip r:embed="rId71"/>
+                <a:blip r:embed="rId88"/>
                 <a:stretch>
                   <a:fillRect/>
                 </a:stretch>
@@ -11440,9 +11472,9 @@
             </p:pic>
           </mc:Fallback>
         </mc:AlternateContent>
-        <mc:AlternateContent xmlns:mc="http://schemas.openxmlformats.org/markup-compatibility/2006">
-          <mc:Choice xmlns:p14="http://schemas.microsoft.com/office/powerpoint/2010/main" Requires="p14">
-            <p:contentPart p14:bwMode="auto" r:id="rId94">
+        <mc:AlternateContent xmlns:mc="http://schemas.openxmlformats.org/markup-compatibility/2006" xmlns:p14="http://schemas.microsoft.com/office/powerpoint/2010/main">
+          <mc:Choice Requires="p14">
+            <p:contentPart p14:bwMode="auto" r:id="rId96">
               <p14:nvContentPartPr>
                 <p14:cNvPr id="111" name="Ink 110">
                   <a:extLst>
@@ -11460,7 +11492,7 @@
               </p14:xfrm>
             </p:contentPart>
           </mc:Choice>
-          <mc:Fallback>
+          <mc:Fallback xmlns="">
             <p:pic>
               <p:nvPicPr>
                 <p:cNvPr id="111" name="Ink 110">
@@ -11474,7 +11506,7 @@
                 <p:nvPr/>
               </p:nvPicPr>
               <p:blipFill>
-                <a:blip r:embed="rId71"/>
+                <a:blip r:embed="rId88"/>
                 <a:stretch>
                   <a:fillRect/>
                 </a:stretch>
@@ -11491,9 +11523,9 @@
             </p:pic>
           </mc:Fallback>
         </mc:AlternateContent>
-        <mc:AlternateContent xmlns:mc="http://schemas.openxmlformats.org/markup-compatibility/2006">
-          <mc:Choice xmlns:p14="http://schemas.microsoft.com/office/powerpoint/2010/main" Requires="p14">
-            <p:contentPart p14:bwMode="auto" r:id="rId95">
+        <mc:AlternateContent xmlns:mc="http://schemas.openxmlformats.org/markup-compatibility/2006" xmlns:p14="http://schemas.microsoft.com/office/powerpoint/2010/main">
+          <mc:Choice Requires="p14">
+            <p:contentPart p14:bwMode="auto" r:id="rId97">
               <p14:nvContentPartPr>
                 <p14:cNvPr id="112" name="Ink 111">
                   <a:extLst>
@@ -11511,7 +11543,7 @@
               </p14:xfrm>
             </p:contentPart>
           </mc:Choice>
-          <mc:Fallback>
+          <mc:Fallback xmlns="">
             <p:pic>
               <p:nvPicPr>
                 <p:cNvPr id="112" name="Ink 111">
@@ -11525,7 +11557,7 @@
                 <p:nvPr/>
               </p:nvPicPr>
               <p:blipFill>
-                <a:blip r:embed="rId71"/>
+                <a:blip r:embed="rId88"/>
                 <a:stretch>
                   <a:fillRect/>
                 </a:stretch>
@@ -11542,9 +11574,9 @@
             </p:pic>
           </mc:Fallback>
         </mc:AlternateContent>
-        <mc:AlternateContent xmlns:mc="http://schemas.openxmlformats.org/markup-compatibility/2006">
-          <mc:Choice xmlns:p14="http://schemas.microsoft.com/office/powerpoint/2010/main" Requires="p14">
-            <p:contentPart p14:bwMode="auto" r:id="rId96">
+        <mc:AlternateContent xmlns:mc="http://schemas.openxmlformats.org/markup-compatibility/2006" xmlns:p14="http://schemas.microsoft.com/office/powerpoint/2010/main">
+          <mc:Choice Requires="p14">
+            <p:contentPart p14:bwMode="auto" r:id="rId98">
               <p14:nvContentPartPr>
                 <p14:cNvPr id="113" name="Ink 112">
                   <a:extLst>
@@ -11562,7 +11594,7 @@
               </p14:xfrm>
             </p:contentPart>
           </mc:Choice>
-          <mc:Fallback>
+          <mc:Fallback xmlns="">
             <p:pic>
               <p:nvPicPr>
                 <p:cNvPr id="113" name="Ink 112">
@@ -11576,7 +11608,7 @@
                 <p:nvPr/>
               </p:nvPicPr>
               <p:blipFill>
-                <a:blip r:embed="rId71"/>
+                <a:blip r:embed="rId88"/>
                 <a:stretch>
                   <a:fillRect/>
                 </a:stretch>
@@ -11593,9 +11625,9 @@
             </p:pic>
           </mc:Fallback>
         </mc:AlternateContent>
-        <mc:AlternateContent xmlns:mc="http://schemas.openxmlformats.org/markup-compatibility/2006">
-          <mc:Choice xmlns:p14="http://schemas.microsoft.com/office/powerpoint/2010/main" Requires="p14">
-            <p:contentPart p14:bwMode="auto" r:id="rId97">
+        <mc:AlternateContent xmlns:mc="http://schemas.openxmlformats.org/markup-compatibility/2006" xmlns:p14="http://schemas.microsoft.com/office/powerpoint/2010/main">
+          <mc:Choice Requires="p14">
+            <p:contentPart p14:bwMode="auto" r:id="rId99">
               <p14:nvContentPartPr>
                 <p14:cNvPr id="114" name="Ink 113">
                   <a:extLst>
@@ -11613,7 +11645,7 @@
               </p14:xfrm>
             </p:contentPart>
           </mc:Choice>
-          <mc:Fallback>
+          <mc:Fallback xmlns="">
             <p:pic>
               <p:nvPicPr>
                 <p:cNvPr id="114" name="Ink 113">
@@ -11627,7 +11659,7 @@
                 <p:nvPr/>
               </p:nvPicPr>
               <p:blipFill>
-                <a:blip r:embed="rId71"/>
+                <a:blip r:embed="rId88"/>
                 <a:stretch>
                   <a:fillRect/>
                 </a:stretch>
@@ -11644,9 +11676,9 @@
             </p:pic>
           </mc:Fallback>
         </mc:AlternateContent>
-        <mc:AlternateContent xmlns:mc="http://schemas.openxmlformats.org/markup-compatibility/2006">
-          <mc:Choice xmlns:p14="http://schemas.microsoft.com/office/powerpoint/2010/main" Requires="p14">
-            <p:contentPart p14:bwMode="auto" r:id="rId98">
+        <mc:AlternateContent xmlns:mc="http://schemas.openxmlformats.org/markup-compatibility/2006" xmlns:p14="http://schemas.microsoft.com/office/powerpoint/2010/main">
+          <mc:Choice Requires="p14">
+            <p:contentPart p14:bwMode="auto" r:id="rId100">
               <p14:nvContentPartPr>
                 <p14:cNvPr id="115" name="Ink 114">
                   <a:extLst>
@@ -11664,7 +11696,7 @@
               </p14:xfrm>
             </p:contentPart>
           </mc:Choice>
-          <mc:Fallback>
+          <mc:Fallback xmlns="">
             <p:pic>
               <p:nvPicPr>
                 <p:cNvPr id="115" name="Ink 114">
@@ -11678,7 +11710,7 @@
                 <p:nvPr/>
               </p:nvPicPr>
               <p:blipFill>
-                <a:blip r:embed="rId71"/>
+                <a:blip r:embed="rId88"/>
                 <a:stretch>
                   <a:fillRect/>
                 </a:stretch>
@@ -11695,9 +11727,9 @@
             </p:pic>
           </mc:Fallback>
         </mc:AlternateContent>
-        <mc:AlternateContent xmlns:mc="http://schemas.openxmlformats.org/markup-compatibility/2006">
-          <mc:Choice xmlns:p14="http://schemas.microsoft.com/office/powerpoint/2010/main" Requires="p14">
-            <p:contentPart p14:bwMode="auto" r:id="rId99">
+        <mc:AlternateContent xmlns:mc="http://schemas.openxmlformats.org/markup-compatibility/2006" xmlns:p14="http://schemas.microsoft.com/office/powerpoint/2010/main">
+          <mc:Choice Requires="p14">
+            <p:contentPart p14:bwMode="auto" r:id="rId101">
               <p14:nvContentPartPr>
                 <p14:cNvPr id="116" name="Ink 115">
                   <a:extLst>
@@ -11715,7 +11747,7 @@
               </p14:xfrm>
             </p:contentPart>
           </mc:Choice>
-          <mc:Fallback>
+          <mc:Fallback xmlns="">
             <p:pic>
               <p:nvPicPr>
                 <p:cNvPr id="116" name="Ink 115">
@@ -11729,7 +11761,7 @@
                 <p:nvPr/>
               </p:nvPicPr>
               <p:blipFill>
-                <a:blip r:embed="rId71"/>
+                <a:blip r:embed="rId88"/>
                 <a:stretch>
                   <a:fillRect/>
                 </a:stretch>
@@ -11749,7 +11781,7 @@
       </p:grpSp>
       <mc:AlternateContent xmlns:mc="http://schemas.openxmlformats.org/markup-compatibility/2006">
         <mc:Choice xmlns:p14="http://schemas.microsoft.com/office/powerpoint/2010/main" Requires="p14">
-          <p:contentPart p14:bwMode="auto" r:id="rId100">
+          <p:contentPart p14:bwMode="auto" r:id="rId102">
             <p14:nvContentPartPr>
               <p14:cNvPr id="117" name="Ink 116">
                 <a:extLst>
@@ -11781,14 +11813,14 @@
               <p:nvPr/>
             </p:nvPicPr>
             <p:blipFill>
-              <a:blip r:embed="rId71"/>
+              <a:blip r:embed="rId88"/>
               <a:stretch>
                 <a:fillRect/>
               </a:stretch>
             </p:blipFill>
             <p:spPr>
               <a:xfrm>
-                <a:off x="6132863" y="4966787"/>
+                <a:off x="6132503" y="4966427"/>
                 <a:ext cx="126000" cy="126000"/>
               </a:xfrm>
               <a:prstGeom prst="rect">
@@ -11800,7 +11832,7 @@
       </mc:AlternateContent>
       <mc:AlternateContent xmlns:mc="http://schemas.openxmlformats.org/markup-compatibility/2006">
         <mc:Choice xmlns:p14="http://schemas.microsoft.com/office/powerpoint/2010/main" Requires="p14">
-          <p:contentPart p14:bwMode="auto" r:id="rId101">
+          <p:contentPart p14:bwMode="auto" r:id="rId103">
             <p14:nvContentPartPr>
               <p14:cNvPr id="119" name="Ink 118">
                 <a:extLst>
@@ -11832,7 +11864,7 @@
               <p:nvPr/>
             </p:nvPicPr>
             <p:blipFill>
-              <a:blip r:embed="rId71"/>
+              <a:blip r:embed="rId88"/>
               <a:stretch>
                 <a:fillRect/>
               </a:stretch>
@@ -11851,7 +11883,7 @@
       </mc:AlternateContent>
       <mc:AlternateContent xmlns:mc="http://schemas.openxmlformats.org/markup-compatibility/2006">
         <mc:Choice xmlns:p14="http://schemas.microsoft.com/office/powerpoint/2010/main" Requires="p14">
-          <p:contentPart p14:bwMode="auto" r:id="rId102">
+          <p:contentPart p14:bwMode="auto" r:id="rId104">
             <p14:nvContentPartPr>
               <p14:cNvPr id="120" name="Ink 119">
                 <a:extLst>
@@ -11883,14 +11915,14 @@
               <p:nvPr/>
             </p:nvPicPr>
             <p:blipFill>
-              <a:blip r:embed="rId71"/>
+              <a:blip r:embed="rId88"/>
               <a:stretch>
                 <a:fillRect/>
               </a:stretch>
             </p:blipFill>
             <p:spPr>
               <a:xfrm>
-                <a:off x="9172775" y="4361953"/>
+                <a:off x="9172775" y="4361593"/>
                 <a:ext cx="126000" cy="126000"/>
               </a:xfrm>
               <a:prstGeom prst="rect">
@@ -11902,7 +11934,7 @@
       </mc:AlternateContent>
       <mc:AlternateContent xmlns:mc="http://schemas.openxmlformats.org/markup-compatibility/2006">
         <mc:Choice xmlns:p14="http://schemas.microsoft.com/office/powerpoint/2010/main" Requires="p14">
-          <p:contentPart p14:bwMode="auto" r:id="rId103">
+          <p:contentPart p14:bwMode="auto" r:id="rId105">
             <p14:nvContentPartPr>
               <p14:cNvPr id="121" name="Ink 120">
                 <a:extLst>
@@ -11934,7 +11966,7 @@
               <p:nvPr/>
             </p:nvPicPr>
             <p:blipFill>
-              <a:blip r:embed="rId71"/>
+              <a:blip r:embed="rId88"/>
               <a:stretch>
                 <a:fillRect/>
               </a:stretch>
@@ -11953,7 +11985,7 @@
       </mc:AlternateContent>
       <mc:AlternateContent xmlns:mc="http://schemas.openxmlformats.org/markup-compatibility/2006">
         <mc:Choice xmlns:p14="http://schemas.microsoft.com/office/powerpoint/2010/main" Requires="p14">
-          <p:contentPart p14:bwMode="auto" r:id="rId104">
+          <p:contentPart p14:bwMode="auto" r:id="rId106">
             <p14:nvContentPartPr>
               <p14:cNvPr id="122" name="Ink 121">
                 <a:extLst>
@@ -11985,14 +12017,14 @@
               <p:nvPr/>
             </p:nvPicPr>
             <p:blipFill>
-              <a:blip r:embed="rId105"/>
+              <a:blip r:embed="rId107"/>
               <a:stretch>
                 <a:fillRect/>
               </a:stretch>
             </p:blipFill>
             <p:spPr>
               <a:xfrm>
-                <a:off x="1446347" y="4896205"/>
+                <a:off x="1446347" y="4895845"/>
                 <a:ext cx="126000" cy="126000"/>
               </a:xfrm>
               <a:prstGeom prst="rect">
@@ -12004,7 +12036,7 @@
       </mc:AlternateContent>
       <mc:AlternateContent xmlns:mc="http://schemas.openxmlformats.org/markup-compatibility/2006">
         <mc:Choice xmlns:p14="http://schemas.microsoft.com/office/powerpoint/2010/main" Requires="p14">
-          <p:contentPart p14:bwMode="auto" r:id="rId106">
+          <p:contentPart p14:bwMode="auto" r:id="rId108">
             <p14:nvContentPartPr>
               <p14:cNvPr id="123" name="Ink 122">
                 <a:extLst>
@@ -12036,14 +12068,14 @@
               <p:nvPr/>
             </p:nvPicPr>
             <p:blipFill>
-              <a:blip r:embed="rId105"/>
+              <a:blip r:embed="rId107"/>
               <a:stretch>
                 <a:fillRect/>
               </a:stretch>
             </p:blipFill>
             <p:spPr>
               <a:xfrm>
-                <a:off x="1588547" y="5281765"/>
+                <a:off x="1588187" y="5281765"/>
                 <a:ext cx="126000" cy="126000"/>
               </a:xfrm>
               <a:prstGeom prst="rect">
@@ -12055,7 +12087,7 @@
       </mc:AlternateContent>
       <mc:AlternateContent xmlns:mc="http://schemas.openxmlformats.org/markup-compatibility/2006">
         <mc:Choice xmlns:p14="http://schemas.microsoft.com/office/powerpoint/2010/main" Requires="p14">
-          <p:contentPart p14:bwMode="auto" r:id="rId107">
+          <p:contentPart p14:bwMode="auto" r:id="rId109">
             <p14:nvContentPartPr>
               <p14:cNvPr id="124" name="Ink 123">
                 <a:extLst>
@@ -12087,7 +12119,7 @@
               <p:nvPr/>
             </p:nvPicPr>
             <p:blipFill>
-              <a:blip r:embed="rId105"/>
+              <a:blip r:embed="rId107"/>
               <a:stretch>
                 <a:fillRect/>
               </a:stretch>
@@ -12106,7 +12138,7 @@
       </mc:AlternateContent>
       <mc:AlternateContent xmlns:mc="http://schemas.openxmlformats.org/markup-compatibility/2006">
         <mc:Choice xmlns:p14="http://schemas.microsoft.com/office/powerpoint/2010/main" Requires="p14">
-          <p:contentPart p14:bwMode="auto" r:id="rId108">
+          <p:contentPart p14:bwMode="auto" r:id="rId110">
             <p14:nvContentPartPr>
               <p14:cNvPr id="125" name="Ink 124">
                 <a:extLst>
@@ -12138,14 +12170,14 @@
               <p:nvPr/>
             </p:nvPicPr>
             <p:blipFill>
-              <a:blip r:embed="rId105"/>
+              <a:blip r:embed="rId107"/>
               <a:stretch>
                 <a:fillRect/>
               </a:stretch>
             </p:blipFill>
             <p:spPr>
               <a:xfrm>
-                <a:off x="2354627" y="6264565"/>
+                <a:off x="2354627" y="6264205"/>
                 <a:ext cx="126000" cy="126000"/>
               </a:xfrm>
               <a:prstGeom prst="rect">
@@ -12157,7 +12189,7 @@
       </mc:AlternateContent>
       <mc:AlternateContent xmlns:mc="http://schemas.openxmlformats.org/markup-compatibility/2006">
         <mc:Choice xmlns:p14="http://schemas.microsoft.com/office/powerpoint/2010/main" Requires="p14">
-          <p:contentPart p14:bwMode="auto" r:id="rId109">
+          <p:contentPart p14:bwMode="auto" r:id="rId111">
             <p14:nvContentPartPr>
               <p14:cNvPr id="126" name="Ink 125">
                 <a:extLst>
@@ -12189,7 +12221,7 @@
               <p:nvPr/>
             </p:nvPicPr>
             <p:blipFill>
-              <a:blip r:embed="rId105"/>
+              <a:blip r:embed="rId107"/>
               <a:stretch>
                 <a:fillRect/>
               </a:stretch>
@@ -12208,7 +12240,7 @@
       </mc:AlternateContent>
       <mc:AlternateContent xmlns:mc="http://schemas.openxmlformats.org/markup-compatibility/2006">
         <mc:Choice xmlns:p14="http://schemas.microsoft.com/office/powerpoint/2010/main" Requires="p14">
-          <p:contentPart p14:bwMode="auto" r:id="rId110">
+          <p:contentPart p14:bwMode="auto" r:id="rId112">
             <p14:nvContentPartPr>
               <p14:cNvPr id="127" name="Ink 126">
                 <a:extLst>
@@ -12240,14 +12272,14 @@
               <p:nvPr/>
             </p:nvPicPr>
             <p:blipFill>
-              <a:blip r:embed="rId105"/>
+              <a:blip r:embed="rId107"/>
               <a:stretch>
                 <a:fillRect/>
               </a:stretch>
             </p:blipFill>
             <p:spPr>
               <a:xfrm>
-                <a:off x="2712467" y="7343125"/>
+                <a:off x="2712107" y="7343125"/>
                 <a:ext cx="126000" cy="126000"/>
               </a:xfrm>
               <a:prstGeom prst="rect">
@@ -12259,7 +12291,7 @@
       </mc:AlternateContent>
       <mc:AlternateContent xmlns:mc="http://schemas.openxmlformats.org/markup-compatibility/2006">
         <mc:Choice xmlns:p14="http://schemas.microsoft.com/office/powerpoint/2010/main" Requires="p14">
-          <p:contentPart p14:bwMode="auto" r:id="rId111">
+          <p:contentPart p14:bwMode="auto" r:id="rId113">
             <p14:nvContentPartPr>
               <p14:cNvPr id="128" name="Ink 127">
                 <a:extLst>
@@ -12291,7 +12323,7 @@
               <p:nvPr/>
             </p:nvPicPr>
             <p:blipFill>
-              <a:blip r:embed="rId105"/>
+              <a:blip r:embed="rId107"/>
               <a:stretch>
                 <a:fillRect/>
               </a:stretch>
@@ -12310,7 +12342,7 @@
       </mc:AlternateContent>
       <mc:AlternateContent xmlns:mc="http://schemas.openxmlformats.org/markup-compatibility/2006">
         <mc:Choice xmlns:p14="http://schemas.microsoft.com/office/powerpoint/2010/main" Requires="p14">
-          <p:contentPart p14:bwMode="auto" r:id="rId112">
+          <p:contentPart p14:bwMode="auto" r:id="rId114">
             <p14:nvContentPartPr>
               <p14:cNvPr id="129" name="Ink 128">
                 <a:extLst>
@@ -12342,14 +12374,14 @@
               <p:nvPr/>
             </p:nvPicPr>
             <p:blipFill>
-              <a:blip r:embed="rId105"/>
+              <a:blip r:embed="rId107"/>
               <a:stretch>
                 <a:fillRect/>
               </a:stretch>
             </p:blipFill>
             <p:spPr>
               <a:xfrm>
-                <a:off x="2182907" y="6906085"/>
+                <a:off x="2182907" y="6905725"/>
                 <a:ext cx="126000" cy="126000"/>
               </a:xfrm>
               <a:prstGeom prst="rect">
@@ -12361,7 +12393,7 @@
       </mc:AlternateContent>
       <mc:AlternateContent xmlns:mc="http://schemas.openxmlformats.org/markup-compatibility/2006">
         <mc:Choice xmlns:p14="http://schemas.microsoft.com/office/powerpoint/2010/main" Requires="p14">
-          <p:contentPart p14:bwMode="auto" r:id="rId113">
+          <p:contentPart p14:bwMode="auto" r:id="rId115">
             <p14:nvContentPartPr>
               <p14:cNvPr id="130" name="Ink 129">
                 <a:extLst>
@@ -12393,14 +12425,14 @@
               <p:nvPr/>
             </p:nvPicPr>
             <p:blipFill>
-              <a:blip r:embed="rId105"/>
+              <a:blip r:embed="rId107"/>
               <a:stretch>
                 <a:fillRect/>
               </a:stretch>
             </p:blipFill>
             <p:spPr>
               <a:xfrm>
-                <a:off x="2948987" y="5258005"/>
+                <a:off x="2948627" y="5258005"/>
                 <a:ext cx="126000" cy="126000"/>
               </a:xfrm>
               <a:prstGeom prst="rect">
@@ -12412,7 +12444,7 @@
       </mc:AlternateContent>
       <mc:AlternateContent xmlns:mc="http://schemas.openxmlformats.org/markup-compatibility/2006">
         <mc:Choice xmlns:p14="http://schemas.microsoft.com/office/powerpoint/2010/main" Requires="p14">
-          <p:contentPart p14:bwMode="auto" r:id="rId114">
+          <p:contentPart p14:bwMode="auto" r:id="rId116">
             <p14:nvContentPartPr>
               <p14:cNvPr id="131" name="Ink 130">
                 <a:extLst>
@@ -12444,14 +12476,14 @@
               <p:nvPr/>
             </p:nvPicPr>
             <p:blipFill>
-              <a:blip r:embed="rId105"/>
+              <a:blip r:embed="rId107"/>
               <a:stretch>
                 <a:fillRect/>
               </a:stretch>
             </p:blipFill>
             <p:spPr>
               <a:xfrm>
-                <a:off x="3091547" y="6701605"/>
+                <a:off x="3091187" y="6701605"/>
                 <a:ext cx="126000" cy="126000"/>
               </a:xfrm>
               <a:prstGeom prst="rect">
@@ -12463,7 +12495,7 @@
       </mc:AlternateContent>
       <mc:AlternateContent xmlns:mc="http://schemas.openxmlformats.org/markup-compatibility/2006">
         <mc:Choice xmlns:p14="http://schemas.microsoft.com/office/powerpoint/2010/main" Requires="p14">
-          <p:contentPart p14:bwMode="auto" r:id="rId115">
+          <p:contentPart p14:bwMode="auto" r:id="rId117">
             <p14:nvContentPartPr>
               <p14:cNvPr id="133" name="Ink 132">
                 <a:extLst>
@@ -12495,7 +12527,7 @@
               <p:nvPr/>
             </p:nvPicPr>
             <p:blipFill>
-              <a:blip r:embed="rId105"/>
+              <a:blip r:embed="rId107"/>
               <a:stretch>
                 <a:fillRect/>
               </a:stretch>
@@ -12532,9 +12564,9 @@
             <a:chExt cx="219240" cy="45360"/>
           </a:xfrm>
         </p:grpSpPr>
-        <mc:AlternateContent xmlns:mc="http://schemas.openxmlformats.org/markup-compatibility/2006">
-          <mc:Choice xmlns:p14="http://schemas.microsoft.com/office/powerpoint/2010/main" Requires="p14">
-            <p:contentPart p14:bwMode="auto" r:id="rId116">
+        <mc:AlternateContent xmlns:mc="http://schemas.openxmlformats.org/markup-compatibility/2006" xmlns:p14="http://schemas.microsoft.com/office/powerpoint/2010/main">
+          <mc:Choice Requires="p14">
+            <p:contentPart p14:bwMode="auto" r:id="rId118">
               <p14:nvContentPartPr>
                 <p14:cNvPr id="132" name="Ink 131">
                   <a:extLst>
@@ -12552,7 +12584,7 @@
               </p14:xfrm>
             </p:contentPart>
           </mc:Choice>
-          <mc:Fallback>
+          <mc:Fallback xmlns="">
             <p:pic>
               <p:nvPicPr>
                 <p:cNvPr id="132" name="Ink 131">
@@ -12566,7 +12598,7 @@
                 <p:nvPr/>
               </p:nvPicPr>
               <p:blipFill>
-                <a:blip r:embed="rId105"/>
+                <a:blip r:embed="rId119"/>
                 <a:stretch>
                   <a:fillRect/>
                 </a:stretch>
@@ -12583,9 +12615,9 @@
             </p:pic>
           </mc:Fallback>
         </mc:AlternateContent>
-        <mc:AlternateContent xmlns:mc="http://schemas.openxmlformats.org/markup-compatibility/2006">
-          <mc:Choice xmlns:p14="http://schemas.microsoft.com/office/powerpoint/2010/main" Requires="p14">
-            <p:contentPart p14:bwMode="auto" r:id="rId117">
+        <mc:AlternateContent xmlns:mc="http://schemas.openxmlformats.org/markup-compatibility/2006" xmlns:p14="http://schemas.microsoft.com/office/powerpoint/2010/main">
+          <mc:Choice Requires="p14">
+            <p:contentPart p14:bwMode="auto" r:id="rId120">
               <p14:nvContentPartPr>
                 <p14:cNvPr id="135" name="Ink 134">
                   <a:extLst>
@@ -12603,7 +12635,7 @@
               </p14:xfrm>
             </p:contentPart>
           </mc:Choice>
-          <mc:Fallback>
+          <mc:Fallback xmlns="">
             <p:pic>
               <p:nvPicPr>
                 <p:cNvPr id="135" name="Ink 134">
@@ -12617,7 +12649,7 @@
                 <p:nvPr/>
               </p:nvPicPr>
               <p:blipFill>
-                <a:blip r:embed="rId105"/>
+                <a:blip r:embed="rId119"/>
                 <a:stretch>
                   <a:fillRect/>
                 </a:stretch>
@@ -12637,7 +12669,7 @@
       </p:grpSp>
       <mc:AlternateContent xmlns:mc="http://schemas.openxmlformats.org/markup-compatibility/2006">
         <mc:Choice xmlns:p14="http://schemas.microsoft.com/office/powerpoint/2010/main" Requires="p14">
-          <p:contentPart p14:bwMode="auto" r:id="rId118">
+          <p:contentPart p14:bwMode="auto" r:id="rId121">
             <p14:nvContentPartPr>
               <p14:cNvPr id="136" name="Ink 135">
                 <a:extLst>
@@ -12669,14 +12701,14 @@
               <p:nvPr/>
             </p:nvPicPr>
             <p:blipFill>
-              <a:blip r:embed="rId105"/>
+              <a:blip r:embed="rId107"/>
               <a:stretch>
                 <a:fillRect/>
               </a:stretch>
             </p:blipFill>
             <p:spPr>
               <a:xfrm>
-                <a:off x="4992575" y="5439793"/>
+                <a:off x="4992215" y="5439793"/>
                 <a:ext cx="126000" cy="126000"/>
               </a:xfrm>
               <a:prstGeom prst="rect">
@@ -12706,9 +12738,9 @@
             <a:chExt cx="289080" cy="35640"/>
           </a:xfrm>
         </p:grpSpPr>
-        <mc:AlternateContent xmlns:mc="http://schemas.openxmlformats.org/markup-compatibility/2006">
-          <mc:Choice xmlns:p14="http://schemas.microsoft.com/office/powerpoint/2010/main" Requires="p14">
-            <p:contentPart p14:bwMode="auto" r:id="rId119">
+        <mc:AlternateContent xmlns:mc="http://schemas.openxmlformats.org/markup-compatibility/2006" xmlns:p14="http://schemas.microsoft.com/office/powerpoint/2010/main">
+          <mc:Choice Requires="p14">
+            <p:contentPart p14:bwMode="auto" r:id="rId122">
               <p14:nvContentPartPr>
                 <p14:cNvPr id="134" name="Ink 133">
                   <a:extLst>
@@ -12726,7 +12758,7 @@
               </p14:xfrm>
             </p:contentPart>
           </mc:Choice>
-          <mc:Fallback>
+          <mc:Fallback xmlns="">
             <p:pic>
               <p:nvPicPr>
                 <p:cNvPr id="134" name="Ink 133">
@@ -12740,7 +12772,7 @@
                 <p:nvPr/>
               </p:nvPicPr>
               <p:blipFill>
-                <a:blip r:embed="rId105"/>
+                <a:blip r:embed="rId119"/>
                 <a:stretch>
                   <a:fillRect/>
                 </a:stretch>
@@ -12757,9 +12789,9 @@
             </p:pic>
           </mc:Fallback>
         </mc:AlternateContent>
-        <mc:AlternateContent xmlns:mc="http://schemas.openxmlformats.org/markup-compatibility/2006">
-          <mc:Choice xmlns:p14="http://schemas.microsoft.com/office/powerpoint/2010/main" Requires="p14">
-            <p:contentPart p14:bwMode="auto" r:id="rId120">
+        <mc:AlternateContent xmlns:mc="http://schemas.openxmlformats.org/markup-compatibility/2006" xmlns:p14="http://schemas.microsoft.com/office/powerpoint/2010/main">
+          <mc:Choice Requires="p14">
+            <p:contentPart p14:bwMode="auto" r:id="rId123">
               <p14:nvContentPartPr>
                 <p14:cNvPr id="137" name="Ink 136">
                   <a:extLst>
@@ -12777,7 +12809,7 @@
               </p14:xfrm>
             </p:contentPart>
           </mc:Choice>
-          <mc:Fallback>
+          <mc:Fallback xmlns="">
             <p:pic>
               <p:nvPicPr>
                 <p:cNvPr id="137" name="Ink 136">
@@ -12791,7 +12823,7 @@
                 <p:nvPr/>
               </p:nvPicPr>
               <p:blipFill>
-                <a:blip r:embed="rId105"/>
+                <a:blip r:embed="rId119"/>
                 <a:stretch>
                   <a:fillRect/>
                 </a:stretch>
@@ -12811,7 +12843,7 @@
       </p:grpSp>
       <mc:AlternateContent xmlns:mc="http://schemas.openxmlformats.org/markup-compatibility/2006">
         <mc:Choice xmlns:p14="http://schemas.microsoft.com/office/powerpoint/2010/main" Requires="p14">
-          <p:contentPart p14:bwMode="auto" r:id="rId121">
+          <p:contentPart p14:bwMode="auto" r:id="rId124">
             <p14:nvContentPartPr>
               <p14:cNvPr id="140" name="Ink 139">
                 <a:extLst>
@@ -12843,7 +12875,7 @@
               <p:nvPr/>
             </p:nvPicPr>
             <p:blipFill>
-              <a:blip r:embed="rId105"/>
+              <a:blip r:embed="rId107"/>
               <a:stretch>
                 <a:fillRect/>
               </a:stretch>
@@ -12862,7 +12894,7 @@
       </mc:AlternateContent>
       <mc:AlternateContent xmlns:mc="http://schemas.openxmlformats.org/markup-compatibility/2006">
         <mc:Choice xmlns:p14="http://schemas.microsoft.com/office/powerpoint/2010/main" Requires="p14">
-          <p:contentPart p14:bwMode="auto" r:id="rId122">
+          <p:contentPart p14:bwMode="auto" r:id="rId125">
             <p14:nvContentPartPr>
               <p14:cNvPr id="141" name="Ink 140">
                 <a:extLst>
@@ -12894,7 +12926,7 @@
               <p:nvPr/>
             </p:nvPicPr>
             <p:blipFill>
-              <a:blip r:embed="rId105"/>
+              <a:blip r:embed="rId107"/>
               <a:stretch>
                 <a:fillRect/>
               </a:stretch>
@@ -12913,7 +12945,7 @@
       </mc:AlternateContent>
       <mc:AlternateContent xmlns:mc="http://schemas.openxmlformats.org/markup-compatibility/2006">
         <mc:Choice xmlns:p14="http://schemas.microsoft.com/office/powerpoint/2010/main" Requires="p14">
-          <p:contentPart p14:bwMode="auto" r:id="rId123">
+          <p:contentPart p14:bwMode="auto" r:id="rId126">
             <p14:nvContentPartPr>
               <p14:cNvPr id="142" name="Ink 141">
                 <a:extLst>
@@ -12945,14 +12977,14 @@
               <p:nvPr/>
             </p:nvPicPr>
             <p:blipFill>
-              <a:blip r:embed="rId105"/>
+              <a:blip r:embed="rId107"/>
               <a:stretch>
                 <a:fillRect/>
               </a:stretch>
             </p:blipFill>
             <p:spPr>
               <a:xfrm>
-                <a:off x="5669735" y="5781793"/>
+                <a:off x="5669375" y="5781793"/>
                 <a:ext cx="126000" cy="126000"/>
               </a:xfrm>
               <a:prstGeom prst="rect">
@@ -12964,7 +12996,7 @@
       </mc:AlternateContent>
       <mc:AlternateContent xmlns:mc="http://schemas.openxmlformats.org/markup-compatibility/2006">
         <mc:Choice xmlns:p14="http://schemas.microsoft.com/office/powerpoint/2010/main" Requires="p14">
-          <p:contentPart p14:bwMode="auto" r:id="rId124">
+          <p:contentPart p14:bwMode="auto" r:id="rId127">
             <p14:nvContentPartPr>
               <p14:cNvPr id="143" name="Ink 142">
                 <a:extLst>
@@ -12996,14 +13028,14 @@
               <p:nvPr/>
             </p:nvPicPr>
             <p:blipFill>
-              <a:blip r:embed="rId105"/>
+              <a:blip r:embed="rId107"/>
               <a:stretch>
                 <a:fillRect/>
               </a:stretch>
             </p:blipFill>
             <p:spPr>
               <a:xfrm>
-                <a:off x="5719055" y="5424313"/>
+                <a:off x="5718695" y="5424313"/>
                 <a:ext cx="126000" cy="126000"/>
               </a:xfrm>
               <a:prstGeom prst="rect">
@@ -13015,7 +13047,7 @@
       </mc:AlternateContent>
       <mc:AlternateContent xmlns:mc="http://schemas.openxmlformats.org/markup-compatibility/2006">
         <mc:Choice xmlns:p14="http://schemas.microsoft.com/office/powerpoint/2010/main" Requires="p14">
-          <p:contentPart p14:bwMode="auto" r:id="rId125">
+          <p:contentPart p14:bwMode="auto" r:id="rId128">
             <p14:nvContentPartPr>
               <p14:cNvPr id="144" name="Ink 143">
                 <a:extLst>
@@ -13047,7 +13079,7 @@
               <p:nvPr/>
             </p:nvPicPr>
             <p:blipFill>
-              <a:blip r:embed="rId105"/>
+              <a:blip r:embed="rId107"/>
               <a:stretch>
                 <a:fillRect/>
               </a:stretch>
@@ -13066,7 +13098,7 @@
       </mc:AlternateContent>
       <mc:AlternateContent xmlns:mc="http://schemas.openxmlformats.org/markup-compatibility/2006">
         <mc:Choice xmlns:p14="http://schemas.microsoft.com/office/powerpoint/2010/main" Requires="p14">
-          <p:contentPart p14:bwMode="auto" r:id="rId126">
+          <p:contentPart p14:bwMode="auto" r:id="rId129">
             <p14:nvContentPartPr>
               <p14:cNvPr id="145" name="Ink 144">
                 <a:extLst>
@@ -13098,14 +13130,14 @@
               <p:nvPr/>
             </p:nvPicPr>
             <p:blipFill>
-              <a:blip r:embed="rId105"/>
+              <a:blip r:embed="rId107"/>
               <a:stretch>
                 <a:fillRect/>
               </a:stretch>
             </p:blipFill>
             <p:spPr>
               <a:xfrm>
-                <a:off x="9038495" y="5501353"/>
+                <a:off x="9038495" y="5500993"/>
                 <a:ext cx="126000" cy="126000"/>
               </a:xfrm>
               <a:prstGeom prst="rect">
@@ -13144,7 +13176,10 @@
           <a:lstStyle/>
           <a:p>
             <a:r>
-              <a:rPr lang="en-US" dirty="0"/>
+              <a:rPr lang="en-US" dirty="0">
+                <a:latin typeface="Source Sans Pro" panose="020B0503030403020204" pitchFamily="34" charset="0"/>
+                <a:ea typeface="Source Sans Pro" panose="020B0503030403020204" pitchFamily="34" charset="0"/>
+              </a:rPr>
               <a:t>N=50</a:t>
             </a:r>
           </a:p>
@@ -13179,7 +13214,10 @@
           <a:lstStyle/>
           <a:p>
             <a:r>
-              <a:rPr lang="en-US" dirty="0"/>
+              <a:rPr lang="en-US" dirty="0">
+                <a:latin typeface="Source Sans Pro" panose="020B0503030403020204" pitchFamily="34" charset="0"/>
+                <a:ea typeface="Source Sans Pro" panose="020B0503030403020204" pitchFamily="34" charset="0"/>
+              </a:rPr>
               <a:t>N=5</a:t>
             </a:r>
           </a:p>
@@ -13214,7 +13252,10 @@
           <a:lstStyle/>
           <a:p>
             <a:r>
-              <a:rPr lang="en-US" dirty="0"/>
+              <a:rPr lang="en-US" dirty="0">
+                <a:latin typeface="Source Sans Pro" panose="020B0503030403020204" pitchFamily="34" charset="0"/>
+                <a:ea typeface="Source Sans Pro" panose="020B0503030403020204" pitchFamily="34" charset="0"/>
+              </a:rPr>
               <a:t>N=3</a:t>
             </a:r>
           </a:p>
@@ -13249,15 +13290,18 @@
           <a:lstStyle/>
           <a:p>
             <a:r>
-              <a:rPr lang="en-US" dirty="0"/>
+              <a:rPr lang="en-US" dirty="0">
+                <a:latin typeface="Source Sans Pro" panose="020B0503030403020204" pitchFamily="34" charset="0"/>
+                <a:ea typeface="Source Sans Pro" panose="020B0503030403020204" pitchFamily="34" charset="0"/>
+              </a:rPr>
               <a:t>N=2</a:t>
             </a:r>
           </a:p>
         </p:txBody>
       </p:sp>
-      <mc:AlternateContent xmlns:mc="http://schemas.openxmlformats.org/markup-compatibility/2006">
-        <mc:Choice xmlns:p14="http://schemas.microsoft.com/office/powerpoint/2010/main" Requires="p14">
-          <p:contentPart p14:bwMode="auto" r:id="rId127">
+      <mc:AlternateContent xmlns:mc="http://schemas.openxmlformats.org/markup-compatibility/2006" xmlns:p14="http://schemas.microsoft.com/office/powerpoint/2010/main">
+        <mc:Choice Requires="p14">
+          <p:contentPart p14:bwMode="auto" r:id="rId130">
             <p14:nvContentPartPr>
               <p14:cNvPr id="150" name="Ink 149">
                 <a:extLst>
@@ -13275,7 +13319,7 @@
             </p14:xfrm>
           </p:contentPart>
         </mc:Choice>
-        <mc:Fallback>
+        <mc:Fallback xmlns="">
           <p:pic>
             <p:nvPicPr>
               <p:cNvPr id="150" name="Ink 149">
@@ -13320,8 +13364,8 @@
         </p:nvSpPr>
         <p:spPr>
           <a:xfrm>
-            <a:off x="4558672" y="6538776"/>
-            <a:ext cx="1726755" cy="369332"/>
+            <a:off x="4464066" y="6577818"/>
+            <a:ext cx="1824538" cy="369332"/>
           </a:xfrm>
           <a:prstGeom prst="rect">
             <a:avLst/>
@@ -13335,7 +13379,10 @@
           <a:lstStyle/>
           <a:p>
             <a:r>
-              <a:rPr lang="en-US" b="1" dirty="0"/>
+              <a:rPr lang="en-US" b="1" dirty="0">
+                <a:latin typeface="Source Sans Pro" panose="020B0503030403020204" pitchFamily="34" charset="0"/>
+                <a:ea typeface="Source Sans Pro" panose="020B0503030403020204" pitchFamily="34" charset="0"/>
+              </a:rPr>
               <a:t>Random sample</a:t>
             </a:r>
           </a:p>
@@ -13343,7 +13390,7 @@
       </p:sp>
       <mc:AlternateContent xmlns:mc="http://schemas.openxmlformats.org/markup-compatibility/2006">
         <mc:Choice xmlns:p14="http://schemas.microsoft.com/office/powerpoint/2010/main" Requires="p14">
-          <p:contentPart p14:bwMode="auto" r:id="rId128">
+          <p:contentPart p14:bwMode="auto" r:id="rId131">
             <p14:nvContentPartPr>
               <p14:cNvPr id="154" name="Ink 153">
                 <a:extLst>
@@ -13382,7 +13429,7 @@
             </p:blipFill>
             <p:spPr>
               <a:xfrm>
-                <a:off x="4999755" y="7382714"/>
+                <a:off x="4999755" y="7382354"/>
                 <a:ext cx="126000" cy="126000"/>
               </a:xfrm>
               <a:prstGeom prst="rect">
@@ -13394,7 +13441,7 @@
       </mc:AlternateContent>
       <mc:AlternateContent xmlns:mc="http://schemas.openxmlformats.org/markup-compatibility/2006">
         <mc:Choice xmlns:p14="http://schemas.microsoft.com/office/powerpoint/2010/main" Requires="p14">
-          <p:contentPart p14:bwMode="auto" r:id="rId129">
+          <p:contentPart p14:bwMode="auto" r:id="rId132">
             <p14:nvContentPartPr>
               <p14:cNvPr id="155" name="Ink 154">
                 <a:extLst>
@@ -13433,7 +13480,7 @@
             </p:blipFill>
             <p:spPr>
               <a:xfrm>
-                <a:off x="5669375" y="7455225"/>
+                <a:off x="5669375" y="7454865"/>
                 <a:ext cx="126000" cy="126000"/>
               </a:xfrm>
               <a:prstGeom prst="rect">
@@ -13445,7 +13492,7 @@
       </mc:AlternateContent>
       <mc:AlternateContent xmlns:mc="http://schemas.openxmlformats.org/markup-compatibility/2006">
         <mc:Choice xmlns:p14="http://schemas.microsoft.com/office/powerpoint/2010/main" Requires="p14">
-          <p:contentPart p14:bwMode="auto" r:id="rId130">
+          <p:contentPart p14:bwMode="auto" r:id="rId133">
             <p14:nvContentPartPr>
               <p14:cNvPr id="156" name="Ink 155">
                 <a:extLst>
@@ -13484,7 +13531,7 @@
             </p:blipFill>
             <p:spPr>
               <a:xfrm>
-                <a:off x="5298215" y="9002368"/>
+                <a:off x="5298215" y="9002008"/>
                 <a:ext cx="126000" cy="126000"/>
               </a:xfrm>
               <a:prstGeom prst="rect">
@@ -13496,7 +13543,7 @@
       </mc:AlternateContent>
       <mc:AlternateContent xmlns:mc="http://schemas.openxmlformats.org/markup-compatibility/2006">
         <mc:Choice xmlns:p14="http://schemas.microsoft.com/office/powerpoint/2010/main" Requires="p14">
-          <p:contentPart p14:bwMode="auto" r:id="rId131">
+          <p:contentPart p14:bwMode="auto" r:id="rId134">
             <p14:nvContentPartPr>
               <p14:cNvPr id="157" name="Ink 156">
                 <a:extLst>
@@ -13535,7 +13582,7 @@
             </p:blipFill>
             <p:spPr>
               <a:xfrm>
-                <a:off x="5771165" y="9944414"/>
+                <a:off x="5770805" y="9944414"/>
                 <a:ext cx="126000" cy="126000"/>
               </a:xfrm>
               <a:prstGeom prst="rect">
@@ -13547,7 +13594,7 @@
       </mc:AlternateContent>
       <mc:AlternateContent xmlns:mc="http://schemas.openxmlformats.org/markup-compatibility/2006">
         <mc:Choice xmlns:p14="http://schemas.microsoft.com/office/powerpoint/2010/main" Requires="p14">
-          <p:contentPart p14:bwMode="auto" r:id="rId132">
+          <p:contentPart p14:bwMode="auto" r:id="rId135">
             <p14:nvContentPartPr>
               <p14:cNvPr id="158" name="Ink 157">
                 <a:extLst>
@@ -13598,7 +13645,7 @@
       </mc:AlternateContent>
       <mc:AlternateContent xmlns:mc="http://schemas.openxmlformats.org/markup-compatibility/2006">
         <mc:Choice xmlns:p14="http://schemas.microsoft.com/office/powerpoint/2010/main" Requires="p14">
-          <p:contentPart p14:bwMode="auto" r:id="rId133">
+          <p:contentPart p14:bwMode="auto" r:id="rId136">
             <p14:nvContentPartPr>
               <p14:cNvPr id="159" name="Ink 158">
                 <a:extLst>
@@ -13630,7 +13677,7 @@
               <p:nvPr/>
             </p:nvPicPr>
             <p:blipFill>
-              <a:blip r:embed="rId71"/>
+              <a:blip r:embed="rId72"/>
               <a:stretch>
                 <a:fillRect/>
               </a:stretch>
@@ -13649,7 +13696,7 @@
       </mc:AlternateContent>
       <mc:AlternateContent xmlns:mc="http://schemas.openxmlformats.org/markup-compatibility/2006">
         <mc:Choice xmlns:p14="http://schemas.microsoft.com/office/powerpoint/2010/main" Requires="p14">
-          <p:contentPart p14:bwMode="auto" r:id="rId134">
+          <p:contentPart p14:bwMode="auto" r:id="rId137">
             <p14:nvContentPartPr>
               <p14:cNvPr id="160" name="Ink 159">
                 <a:extLst>
@@ -13681,14 +13728,14 @@
               <p:nvPr/>
             </p:nvPicPr>
             <p:blipFill>
-              <a:blip r:embed="rId71"/>
+              <a:blip r:embed="rId72"/>
               <a:stretch>
                 <a:fillRect/>
               </a:stretch>
             </p:blipFill>
             <p:spPr>
               <a:xfrm>
-                <a:off x="5216495" y="8565664"/>
+                <a:off x="5216495" y="8565304"/>
                 <a:ext cx="126000" cy="126000"/>
               </a:xfrm>
               <a:prstGeom prst="rect">
@@ -13727,7 +13774,10 @@
           <a:lstStyle/>
           <a:p>
             <a:r>
-              <a:rPr lang="en-US" dirty="0"/>
+              <a:rPr lang="en-US" dirty="0">
+                <a:latin typeface="Source Sans Pro" panose="020B0503030403020204" pitchFamily="34" charset="0"/>
+                <a:ea typeface="Source Sans Pro" panose="020B0503030403020204" pitchFamily="34" charset="0"/>
+              </a:rPr>
               <a:t>N=10</a:t>
             </a:r>
           </a:p>
@@ -13753,9 +13803,9 @@
             <a:chExt cx="456480" cy="298800"/>
           </a:xfrm>
         </p:grpSpPr>
-        <mc:AlternateContent xmlns:mc="http://schemas.openxmlformats.org/markup-compatibility/2006">
-          <mc:Choice xmlns:p14="http://schemas.microsoft.com/office/powerpoint/2010/main" Requires="p14">
-            <p:contentPart p14:bwMode="auto" r:id="rId135">
+        <mc:AlternateContent xmlns:mc="http://schemas.openxmlformats.org/markup-compatibility/2006" xmlns:p14="http://schemas.microsoft.com/office/powerpoint/2010/main">
+          <mc:Choice Requires="p14">
+            <p:contentPart p14:bwMode="auto" r:id="rId138">
               <p14:nvContentPartPr>
                 <p14:cNvPr id="177" name="Ink 176">
                   <a:extLst>
@@ -13773,7 +13823,7 @@
               </p14:xfrm>
             </p:contentPart>
           </mc:Choice>
-          <mc:Fallback>
+          <mc:Fallback xmlns="">
             <p:pic>
               <p:nvPicPr>
                 <p:cNvPr id="177" name="Ink 176">
@@ -13787,7 +13837,7 @@
                 <p:nvPr/>
               </p:nvPicPr>
               <p:blipFill>
-                <a:blip r:embed="rId136"/>
+                <a:blip r:embed="rId139"/>
                 <a:stretch>
                   <a:fillRect/>
                 </a:stretch>
@@ -13804,9 +13854,9 @@
             </p:pic>
           </mc:Fallback>
         </mc:AlternateContent>
-        <mc:AlternateContent xmlns:mc="http://schemas.openxmlformats.org/markup-compatibility/2006">
-          <mc:Choice xmlns:p14="http://schemas.microsoft.com/office/powerpoint/2010/main" Requires="p14">
-            <p:contentPart p14:bwMode="auto" r:id="rId137">
+        <mc:AlternateContent xmlns:mc="http://schemas.openxmlformats.org/markup-compatibility/2006" xmlns:p14="http://schemas.microsoft.com/office/powerpoint/2010/main">
+          <mc:Choice Requires="p14">
+            <p:contentPart p14:bwMode="auto" r:id="rId140">
               <p14:nvContentPartPr>
                 <p14:cNvPr id="178" name="Ink 177">
                   <a:extLst>
@@ -13824,7 +13874,7 @@
               </p14:xfrm>
             </p:contentPart>
           </mc:Choice>
-          <mc:Fallback>
+          <mc:Fallback xmlns="">
             <p:pic>
               <p:nvPicPr>
                 <p:cNvPr id="178" name="Ink 177">
@@ -13838,7 +13888,7 @@
                 <p:nvPr/>
               </p:nvPicPr>
               <p:blipFill>
-                <a:blip r:embed="rId138"/>
+                <a:blip r:embed="rId141"/>
                 <a:stretch>
                   <a:fillRect/>
                 </a:stretch>
@@ -13876,9 +13926,9 @@
             <a:chExt cx="432000" cy="306720"/>
           </a:xfrm>
         </p:grpSpPr>
-        <mc:AlternateContent xmlns:mc="http://schemas.openxmlformats.org/markup-compatibility/2006">
-          <mc:Choice xmlns:p14="http://schemas.microsoft.com/office/powerpoint/2010/main" Requires="p14">
-            <p:contentPart p14:bwMode="auto" r:id="rId139">
+        <mc:AlternateContent xmlns:mc="http://schemas.openxmlformats.org/markup-compatibility/2006" xmlns:p14="http://schemas.microsoft.com/office/powerpoint/2010/main">
+          <mc:Choice Requires="p14">
+            <p:contentPart p14:bwMode="auto" r:id="rId142">
               <p14:nvContentPartPr>
                 <p14:cNvPr id="180" name="Ink 179">
                   <a:extLst>
@@ -13896,7 +13946,7 @@
               </p14:xfrm>
             </p:contentPart>
           </mc:Choice>
-          <mc:Fallback>
+          <mc:Fallback xmlns="">
             <p:pic>
               <p:nvPicPr>
                 <p:cNvPr id="180" name="Ink 179">
@@ -13910,7 +13960,7 @@
                 <p:nvPr/>
               </p:nvPicPr>
               <p:blipFill>
-                <a:blip r:embed="rId140"/>
+                <a:blip r:embed="rId143"/>
                 <a:stretch>
                   <a:fillRect/>
                 </a:stretch>
@@ -13927,9 +13977,9 @@
             </p:pic>
           </mc:Fallback>
         </mc:AlternateContent>
-        <mc:AlternateContent xmlns:mc="http://schemas.openxmlformats.org/markup-compatibility/2006">
-          <mc:Choice xmlns:p14="http://schemas.microsoft.com/office/powerpoint/2010/main" Requires="p14">
-            <p:contentPart p14:bwMode="auto" r:id="rId141">
+        <mc:AlternateContent xmlns:mc="http://schemas.openxmlformats.org/markup-compatibility/2006" xmlns:p14="http://schemas.microsoft.com/office/powerpoint/2010/main">
+          <mc:Choice Requires="p14">
+            <p:contentPart p14:bwMode="auto" r:id="rId144">
               <p14:nvContentPartPr>
                 <p14:cNvPr id="181" name="Ink 180">
                   <a:extLst>
@@ -13947,7 +13997,7 @@
               </p14:xfrm>
             </p:contentPart>
           </mc:Choice>
-          <mc:Fallback>
+          <mc:Fallback xmlns="">
             <p:pic>
               <p:nvPicPr>
                 <p:cNvPr id="181" name="Ink 180">
@@ -13961,7 +14011,7 @@
                 <p:nvPr/>
               </p:nvPicPr>
               <p:blipFill>
-                <a:blip r:embed="rId142"/>
+                <a:blip r:embed="rId145"/>
                 <a:stretch>
                   <a:fillRect/>
                 </a:stretch>
@@ -13979,9 +14029,9 @@
           </mc:Fallback>
         </mc:AlternateContent>
       </p:grpSp>
-      <mc:AlternateContent xmlns:mc="http://schemas.openxmlformats.org/markup-compatibility/2006">
-        <mc:Choice xmlns:p14="http://schemas.microsoft.com/office/powerpoint/2010/main" Requires="p14">
-          <p:contentPart p14:bwMode="auto" r:id="rId143">
+      <mc:AlternateContent xmlns:mc="http://schemas.openxmlformats.org/markup-compatibility/2006" xmlns:p14="http://schemas.microsoft.com/office/powerpoint/2010/main">
+        <mc:Choice Requires="p14">
+          <p:contentPart p14:bwMode="auto" r:id="rId146">
             <p14:nvContentPartPr>
               <p14:cNvPr id="183" name="Ink 182">
                 <a:extLst>
@@ -13999,7 +14049,7 @@
             </p14:xfrm>
           </p:contentPart>
         </mc:Choice>
-        <mc:Fallback>
+        <mc:Fallback xmlns="">
           <p:pic>
             <p:nvPicPr>
               <p:cNvPr id="183" name="Ink 182">
@@ -14013,7 +14063,7 @@
               <p:nvPr/>
             </p:nvPicPr>
             <p:blipFill>
-              <a:blip r:embed="rId144"/>
+              <a:blip r:embed="rId147"/>
               <a:stretch>
                 <a:fillRect/>
               </a:stretch>
@@ -14030,9 +14080,9 @@
           </p:pic>
         </mc:Fallback>
       </mc:AlternateContent>
-      <mc:AlternateContent xmlns:mc="http://schemas.openxmlformats.org/markup-compatibility/2006">
-        <mc:Choice xmlns:p14="http://schemas.microsoft.com/office/powerpoint/2010/main" Requires="p14">
-          <p:contentPart p14:bwMode="auto" r:id="rId145">
+      <mc:AlternateContent xmlns:mc="http://schemas.openxmlformats.org/markup-compatibility/2006" xmlns:p14="http://schemas.microsoft.com/office/powerpoint/2010/main">
+        <mc:Choice Requires="p14">
+          <p:contentPart p14:bwMode="auto" r:id="rId148">
             <p14:nvContentPartPr>
               <p14:cNvPr id="184" name="Ink 183">
                 <a:extLst>
@@ -14050,7 +14100,7 @@
             </p14:xfrm>
           </p:contentPart>
         </mc:Choice>
-        <mc:Fallback>
+        <mc:Fallback xmlns="">
           <p:pic>
             <p:nvPicPr>
               <p:cNvPr id="184" name="Ink 183">
@@ -14064,7 +14114,7 @@
               <p:nvPr/>
             </p:nvPicPr>
             <p:blipFill>
-              <a:blip r:embed="rId146"/>
+              <a:blip r:embed="rId149"/>
               <a:stretch>
                 <a:fillRect/>
               </a:stretch>
@@ -14083,7 +14133,7 @@
       </mc:AlternateContent>
       <mc:AlternateContent xmlns:mc="http://schemas.openxmlformats.org/markup-compatibility/2006">
         <mc:Choice xmlns:p14="http://schemas.microsoft.com/office/powerpoint/2010/main" Requires="p14">
-          <p:contentPart p14:bwMode="auto" r:id="rId147">
+          <p:contentPart p14:bwMode="auto" r:id="rId150">
             <p14:nvContentPartPr>
               <p14:cNvPr id="185" name="Ink 184">
                 <a:extLst>
@@ -14115,14 +14165,14 @@
               <p:nvPr/>
             </p:nvPicPr>
             <p:blipFill>
-              <a:blip r:embed="rId71"/>
+              <a:blip r:embed="rId72"/>
               <a:stretch>
                 <a:fillRect/>
               </a:stretch>
             </p:blipFill>
             <p:spPr>
               <a:xfrm>
-                <a:off x="4823015" y="9945134"/>
+                <a:off x="4823015" y="9944774"/>
                 <a:ext cx="126000" cy="126000"/>
               </a:xfrm>
               <a:prstGeom prst="rect">
@@ -14134,7 +14184,7 @@
       </mc:AlternateContent>
       <mc:AlternateContent xmlns:mc="http://schemas.openxmlformats.org/markup-compatibility/2006">
         <mc:Choice xmlns:p14="http://schemas.microsoft.com/office/powerpoint/2010/main" Requires="p14">
-          <p:contentPart p14:bwMode="auto" r:id="rId148">
+          <p:contentPart p14:bwMode="auto" r:id="rId151">
             <p14:nvContentPartPr>
               <p14:cNvPr id="186" name="Ink 185">
                 <a:extLst>
@@ -14173,7 +14223,7 @@
             </p:blipFill>
             <p:spPr>
               <a:xfrm>
-                <a:off x="5830466" y="8145242"/>
+                <a:off x="5830466" y="8144882"/>
                 <a:ext cx="126000" cy="126000"/>
               </a:xfrm>
               <a:prstGeom prst="rect">
@@ -14185,7 +14235,7 @@
       </mc:AlternateContent>
       <mc:AlternateContent xmlns:mc="http://schemas.openxmlformats.org/markup-compatibility/2006">
         <mc:Choice xmlns:p14="http://schemas.microsoft.com/office/powerpoint/2010/main" Requires="p14">
-          <p:contentPart p14:bwMode="auto" r:id="rId149">
+          <p:contentPart p14:bwMode="auto" r:id="rId152">
             <p14:nvContentPartPr>
               <p14:cNvPr id="187" name="Ink 186">
                 <a:extLst>
@@ -14224,7 +14274,7 @@
             </p:blipFill>
             <p:spPr>
               <a:xfrm>
-                <a:off x="6099215" y="9417074"/>
+                <a:off x="6099215" y="9416714"/>
                 <a:ext cx="126000" cy="126000"/>
               </a:xfrm>
               <a:prstGeom prst="rect">
